--- a/fig/design_space.pptx
+++ b/fig/design_space.pptx
@@ -104,6 +104,11 @@
       </a:defRPr>
     </a:lvl9pPr>
   </p:defaultTextStyle>
+  <p:extLst>
+    <p:ext uri="{EFAFB233-063F-42B5-8137-9DF3F51BA10A}">
+      <p15:sldGuideLst xmlns:p15="http://schemas.microsoft.com/office/powerpoint/2012/main"/>
+    </p:ext>
+  </p:extLst>
 </p:presentation>
 </file>
 
@@ -170,379 +175,379 @@
                 <c:formatCode>General</c:formatCode>
                 <c:ptCount val="125"/>
                 <c:pt idx="0">
-                  <c:v>0.10147200000000001</c:v>
+                  <c:v>0.18171999999999999</c:v>
                 </c:pt>
                 <c:pt idx="1">
-                  <c:v>0.18160799999999999</c:v>
+                  <c:v>0.34199200000000002</c:v>
                 </c:pt>
                 <c:pt idx="2">
-                  <c:v>0.36364800000000003</c:v>
+                  <c:v>0.70607200000000003</c:v>
                 </c:pt>
                 <c:pt idx="3">
-                  <c:v>0.67747999999999997</c:v>
+                  <c:v>1.333736</c:v>
                 </c:pt>
                 <c:pt idx="4">
-                  <c:v>1.333744</c:v>
+                  <c:v>2.6462639999999999</c:v>
                 </c:pt>
                 <c:pt idx="5">
-                  <c:v>0.10695499999999999</c:v>
+                  <c:v>0.18720300000000001</c:v>
                 </c:pt>
                 <c:pt idx="6">
-                  <c:v>0.18709100000000001</c:v>
+                  <c:v>0.34747499999999998</c:v>
                 </c:pt>
                 <c:pt idx="7">
-                  <c:v>0.36913099999999999</c:v>
+                  <c:v>0.71155500000000005</c:v>
                 </c:pt>
                 <c:pt idx="8">
-                  <c:v>0.68296299999999999</c:v>
+                  <c:v>1.3392189999999999</c:v>
                 </c:pt>
                 <c:pt idx="9">
-                  <c:v>1.3392269999999999</c:v>
+                  <c:v>2.6517469999999999</c:v>
                 </c:pt>
                 <c:pt idx="10">
-                  <c:v>0.11755599999999999</c:v>
+                  <c:v>0.19780400000000001</c:v>
                 </c:pt>
                 <c:pt idx="11">
-                  <c:v>0.19769200000000001</c:v>
+                  <c:v>0.35807600000000001</c:v>
                 </c:pt>
                 <c:pt idx="12">
-                  <c:v>0.37973200000000001</c:v>
+                  <c:v>0.72215600000000002</c:v>
                 </c:pt>
                 <c:pt idx="13">
-                  <c:v>0.69356399999999996</c:v>
+                  <c:v>1.34982</c:v>
                 </c:pt>
                 <c:pt idx="14">
-                  <c:v>1.349828</c:v>
+                  <c:v>2.6623480000000002</c:v>
                 </c:pt>
                 <c:pt idx="15">
-                  <c:v>0.14133799999999999</c:v>
+                  <c:v>0.22158600000000001</c:v>
                 </c:pt>
                 <c:pt idx="16">
-                  <c:v>0.221474</c:v>
+                  <c:v>0.38185799999999998</c:v>
                 </c:pt>
                 <c:pt idx="17">
-                  <c:v>0.40351399999999998</c:v>
+                  <c:v>0.74593799999999999</c:v>
                 </c:pt>
                 <c:pt idx="18">
-                  <c:v>0.71734600000000004</c:v>
+                  <c:v>1.373602</c:v>
                 </c:pt>
                 <c:pt idx="19">
-                  <c:v>1.37361</c:v>
+                  <c:v>2.6861299999999999</c:v>
                 </c:pt>
                 <c:pt idx="20">
-                  <c:v>0.187255</c:v>
+                  <c:v>0.26750299999999999</c:v>
                 </c:pt>
                 <c:pt idx="21">
-                  <c:v>0.26739099999999999</c:v>
+                  <c:v>0.42777500000000002</c:v>
                 </c:pt>
                 <c:pt idx="22">
-                  <c:v>0.44943100000000002</c:v>
+                  <c:v>0.79185499999999998</c:v>
                 </c:pt>
                 <c:pt idx="23">
-                  <c:v>0.76326300000000002</c:v>
+                  <c:v>1.419519</c:v>
                 </c:pt>
                 <c:pt idx="24">
-                  <c:v>1.419527</c:v>
+                  <c:v>2.7320470000000001</c:v>
                 </c:pt>
                 <c:pt idx="25">
-                  <c:v>0.13116800000000001</c:v>
+                  <c:v>0.21141599999999999</c:v>
                 </c:pt>
                 <c:pt idx="26">
-                  <c:v>0.21130399999999999</c:v>
+                  <c:v>0.37168800000000002</c:v>
                 </c:pt>
                 <c:pt idx="27">
-                  <c:v>0.39334400000000003</c:v>
+                  <c:v>0.73576799999999998</c:v>
                 </c:pt>
                 <c:pt idx="28">
-                  <c:v>0.70717600000000003</c:v>
+                  <c:v>1.363432</c:v>
                 </c:pt>
                 <c:pt idx="29">
-                  <c:v>1.36344</c:v>
+                  <c:v>2.6759599999999999</c:v>
                 </c:pt>
                 <c:pt idx="30">
-                  <c:v>0.13665099999999999</c:v>
+                  <c:v>0.21689900000000001</c:v>
                 </c:pt>
                 <c:pt idx="31">
-                  <c:v>0.21678700000000001</c:v>
+                  <c:v>0.37717099999999998</c:v>
                 </c:pt>
                 <c:pt idx="32">
-                  <c:v>0.39882699999999999</c:v>
+                  <c:v>0.74125099999999999</c:v>
                 </c:pt>
                 <c:pt idx="33">
-                  <c:v>0.71265900000000004</c:v>
+                  <c:v>1.3689150000000001</c:v>
                 </c:pt>
                 <c:pt idx="34">
-                  <c:v>1.3689229999999999</c:v>
+                  <c:v>2.6814429999999998</c:v>
                 </c:pt>
                 <c:pt idx="35">
-                  <c:v>0.14725199999999999</c:v>
+                  <c:v>0.22750000000000001</c:v>
                 </c:pt>
                 <c:pt idx="36">
-                  <c:v>0.22738800000000001</c:v>
+                  <c:v>0.38777200000000001</c:v>
                 </c:pt>
                 <c:pt idx="37">
-                  <c:v>0.40942800000000001</c:v>
+                  <c:v>0.75185199999999996</c:v>
                 </c:pt>
                 <c:pt idx="38">
-                  <c:v>0.72326000000000001</c:v>
+                  <c:v>1.379516</c:v>
                 </c:pt>
                 <c:pt idx="39">
-                  <c:v>1.379524</c:v>
+                  <c:v>2.6920440000000001</c:v>
                 </c:pt>
                 <c:pt idx="40">
-                  <c:v>0.17103399999999999</c:v>
+                  <c:v>0.25128200000000001</c:v>
                 </c:pt>
                 <c:pt idx="41">
-                  <c:v>0.25117</c:v>
+                  <c:v>0.41155399999999998</c:v>
                 </c:pt>
                 <c:pt idx="42">
-                  <c:v>0.43320999999999998</c:v>
+                  <c:v>0.77563400000000005</c:v>
                 </c:pt>
                 <c:pt idx="43">
-                  <c:v>0.74704199999999998</c:v>
+                  <c:v>1.4032979999999999</c:v>
                 </c:pt>
                 <c:pt idx="44">
-                  <c:v>1.4033059999999999</c:v>
+                  <c:v>2.7158259999999999</c:v>
                 </c:pt>
                 <c:pt idx="45">
-                  <c:v>0.216951</c:v>
+                  <c:v>0.29719899999999999</c:v>
                 </c:pt>
                 <c:pt idx="46">
-                  <c:v>0.29708699999999999</c:v>
+                  <c:v>0.45747100000000002</c:v>
                 </c:pt>
                 <c:pt idx="47">
-                  <c:v>0.47912700000000003</c:v>
+                  <c:v>0.82155100000000003</c:v>
                 </c:pt>
                 <c:pt idx="48">
-                  <c:v>0.79295899999999997</c:v>
+                  <c:v>1.4492149999999999</c:v>
                 </c:pt>
                 <c:pt idx="49">
-                  <c:v>1.4492229999999999</c:v>
+                  <c:v>2.7617430000000001</c:v>
                 </c:pt>
                 <c:pt idx="50">
-                  <c:v>0.15420800000000001</c:v>
+                  <c:v>0.234456</c:v>
                 </c:pt>
                 <c:pt idx="51">
-                  <c:v>0.234344</c:v>
+                  <c:v>0.39472800000000002</c:v>
                 </c:pt>
                 <c:pt idx="52">
-                  <c:v>0.41638399999999998</c:v>
+                  <c:v>0.75880800000000004</c:v>
                 </c:pt>
                 <c:pt idx="53">
-                  <c:v>0.73021599999999998</c:v>
+                  <c:v>1.3864719999999999</c:v>
                 </c:pt>
                 <c:pt idx="54">
-                  <c:v>1.3864799999999999</c:v>
+                  <c:v>2.6989999999999998</c:v>
                 </c:pt>
                 <c:pt idx="55">
-                  <c:v>0.159691</c:v>
+                  <c:v>0.23993900000000001</c:v>
                 </c:pt>
                 <c:pt idx="56">
-                  <c:v>0.23982700000000001</c:v>
+                  <c:v>0.40021099999999998</c:v>
                 </c:pt>
                 <c:pt idx="57">
-                  <c:v>0.42186699999999999</c:v>
+                  <c:v>0.76429100000000005</c:v>
                 </c:pt>
                 <c:pt idx="58">
-                  <c:v>0.73569899999999999</c:v>
+                  <c:v>1.3919550000000001</c:v>
                 </c:pt>
                 <c:pt idx="59">
-                  <c:v>1.3919630000000001</c:v>
+                  <c:v>2.7044830000000002</c:v>
                 </c:pt>
                 <c:pt idx="60">
-                  <c:v>0.170292</c:v>
+                  <c:v>0.25053999999999998</c:v>
                 </c:pt>
                 <c:pt idx="61">
-                  <c:v>0.25042799999999998</c:v>
+                  <c:v>0.41081200000000001</c:v>
                 </c:pt>
                 <c:pt idx="62">
-                  <c:v>0.43246800000000002</c:v>
+                  <c:v>0.77489200000000003</c:v>
                 </c:pt>
                 <c:pt idx="63">
-                  <c:v>0.74629999999999996</c:v>
+                  <c:v>1.4025559999999999</c:v>
                 </c:pt>
                 <c:pt idx="64">
-                  <c:v>1.4025639999999999</c:v>
+                  <c:v>2.7150840000000001</c:v>
                 </c:pt>
                 <c:pt idx="65">
-                  <c:v>0.194074</c:v>
+                  <c:v>0.27432200000000001</c:v>
                 </c:pt>
                 <c:pt idx="66">
-                  <c:v>0.27421000000000001</c:v>
+                  <c:v>0.43459399999999998</c:v>
                 </c:pt>
                 <c:pt idx="67">
-                  <c:v>0.45624999999999999</c:v>
+                  <c:v>0.798674</c:v>
                 </c:pt>
                 <c:pt idx="68">
-                  <c:v>0.77008200000000004</c:v>
+                  <c:v>1.4263380000000001</c:v>
                 </c:pt>
                 <c:pt idx="69">
-                  <c:v>1.4263459999999999</c:v>
+                  <c:v>2.7388659999999998</c:v>
                 </c:pt>
                 <c:pt idx="70">
-                  <c:v>0.23999100000000001</c:v>
+                  <c:v>0.320239</c:v>
                 </c:pt>
                 <c:pt idx="71">
-                  <c:v>0.32012699999999999</c:v>
+                  <c:v>0.48051100000000002</c:v>
                 </c:pt>
                 <c:pt idx="72">
-                  <c:v>0.50216700000000003</c:v>
+                  <c:v>0.84459099999999998</c:v>
                 </c:pt>
                 <c:pt idx="73">
-                  <c:v>0.81599900000000003</c:v>
+                  <c:v>1.4722550000000001</c:v>
                 </c:pt>
                 <c:pt idx="74">
-                  <c:v>1.4722630000000001</c:v>
+                  <c:v>2.784783</c:v>
                 </c:pt>
                 <c:pt idx="75">
-                  <c:v>0.19824</c:v>
+                  <c:v>0.27848800000000001</c:v>
                 </c:pt>
                 <c:pt idx="76">
-                  <c:v>0.27837600000000001</c:v>
+                  <c:v>0.43875999999999998</c:v>
                 </c:pt>
                 <c:pt idx="77">
-                  <c:v>0.46041599999999999</c:v>
+                  <c:v>0.80284</c:v>
                 </c:pt>
                 <c:pt idx="78">
-                  <c:v>0.77424800000000005</c:v>
+                  <c:v>1.430504</c:v>
                 </c:pt>
                 <c:pt idx="79">
-                  <c:v>1.430512</c:v>
+                  <c:v>2.7430319999999999</c:v>
                 </c:pt>
                 <c:pt idx="80">
-                  <c:v>0.20372299999999999</c:v>
+                  <c:v>0.28397099999999997</c:v>
                 </c:pt>
                 <c:pt idx="81">
-                  <c:v>0.28385899999999997</c:v>
+                  <c:v>0.444243</c:v>
                 </c:pt>
                 <c:pt idx="82">
-                  <c:v>0.46589900000000001</c:v>
+                  <c:v>0.80832300000000001</c:v>
                 </c:pt>
                 <c:pt idx="83">
-                  <c:v>0.77973099999999995</c:v>
+                  <c:v>1.4359869999999999</c:v>
                 </c:pt>
                 <c:pt idx="84">
-                  <c:v>1.4359949999999999</c:v>
+                  <c:v>2.7485149999999998</c:v>
                 </c:pt>
                 <c:pt idx="85">
-                  <c:v>0.21432399999999999</c:v>
+                  <c:v>0.294572</c:v>
                 </c:pt>
                 <c:pt idx="86">
-                  <c:v>0.29446</c:v>
+                  <c:v>0.45484400000000003</c:v>
                 </c:pt>
                 <c:pt idx="87">
-                  <c:v>0.47649999999999998</c:v>
+                  <c:v>0.81892399999999999</c:v>
                 </c:pt>
                 <c:pt idx="88">
-                  <c:v>0.79033200000000003</c:v>
+                  <c:v>1.446588</c:v>
                 </c:pt>
                 <c:pt idx="89">
-                  <c:v>1.446596</c:v>
+                  <c:v>2.7591160000000001</c:v>
                 </c:pt>
                 <c:pt idx="90">
-                  <c:v>0.23810600000000001</c:v>
+                  <c:v>0.31835400000000003</c:v>
                 </c:pt>
                 <c:pt idx="91">
-                  <c:v>0.31824200000000002</c:v>
+                  <c:v>0.478626</c:v>
                 </c:pt>
                 <c:pt idx="92">
-                  <c:v>0.500282</c:v>
+                  <c:v>0.84270599999999996</c:v>
                 </c:pt>
                 <c:pt idx="93">
-                  <c:v>0.814114</c:v>
+                  <c:v>1.47037</c:v>
                 </c:pt>
                 <c:pt idx="94">
-                  <c:v>1.470378</c:v>
+                  <c:v>2.7828979999999999</c:v>
                 </c:pt>
                 <c:pt idx="95">
-                  <c:v>0.28402300000000003</c:v>
+                  <c:v>0.36427100000000001</c:v>
                 </c:pt>
                 <c:pt idx="96">
-                  <c:v>0.36415900000000001</c:v>
+                  <c:v>0.52454299999999998</c:v>
                 </c:pt>
                 <c:pt idx="97">
-                  <c:v>0.54619899999999999</c:v>
+                  <c:v>0.88862300000000005</c:v>
                 </c:pt>
                 <c:pt idx="98">
-                  <c:v>0.86003099999999999</c:v>
+                  <c:v>1.5162869999999999</c:v>
                 </c:pt>
                 <c:pt idx="99">
-                  <c:v>1.5162949999999999</c:v>
+                  <c:v>2.8288150000000001</c:v>
                 </c:pt>
                 <c:pt idx="100">
-                  <c:v>0.28272000000000003</c:v>
+                  <c:v>0.36296800000000001</c:v>
                 </c:pt>
                 <c:pt idx="101">
-                  <c:v>0.36285600000000001</c:v>
+                  <c:v>0.52324000000000004</c:v>
                 </c:pt>
                 <c:pt idx="102">
-                  <c:v>0.54489600000000005</c:v>
+                  <c:v>0.88732</c:v>
                 </c:pt>
                 <c:pt idx="103">
-                  <c:v>0.85872800000000005</c:v>
+                  <c:v>1.5149840000000001</c:v>
                 </c:pt>
                 <c:pt idx="104">
-                  <c:v>1.5149919999999999</c:v>
+                  <c:v>2.827512</c:v>
                 </c:pt>
                 <c:pt idx="105">
-                  <c:v>0.28820299999999999</c:v>
+                  <c:v>0.36845099999999997</c:v>
                 </c:pt>
                 <c:pt idx="106">
-                  <c:v>0.36833900000000003</c:v>
+                  <c:v>0.52872300000000005</c:v>
                 </c:pt>
                 <c:pt idx="107">
-                  <c:v>0.55037899999999995</c:v>
+                  <c:v>0.89280300000000001</c:v>
                 </c:pt>
                 <c:pt idx="108">
-                  <c:v>0.86421099999999995</c:v>
+                  <c:v>1.520467</c:v>
                 </c:pt>
                 <c:pt idx="109">
-                  <c:v>1.520475</c:v>
+                  <c:v>2.8329949999999999</c:v>
                 </c:pt>
                 <c:pt idx="110">
-                  <c:v>0.29880400000000001</c:v>
+                  <c:v>0.379052</c:v>
                 </c:pt>
                 <c:pt idx="111">
-                  <c:v>0.37894</c:v>
+                  <c:v>0.53932400000000003</c:v>
                 </c:pt>
                 <c:pt idx="112">
-                  <c:v>0.56098000000000003</c:v>
+                  <c:v>0.90340399999999998</c:v>
                 </c:pt>
                 <c:pt idx="113">
-                  <c:v>0.87481200000000003</c:v>
+                  <c:v>1.5310680000000001</c:v>
                 </c:pt>
                 <c:pt idx="114">
-                  <c:v>1.5310760000000001</c:v>
+                  <c:v>2.8435959999999998</c:v>
                 </c:pt>
                 <c:pt idx="115">
-                  <c:v>0.32258599999999998</c:v>
+                  <c:v>0.40283400000000003</c:v>
                 </c:pt>
                 <c:pt idx="116">
-                  <c:v>0.40272200000000002</c:v>
+                  <c:v>0.563106</c:v>
                 </c:pt>
                 <c:pt idx="117">
-                  <c:v>0.584762</c:v>
+                  <c:v>0.92718599999999995</c:v>
                 </c:pt>
                 <c:pt idx="118">
-                  <c:v>0.898594</c:v>
+                  <c:v>1.5548500000000001</c:v>
                 </c:pt>
                 <c:pt idx="119">
-                  <c:v>1.5548580000000001</c:v>
+                  <c:v>2.867378</c:v>
                 </c:pt>
                 <c:pt idx="120">
-                  <c:v>0.36850300000000002</c:v>
+                  <c:v>0.44875100000000001</c:v>
                 </c:pt>
                 <c:pt idx="121">
-                  <c:v>0.44863900000000001</c:v>
+                  <c:v>0.60902299999999998</c:v>
                 </c:pt>
                 <c:pt idx="122">
-                  <c:v>0.63067899999999999</c:v>
+                  <c:v>0.97310300000000005</c:v>
                 </c:pt>
                 <c:pt idx="123">
-                  <c:v>0.94451099999999999</c:v>
+                  <c:v>1.6007670000000001</c:v>
                 </c:pt>
                 <c:pt idx="124">
-                  <c:v>1.6007750000000001</c:v>
+                  <c:v>2.9132950000000002</c:v>
                 </c:pt>
               </c:numCache>
             </c:numRef>
@@ -629,304 +634,304 @@
                   <c:v>10523.5</c:v>
                 </c:pt>
                 <c:pt idx="25">
-                  <c:v>3986.9</c:v>
+                  <c:v>3986.95</c:v>
                 </c:pt>
                 <c:pt idx="26">
-                  <c:v>3947.99</c:v>
+                  <c:v>3948.04</c:v>
                 </c:pt>
                 <c:pt idx="27">
-                  <c:v>3947.28</c:v>
+                  <c:v>3947.33</c:v>
                 </c:pt>
                 <c:pt idx="28">
-                  <c:v>4040.62</c:v>
+                  <c:v>4040.67</c:v>
                 </c:pt>
                 <c:pt idx="29">
-                  <c:v>4267.2700000000004</c:v>
+                  <c:v>4267.32</c:v>
                 </c:pt>
                 <c:pt idx="30">
-                  <c:v>3932.29</c:v>
+                  <c:v>3932.34</c:v>
                 </c:pt>
                 <c:pt idx="31">
-                  <c:v>3913.42</c:v>
+                  <c:v>3913.47</c:v>
                 </c:pt>
                 <c:pt idx="32">
-                  <c:v>3912.67</c:v>
+                  <c:v>3912.72</c:v>
                 </c:pt>
                 <c:pt idx="33">
-                  <c:v>4006.01</c:v>
+                  <c:v>4006.06</c:v>
                 </c:pt>
                 <c:pt idx="34">
-                  <c:v>4232.66</c:v>
+                  <c:v>4232.71</c:v>
                 </c:pt>
                 <c:pt idx="35">
-                  <c:v>3706.76</c:v>
+                  <c:v>3706.81</c:v>
                 </c:pt>
                 <c:pt idx="36">
-                  <c:v>3728.09</c:v>
+                  <c:v>3728.15</c:v>
                 </c:pt>
                 <c:pt idx="37">
-                  <c:v>3767.56</c:v>
+                  <c:v>3767.61</c:v>
                 </c:pt>
                 <c:pt idx="38">
-                  <c:v>3860.9</c:v>
+                  <c:v>3860.95</c:v>
                 </c:pt>
                 <c:pt idx="39">
-                  <c:v>4087.55</c:v>
+                  <c:v>4087.6</c:v>
                 </c:pt>
                 <c:pt idx="40">
-                  <c:v>3412.4</c:v>
+                  <c:v>3412.45</c:v>
                 </c:pt>
                 <c:pt idx="41">
-                  <c:v>3433.73</c:v>
+                  <c:v>3433.79</c:v>
                 </c:pt>
                 <c:pt idx="42">
-                  <c:v>3473.2</c:v>
+                  <c:v>3473.25</c:v>
                 </c:pt>
                 <c:pt idx="43">
-                  <c:v>3566.54</c:v>
+                  <c:v>3566.59</c:v>
                 </c:pt>
                 <c:pt idx="44">
-                  <c:v>3793.19</c:v>
+                  <c:v>3793.24</c:v>
                 </c:pt>
                 <c:pt idx="45">
-                  <c:v>3416.99</c:v>
+                  <c:v>3417.04</c:v>
                 </c:pt>
                 <c:pt idx="46">
-                  <c:v>3438.33</c:v>
+                  <c:v>3438.38</c:v>
                 </c:pt>
                 <c:pt idx="47">
-                  <c:v>3477.79</c:v>
+                  <c:v>3477.84</c:v>
                 </c:pt>
                 <c:pt idx="48">
-                  <c:v>3571.14</c:v>
+                  <c:v>3571.19</c:v>
                 </c:pt>
                 <c:pt idx="49">
-                  <c:v>3797.79</c:v>
+                  <c:v>3797.84</c:v>
                 </c:pt>
                 <c:pt idx="50">
-                  <c:v>3942.57</c:v>
+                  <c:v>3942.66</c:v>
                 </c:pt>
                 <c:pt idx="51">
-                  <c:v>3896.76</c:v>
+                  <c:v>3896.85</c:v>
                 </c:pt>
                 <c:pt idx="52">
-                  <c:v>3883.52</c:v>
+                  <c:v>3883.61</c:v>
                 </c:pt>
                 <c:pt idx="53">
-                  <c:v>3935.09</c:v>
+                  <c:v>3935.18</c:v>
                 </c:pt>
                 <c:pt idx="54">
-                  <c:v>4069.63</c:v>
+                  <c:v>4069.72</c:v>
                 </c:pt>
                 <c:pt idx="55">
-                  <c:v>3887.96</c:v>
+                  <c:v>3888.05</c:v>
                 </c:pt>
                 <c:pt idx="56">
-                  <c:v>3862.19</c:v>
+                  <c:v>3862.28</c:v>
                 </c:pt>
                 <c:pt idx="57">
-                  <c:v>3848.91</c:v>
+                  <c:v>3849</c:v>
                 </c:pt>
                 <c:pt idx="58">
-                  <c:v>3900.48</c:v>
+                  <c:v>3900.57</c:v>
                 </c:pt>
                 <c:pt idx="59">
-                  <c:v>4035.02</c:v>
+                  <c:v>4035.11</c:v>
                 </c:pt>
                 <c:pt idx="60">
-                  <c:v>3662.43</c:v>
+                  <c:v>3662.52</c:v>
                 </c:pt>
                 <c:pt idx="61">
-                  <c:v>3676.87</c:v>
+                  <c:v>3676.96</c:v>
                 </c:pt>
                 <c:pt idx="62">
-                  <c:v>3703.8</c:v>
+                  <c:v>3703.89</c:v>
                 </c:pt>
                 <c:pt idx="63">
-                  <c:v>3755.36</c:v>
+                  <c:v>3755.45</c:v>
                 </c:pt>
                 <c:pt idx="64">
-                  <c:v>3889.91</c:v>
+                  <c:v>3890</c:v>
                 </c:pt>
                 <c:pt idx="65">
-                  <c:v>3368.07</c:v>
+                  <c:v>3368.16</c:v>
                 </c:pt>
                 <c:pt idx="66">
-                  <c:v>3382.51</c:v>
+                  <c:v>3382.6</c:v>
                 </c:pt>
                 <c:pt idx="67">
-                  <c:v>3409.44</c:v>
+                  <c:v>3409.53</c:v>
                 </c:pt>
                 <c:pt idx="68">
-                  <c:v>3461</c:v>
+                  <c:v>3461.09</c:v>
                 </c:pt>
                 <c:pt idx="69">
-                  <c:v>3595.55</c:v>
+                  <c:v>3595.64</c:v>
                 </c:pt>
                 <c:pt idx="70">
-                  <c:v>3372.66</c:v>
+                  <c:v>3372.76</c:v>
                 </c:pt>
                 <c:pt idx="71">
-                  <c:v>3387.1</c:v>
+                  <c:v>3387.2</c:v>
                 </c:pt>
                 <c:pt idx="72">
-                  <c:v>3414.03</c:v>
+                  <c:v>3414.12</c:v>
                 </c:pt>
                 <c:pt idx="73">
-                  <c:v>3465.6</c:v>
+                  <c:v>3465.69</c:v>
                 </c:pt>
                 <c:pt idx="74">
-                  <c:v>3600.15</c:v>
+                  <c:v>3600.24</c:v>
                 </c:pt>
                 <c:pt idx="75">
-                  <c:v>4009.74</c:v>
+                  <c:v>4009.92</c:v>
                 </c:pt>
                 <c:pt idx="76">
-                  <c:v>3960.62</c:v>
+                  <c:v>3960.81</c:v>
                 </c:pt>
                 <c:pt idx="77">
-                  <c:v>3941.38</c:v>
+                  <c:v>3941.56</c:v>
                 </c:pt>
                 <c:pt idx="78">
-                  <c:v>3972.93</c:v>
+                  <c:v>3973.12</c:v>
                 </c:pt>
                 <c:pt idx="79">
-                  <c:v>4063.36</c:v>
+                  <c:v>4063.54</c:v>
                 </c:pt>
                 <c:pt idx="80">
-                  <c:v>3955.12</c:v>
+                  <c:v>3955.31</c:v>
                 </c:pt>
                 <c:pt idx="81">
-                  <c:v>3926.05</c:v>
+                  <c:v>3926.24</c:v>
                 </c:pt>
                 <c:pt idx="82">
-                  <c:v>3906.77</c:v>
+                  <c:v>3906.95</c:v>
                 </c:pt>
                 <c:pt idx="83">
-                  <c:v>3938.32</c:v>
+                  <c:v>3938.51</c:v>
                 </c:pt>
                 <c:pt idx="84">
-                  <c:v>4028.75</c:v>
+                  <c:v>4028.93</c:v>
                 </c:pt>
                 <c:pt idx="85">
-                  <c:v>3729.6</c:v>
+                  <c:v>3729.78</c:v>
                 </c:pt>
                 <c:pt idx="86">
-                  <c:v>3740.73</c:v>
+                  <c:v>3740.92</c:v>
                 </c:pt>
                 <c:pt idx="87">
-                  <c:v>3761.66</c:v>
+                  <c:v>3761.84</c:v>
                 </c:pt>
                 <c:pt idx="88">
-                  <c:v>3793.21</c:v>
+                  <c:v>3793.39</c:v>
                 </c:pt>
                 <c:pt idx="89">
-                  <c:v>3883.63</c:v>
+                  <c:v>3883.82</c:v>
                 </c:pt>
                 <c:pt idx="90">
-                  <c:v>3435.24</c:v>
+                  <c:v>3435.42</c:v>
                 </c:pt>
                 <c:pt idx="91">
-                  <c:v>3446.37</c:v>
+                  <c:v>3446.56</c:v>
                 </c:pt>
                 <c:pt idx="92">
-                  <c:v>3467.3</c:v>
+                  <c:v>3467.48</c:v>
                 </c:pt>
                 <c:pt idx="93">
-                  <c:v>3498.85</c:v>
+                  <c:v>3499.03</c:v>
                 </c:pt>
                 <c:pt idx="94">
-                  <c:v>3589.27</c:v>
+                  <c:v>3589.46</c:v>
                 </c:pt>
                 <c:pt idx="95">
-                  <c:v>3439.83</c:v>
+                  <c:v>3440.02</c:v>
                 </c:pt>
                 <c:pt idx="96">
-                  <c:v>3450.97</c:v>
+                  <c:v>3451.15</c:v>
                 </c:pt>
                 <c:pt idx="97">
-                  <c:v>3471.89</c:v>
+                  <c:v>3472.08</c:v>
                 </c:pt>
                 <c:pt idx="98">
-                  <c:v>3503.45</c:v>
+                  <c:v>3503.63</c:v>
                 </c:pt>
                 <c:pt idx="99">
-                  <c:v>3593.87</c:v>
+                  <c:v>3594.05</c:v>
                 </c:pt>
                 <c:pt idx="100">
-                  <c:v>4017.3</c:v>
+                  <c:v>4017.67</c:v>
                 </c:pt>
                 <c:pt idx="101">
-                  <c:v>3966.53</c:v>
+                  <c:v>3966.9</c:v>
                 </c:pt>
                 <c:pt idx="102">
-                  <c:v>3944.29</c:v>
+                  <c:v>3944.65</c:v>
                 </c:pt>
                 <c:pt idx="103">
-                  <c:v>3965.83</c:v>
+                  <c:v>3966.2</c:v>
                 </c:pt>
                 <c:pt idx="104">
-                  <c:v>4034.2</c:v>
+                  <c:v>4034.56</c:v>
                 </c:pt>
                 <c:pt idx="105">
-                  <c:v>3962.69</c:v>
+                  <c:v>3963.05</c:v>
                 </c:pt>
                 <c:pt idx="106">
-                  <c:v>3931.96</c:v>
+                  <c:v>3932.33</c:v>
                 </c:pt>
                 <c:pt idx="107">
-                  <c:v>3909.68</c:v>
+                  <c:v>3910.04</c:v>
                 </c:pt>
                 <c:pt idx="108">
-                  <c:v>3931.22</c:v>
+                  <c:v>3931.59</c:v>
                 </c:pt>
                 <c:pt idx="109">
-                  <c:v>3999.59</c:v>
+                  <c:v>3999.95</c:v>
                 </c:pt>
                 <c:pt idx="110">
-                  <c:v>3737.16</c:v>
+                  <c:v>3737.52</c:v>
                 </c:pt>
                 <c:pt idx="111">
-                  <c:v>3746.64</c:v>
+                  <c:v>3747.01</c:v>
                 </c:pt>
                 <c:pt idx="112">
-                  <c:v>3764.56</c:v>
+                  <c:v>3764.93</c:v>
                 </c:pt>
                 <c:pt idx="113">
-                  <c:v>3786.11</c:v>
+                  <c:v>3786.48</c:v>
                 </c:pt>
                 <c:pt idx="114">
-                  <c:v>3854.47</c:v>
+                  <c:v>3854.84</c:v>
                 </c:pt>
                 <c:pt idx="115">
-                  <c:v>3442.8</c:v>
+                  <c:v>3443.16</c:v>
                 </c:pt>
                 <c:pt idx="116">
-                  <c:v>3452.28</c:v>
+                  <c:v>3452.65</c:v>
                 </c:pt>
                 <c:pt idx="117">
-                  <c:v>3470.2</c:v>
+                  <c:v>3470.57</c:v>
                 </c:pt>
                 <c:pt idx="118">
-                  <c:v>3491.75</c:v>
+                  <c:v>3492.12</c:v>
                 </c:pt>
                 <c:pt idx="119">
-                  <c:v>3560.11</c:v>
+                  <c:v>3560.48</c:v>
                 </c:pt>
                 <c:pt idx="120">
-                  <c:v>3447.39</c:v>
+                  <c:v>3447.76</c:v>
                 </c:pt>
                 <c:pt idx="121">
-                  <c:v>3456.88</c:v>
+                  <c:v>3457.24</c:v>
                 </c:pt>
                 <c:pt idx="122">
-                  <c:v>3474.8</c:v>
+                  <c:v>3475.16</c:v>
                 </c:pt>
                 <c:pt idx="123">
-                  <c:v>3496.35</c:v>
+                  <c:v>3496.71</c:v>
                 </c:pt>
                 <c:pt idx="124">
-                  <c:v>3564.71</c:v>
+                  <c:v>3565.08</c:v>
                 </c:pt>
               </c:numCache>
             </c:numRef>
@@ -981,379 +986,379 @@
                 <c:formatCode>General</c:formatCode>
                 <c:ptCount val="125"/>
                 <c:pt idx="0">
-                  <c:v>0.10147200000000001</c:v>
+                  <c:v>0.18171999999999999</c:v>
                 </c:pt>
                 <c:pt idx="1">
-                  <c:v>0.18160799999999999</c:v>
+                  <c:v>0.34199200000000002</c:v>
                 </c:pt>
                 <c:pt idx="2">
-                  <c:v>0.36364800000000003</c:v>
+                  <c:v>0.70607200000000003</c:v>
                 </c:pt>
                 <c:pt idx="3">
-                  <c:v>0.67747999999999997</c:v>
+                  <c:v>1.333736</c:v>
                 </c:pt>
                 <c:pt idx="4">
-                  <c:v>1.333744</c:v>
+                  <c:v>2.6462639999999999</c:v>
                 </c:pt>
                 <c:pt idx="5">
-                  <c:v>0.10695499999999999</c:v>
+                  <c:v>0.18720300000000001</c:v>
                 </c:pt>
                 <c:pt idx="6">
-                  <c:v>0.18709100000000001</c:v>
+                  <c:v>0.34747499999999998</c:v>
                 </c:pt>
                 <c:pt idx="7">
-                  <c:v>0.36913099999999999</c:v>
+                  <c:v>0.71155500000000005</c:v>
                 </c:pt>
                 <c:pt idx="8">
-                  <c:v>0.68296299999999999</c:v>
+                  <c:v>1.3392189999999999</c:v>
                 </c:pt>
                 <c:pt idx="9">
-                  <c:v>1.3392269999999999</c:v>
+                  <c:v>2.6517469999999999</c:v>
                 </c:pt>
                 <c:pt idx="10">
-                  <c:v>0.11755599999999999</c:v>
+                  <c:v>0.19780400000000001</c:v>
                 </c:pt>
                 <c:pt idx="11">
-                  <c:v>0.19769200000000001</c:v>
+                  <c:v>0.35807600000000001</c:v>
                 </c:pt>
                 <c:pt idx="12">
-                  <c:v>0.37973200000000001</c:v>
+                  <c:v>0.72215600000000002</c:v>
                 </c:pt>
                 <c:pt idx="13">
-                  <c:v>0.69356399999999996</c:v>
+                  <c:v>1.34982</c:v>
                 </c:pt>
                 <c:pt idx="14">
-                  <c:v>1.349828</c:v>
+                  <c:v>2.6623480000000002</c:v>
                 </c:pt>
                 <c:pt idx="15">
-                  <c:v>0.14133799999999999</c:v>
+                  <c:v>0.22158600000000001</c:v>
                 </c:pt>
                 <c:pt idx="16">
-                  <c:v>0.221474</c:v>
+                  <c:v>0.38185799999999998</c:v>
                 </c:pt>
                 <c:pt idx="17">
-                  <c:v>0.40351399999999998</c:v>
+                  <c:v>0.74593799999999999</c:v>
                 </c:pt>
                 <c:pt idx="18">
-                  <c:v>0.71734600000000004</c:v>
+                  <c:v>1.373602</c:v>
                 </c:pt>
                 <c:pt idx="19">
-                  <c:v>1.37361</c:v>
+                  <c:v>2.6861299999999999</c:v>
                 </c:pt>
                 <c:pt idx="20">
-                  <c:v>0.187255</c:v>
+                  <c:v>0.26750299999999999</c:v>
                 </c:pt>
                 <c:pt idx="21">
-                  <c:v>0.26739099999999999</c:v>
+                  <c:v>0.42777500000000002</c:v>
                 </c:pt>
                 <c:pt idx="22">
-                  <c:v>0.44943100000000002</c:v>
+                  <c:v>0.79185499999999998</c:v>
                 </c:pt>
                 <c:pt idx="23">
-                  <c:v>0.76326300000000002</c:v>
+                  <c:v>1.419519</c:v>
                 </c:pt>
                 <c:pt idx="24">
-                  <c:v>1.419527</c:v>
+                  <c:v>2.7320470000000001</c:v>
                 </c:pt>
                 <c:pt idx="25">
-                  <c:v>0.13116800000000001</c:v>
+                  <c:v>0.21141599999999999</c:v>
                 </c:pt>
                 <c:pt idx="26">
-                  <c:v>0.21130399999999999</c:v>
+                  <c:v>0.37168800000000002</c:v>
                 </c:pt>
                 <c:pt idx="27">
-                  <c:v>0.39334400000000003</c:v>
+                  <c:v>0.73576799999999998</c:v>
                 </c:pt>
                 <c:pt idx="28">
-                  <c:v>0.70717600000000003</c:v>
+                  <c:v>1.363432</c:v>
                 </c:pt>
                 <c:pt idx="29">
-                  <c:v>1.36344</c:v>
+                  <c:v>2.6759599999999999</c:v>
                 </c:pt>
                 <c:pt idx="30">
-                  <c:v>0.13665099999999999</c:v>
+                  <c:v>0.21689900000000001</c:v>
                 </c:pt>
                 <c:pt idx="31">
-                  <c:v>0.21678700000000001</c:v>
+                  <c:v>0.37717099999999998</c:v>
                 </c:pt>
                 <c:pt idx="32">
-                  <c:v>0.39882699999999999</c:v>
+                  <c:v>0.74125099999999999</c:v>
                 </c:pt>
                 <c:pt idx="33">
-                  <c:v>0.71265900000000004</c:v>
+                  <c:v>1.3689150000000001</c:v>
                 </c:pt>
                 <c:pt idx="34">
-                  <c:v>1.3689229999999999</c:v>
+                  <c:v>2.6814429999999998</c:v>
                 </c:pt>
                 <c:pt idx="35">
-                  <c:v>0.14725199999999999</c:v>
+                  <c:v>0.22750000000000001</c:v>
                 </c:pt>
                 <c:pt idx="36">
-                  <c:v>0.22738800000000001</c:v>
+                  <c:v>0.38777200000000001</c:v>
                 </c:pt>
                 <c:pt idx="37">
-                  <c:v>0.40942800000000001</c:v>
+                  <c:v>0.75185199999999996</c:v>
                 </c:pt>
                 <c:pt idx="38">
-                  <c:v>0.72326000000000001</c:v>
+                  <c:v>1.379516</c:v>
                 </c:pt>
                 <c:pt idx="39">
-                  <c:v>1.379524</c:v>
+                  <c:v>2.6920440000000001</c:v>
                 </c:pt>
                 <c:pt idx="40">
-                  <c:v>0.17103399999999999</c:v>
+                  <c:v>0.25128200000000001</c:v>
                 </c:pt>
                 <c:pt idx="41">
-                  <c:v>0.25117</c:v>
+                  <c:v>0.41155399999999998</c:v>
                 </c:pt>
                 <c:pt idx="42">
-                  <c:v>0.43320999999999998</c:v>
+                  <c:v>0.77563400000000005</c:v>
                 </c:pt>
                 <c:pt idx="43">
-                  <c:v>0.74704199999999998</c:v>
+                  <c:v>1.4032979999999999</c:v>
                 </c:pt>
                 <c:pt idx="44">
-                  <c:v>1.4033059999999999</c:v>
+                  <c:v>2.7158259999999999</c:v>
                 </c:pt>
                 <c:pt idx="45">
-                  <c:v>0.216951</c:v>
+                  <c:v>0.29719899999999999</c:v>
                 </c:pt>
                 <c:pt idx="46">
-                  <c:v>0.29708699999999999</c:v>
+                  <c:v>0.45747100000000002</c:v>
                 </c:pt>
                 <c:pt idx="47">
-                  <c:v>0.47912700000000003</c:v>
+                  <c:v>0.82155100000000003</c:v>
                 </c:pt>
                 <c:pt idx="48">
-                  <c:v>0.79295899999999997</c:v>
+                  <c:v>1.4492149999999999</c:v>
                 </c:pt>
                 <c:pt idx="49">
-                  <c:v>1.4492229999999999</c:v>
+                  <c:v>2.7617430000000001</c:v>
                 </c:pt>
                 <c:pt idx="50">
-                  <c:v>0.15420800000000001</c:v>
+                  <c:v>0.234456</c:v>
                 </c:pt>
                 <c:pt idx="51">
-                  <c:v>0.234344</c:v>
+                  <c:v>0.39472800000000002</c:v>
                 </c:pt>
                 <c:pt idx="52">
-                  <c:v>0.41638399999999998</c:v>
+                  <c:v>0.75880800000000004</c:v>
                 </c:pt>
                 <c:pt idx="53">
-                  <c:v>0.73021599999999998</c:v>
+                  <c:v>1.3864719999999999</c:v>
                 </c:pt>
                 <c:pt idx="54">
-                  <c:v>1.3864799999999999</c:v>
+                  <c:v>2.6989999999999998</c:v>
                 </c:pt>
                 <c:pt idx="55">
-                  <c:v>0.159691</c:v>
+                  <c:v>0.23993900000000001</c:v>
                 </c:pt>
                 <c:pt idx="56">
-                  <c:v>0.23982700000000001</c:v>
+                  <c:v>0.40021099999999998</c:v>
                 </c:pt>
                 <c:pt idx="57">
-                  <c:v>0.42186699999999999</c:v>
+                  <c:v>0.76429100000000005</c:v>
                 </c:pt>
                 <c:pt idx="58">
-                  <c:v>0.73569899999999999</c:v>
+                  <c:v>1.3919550000000001</c:v>
                 </c:pt>
                 <c:pt idx="59">
-                  <c:v>1.3919630000000001</c:v>
+                  <c:v>2.7044830000000002</c:v>
                 </c:pt>
                 <c:pt idx="60">
-                  <c:v>0.170292</c:v>
+                  <c:v>0.25053999999999998</c:v>
                 </c:pt>
                 <c:pt idx="61">
-                  <c:v>0.25042799999999998</c:v>
+                  <c:v>0.41081200000000001</c:v>
                 </c:pt>
                 <c:pt idx="62">
-                  <c:v>0.43246800000000002</c:v>
+                  <c:v>0.77489200000000003</c:v>
                 </c:pt>
                 <c:pt idx="63">
-                  <c:v>0.74629999999999996</c:v>
+                  <c:v>1.4025559999999999</c:v>
                 </c:pt>
                 <c:pt idx="64">
-                  <c:v>1.4025639999999999</c:v>
+                  <c:v>2.7150840000000001</c:v>
                 </c:pt>
                 <c:pt idx="65">
-                  <c:v>0.194074</c:v>
+                  <c:v>0.27432200000000001</c:v>
                 </c:pt>
                 <c:pt idx="66">
-                  <c:v>0.27421000000000001</c:v>
+                  <c:v>0.43459399999999998</c:v>
                 </c:pt>
                 <c:pt idx="67">
-                  <c:v>0.45624999999999999</c:v>
+                  <c:v>0.798674</c:v>
                 </c:pt>
                 <c:pt idx="68">
-                  <c:v>0.77008200000000004</c:v>
+                  <c:v>1.4263380000000001</c:v>
                 </c:pt>
                 <c:pt idx="69">
-                  <c:v>1.4263459999999999</c:v>
+                  <c:v>2.7388659999999998</c:v>
                 </c:pt>
                 <c:pt idx="70">
-                  <c:v>0.23999100000000001</c:v>
+                  <c:v>0.320239</c:v>
                 </c:pt>
                 <c:pt idx="71">
-                  <c:v>0.32012699999999999</c:v>
+                  <c:v>0.48051100000000002</c:v>
                 </c:pt>
                 <c:pt idx="72">
-                  <c:v>0.50216700000000003</c:v>
+                  <c:v>0.84459099999999998</c:v>
                 </c:pt>
                 <c:pt idx="73">
-                  <c:v>0.81599900000000003</c:v>
+                  <c:v>1.4722550000000001</c:v>
                 </c:pt>
                 <c:pt idx="74">
-                  <c:v>1.4722630000000001</c:v>
+                  <c:v>2.784783</c:v>
                 </c:pt>
                 <c:pt idx="75">
-                  <c:v>0.19824</c:v>
+                  <c:v>0.27848800000000001</c:v>
                 </c:pt>
                 <c:pt idx="76">
-                  <c:v>0.27837600000000001</c:v>
+                  <c:v>0.43875999999999998</c:v>
                 </c:pt>
                 <c:pt idx="77">
-                  <c:v>0.46041599999999999</c:v>
+                  <c:v>0.80284</c:v>
                 </c:pt>
                 <c:pt idx="78">
-                  <c:v>0.77424800000000005</c:v>
+                  <c:v>1.430504</c:v>
                 </c:pt>
                 <c:pt idx="79">
-                  <c:v>1.430512</c:v>
+                  <c:v>2.7430319999999999</c:v>
                 </c:pt>
                 <c:pt idx="80">
-                  <c:v>0.20372299999999999</c:v>
+                  <c:v>0.28397099999999997</c:v>
                 </c:pt>
                 <c:pt idx="81">
-                  <c:v>0.28385899999999997</c:v>
+                  <c:v>0.444243</c:v>
                 </c:pt>
                 <c:pt idx="82">
-                  <c:v>0.46589900000000001</c:v>
+                  <c:v>0.80832300000000001</c:v>
                 </c:pt>
                 <c:pt idx="83">
-                  <c:v>0.77973099999999995</c:v>
+                  <c:v>1.4359869999999999</c:v>
                 </c:pt>
                 <c:pt idx="84">
-                  <c:v>1.4359949999999999</c:v>
+                  <c:v>2.7485149999999998</c:v>
                 </c:pt>
                 <c:pt idx="85">
-                  <c:v>0.21432399999999999</c:v>
+                  <c:v>0.294572</c:v>
                 </c:pt>
                 <c:pt idx="86">
-                  <c:v>0.29446</c:v>
+                  <c:v>0.45484400000000003</c:v>
                 </c:pt>
                 <c:pt idx="87">
-                  <c:v>0.47649999999999998</c:v>
+                  <c:v>0.81892399999999999</c:v>
                 </c:pt>
                 <c:pt idx="88">
-                  <c:v>0.79033200000000003</c:v>
+                  <c:v>1.446588</c:v>
                 </c:pt>
                 <c:pt idx="89">
-                  <c:v>1.446596</c:v>
+                  <c:v>2.7591160000000001</c:v>
                 </c:pt>
                 <c:pt idx="90">
-                  <c:v>0.23810600000000001</c:v>
+                  <c:v>0.31835400000000003</c:v>
                 </c:pt>
                 <c:pt idx="91">
-                  <c:v>0.31824200000000002</c:v>
+                  <c:v>0.478626</c:v>
                 </c:pt>
                 <c:pt idx="92">
-                  <c:v>0.500282</c:v>
+                  <c:v>0.84270599999999996</c:v>
                 </c:pt>
                 <c:pt idx="93">
-                  <c:v>0.814114</c:v>
+                  <c:v>1.47037</c:v>
                 </c:pt>
                 <c:pt idx="94">
-                  <c:v>1.470378</c:v>
+                  <c:v>2.7828979999999999</c:v>
                 </c:pt>
                 <c:pt idx="95">
-                  <c:v>0.28402300000000003</c:v>
+                  <c:v>0.36427100000000001</c:v>
                 </c:pt>
                 <c:pt idx="96">
-                  <c:v>0.36415900000000001</c:v>
+                  <c:v>0.52454299999999998</c:v>
                 </c:pt>
                 <c:pt idx="97">
-                  <c:v>0.54619899999999999</c:v>
+                  <c:v>0.88862300000000005</c:v>
                 </c:pt>
                 <c:pt idx="98">
-                  <c:v>0.86003099999999999</c:v>
+                  <c:v>1.5162869999999999</c:v>
                 </c:pt>
                 <c:pt idx="99">
-                  <c:v>1.5162949999999999</c:v>
+                  <c:v>2.8288150000000001</c:v>
                 </c:pt>
                 <c:pt idx="100">
-                  <c:v>0.28272000000000003</c:v>
+                  <c:v>0.36296800000000001</c:v>
                 </c:pt>
                 <c:pt idx="101">
-                  <c:v>0.36285600000000001</c:v>
+                  <c:v>0.52324000000000004</c:v>
                 </c:pt>
                 <c:pt idx="102">
-                  <c:v>0.54489600000000005</c:v>
+                  <c:v>0.88732</c:v>
                 </c:pt>
                 <c:pt idx="103">
-                  <c:v>0.85872800000000005</c:v>
+                  <c:v>1.5149840000000001</c:v>
                 </c:pt>
                 <c:pt idx="104">
-                  <c:v>1.5149919999999999</c:v>
+                  <c:v>2.827512</c:v>
                 </c:pt>
                 <c:pt idx="105">
-                  <c:v>0.28820299999999999</c:v>
+                  <c:v>0.36845099999999997</c:v>
                 </c:pt>
                 <c:pt idx="106">
-                  <c:v>0.36833900000000003</c:v>
+                  <c:v>0.52872300000000005</c:v>
                 </c:pt>
                 <c:pt idx="107">
-                  <c:v>0.55037899999999995</c:v>
+                  <c:v>0.89280300000000001</c:v>
                 </c:pt>
                 <c:pt idx="108">
-                  <c:v>0.86421099999999995</c:v>
+                  <c:v>1.520467</c:v>
                 </c:pt>
                 <c:pt idx="109">
-                  <c:v>1.520475</c:v>
+                  <c:v>2.8329949999999999</c:v>
                 </c:pt>
                 <c:pt idx="110">
-                  <c:v>0.29880400000000001</c:v>
+                  <c:v>0.379052</c:v>
                 </c:pt>
                 <c:pt idx="111">
-                  <c:v>0.37894</c:v>
+                  <c:v>0.53932400000000003</c:v>
                 </c:pt>
                 <c:pt idx="112">
-                  <c:v>0.56098000000000003</c:v>
+                  <c:v>0.90340399999999998</c:v>
                 </c:pt>
                 <c:pt idx="113">
-                  <c:v>0.87481200000000003</c:v>
+                  <c:v>1.5310680000000001</c:v>
                 </c:pt>
                 <c:pt idx="114">
-                  <c:v>1.5310760000000001</c:v>
+                  <c:v>2.8435959999999998</c:v>
                 </c:pt>
                 <c:pt idx="115">
-                  <c:v>0.32258599999999998</c:v>
+                  <c:v>0.40283400000000003</c:v>
                 </c:pt>
                 <c:pt idx="116">
-                  <c:v>0.40272200000000002</c:v>
+                  <c:v>0.563106</c:v>
                 </c:pt>
                 <c:pt idx="117">
-                  <c:v>0.584762</c:v>
+                  <c:v>0.92718599999999995</c:v>
                 </c:pt>
                 <c:pt idx="118">
-                  <c:v>0.898594</c:v>
+                  <c:v>1.5548500000000001</c:v>
                 </c:pt>
                 <c:pt idx="119">
-                  <c:v>1.5548580000000001</c:v>
+                  <c:v>2.867378</c:v>
                 </c:pt>
                 <c:pt idx="120">
-                  <c:v>0.36850300000000002</c:v>
+                  <c:v>0.44875100000000001</c:v>
                 </c:pt>
                 <c:pt idx="121">
-                  <c:v>0.44863900000000001</c:v>
+                  <c:v>0.60902299999999998</c:v>
                 </c:pt>
                 <c:pt idx="122">
-                  <c:v>0.63067899999999999</c:v>
+                  <c:v>0.97310300000000005</c:v>
                 </c:pt>
                 <c:pt idx="123">
-                  <c:v>0.94451099999999999</c:v>
+                  <c:v>1.6007670000000001</c:v>
                 </c:pt>
                 <c:pt idx="124">
-                  <c:v>1.6007750000000001</c:v>
+                  <c:v>2.9132950000000002</c:v>
                 </c:pt>
               </c:numCache>
             </c:numRef>
@@ -1440,304 +1445,304 @@
                   <c:v>10523.5</c:v>
                 </c:pt>
                 <c:pt idx="25">
-                  <c:v>3602.64</c:v>
+                  <c:v>3602.69</c:v>
                 </c:pt>
                 <c:pt idx="26">
-                  <c:v>3550.58</c:v>
+                  <c:v>3550.63</c:v>
                 </c:pt>
                 <c:pt idx="27">
-                  <c:v>3499.6</c:v>
+                  <c:v>3499.65</c:v>
                 </c:pt>
                 <c:pt idx="28">
-                  <c:v>3572.79</c:v>
+                  <c:v>3572.84</c:v>
                 </c:pt>
                 <c:pt idx="29">
-                  <c:v>3789.4</c:v>
+                  <c:v>3789.45</c:v>
                 </c:pt>
                 <c:pt idx="30">
-                  <c:v>3583.82</c:v>
+                  <c:v>3583.87</c:v>
                 </c:pt>
                 <c:pt idx="31">
-                  <c:v>3551.78</c:v>
+                  <c:v>3551.83</c:v>
                 </c:pt>
                 <c:pt idx="32">
+                  <c:v>3500.7</c:v>
+                </c:pt>
+                <c:pt idx="33">
+                  <c:v>3573.81</c:v>
+                </c:pt>
+                <c:pt idx="34">
+                  <c:v>3790.41</c:v>
+                </c:pt>
+                <c:pt idx="35">
+                  <c:v>3431.53</c:v>
+                </c:pt>
+                <c:pt idx="36">
+                  <c:v>3452.87</c:v>
+                </c:pt>
+                <c:pt idx="37">
+                  <c:v>3492.41</c:v>
+                </c:pt>
+                <c:pt idx="38">
+                  <c:v>3575.59</c:v>
+                </c:pt>
+                <c:pt idx="39">
+                  <c:v>3792.16</c:v>
+                </c:pt>
+                <c:pt idx="40">
+                  <c:v>3412.45</c:v>
+                </c:pt>
+                <c:pt idx="41">
+                  <c:v>3433.79</c:v>
+                </c:pt>
+                <c:pt idx="42">
+                  <c:v>3473.25</c:v>
+                </c:pt>
+                <c:pt idx="43">
+                  <c:v>3566.59</c:v>
+                </c:pt>
+                <c:pt idx="44">
+                  <c:v>3793.24</c:v>
+                </c:pt>
+                <c:pt idx="45">
+                  <c:v>3417.04</c:v>
+                </c:pt>
+                <c:pt idx="46">
+                  <c:v>3438.38</c:v>
+                </c:pt>
+                <c:pt idx="47">
+                  <c:v>3477.84</c:v>
+                </c:pt>
+                <c:pt idx="48">
+                  <c:v>3571.19</c:v>
+                </c:pt>
+                <c:pt idx="49">
+                  <c:v>3797.84</c:v>
+                </c:pt>
+                <c:pt idx="50">
+                  <c:v>3558.4</c:v>
+                </c:pt>
+                <c:pt idx="51">
+                  <c:v>3499.44</c:v>
+                </c:pt>
+                <c:pt idx="52">
+                  <c:v>3435.93</c:v>
+                </c:pt>
+                <c:pt idx="53">
+                  <c:v>3467.35</c:v>
+                </c:pt>
+                <c:pt idx="54">
+                  <c:v>3591.85</c:v>
+                </c:pt>
+                <c:pt idx="55">
+                  <c:v>3539.58</c:v>
+                </c:pt>
+                <c:pt idx="56">
                   <c:v>3500.65</c:v>
                 </c:pt>
-                <c:pt idx="33">
-                  <c:v>3573.76</c:v>
-                </c:pt>
-                <c:pt idx="34">
-                  <c:v>3790.36</c:v>
-                </c:pt>
-                <c:pt idx="35">
-                  <c:v>3431.48</c:v>
-                </c:pt>
-                <c:pt idx="36">
-                  <c:v>3452.82</c:v>
-                </c:pt>
-                <c:pt idx="37">
-                  <c:v>3492.36</c:v>
-                </c:pt>
-                <c:pt idx="38">
-                  <c:v>3575.54</c:v>
-                </c:pt>
-                <c:pt idx="39">
-                  <c:v>3792.11</c:v>
-                </c:pt>
-                <c:pt idx="40">
-                  <c:v>3412.4</c:v>
-                </c:pt>
-                <c:pt idx="41">
-                  <c:v>3433.73</c:v>
-                </c:pt>
-                <c:pt idx="42">
-                  <c:v>3473.2</c:v>
-                </c:pt>
-                <c:pt idx="43">
-                  <c:v>3566.54</c:v>
-                </c:pt>
-                <c:pt idx="44">
-                  <c:v>3793.19</c:v>
-                </c:pt>
-                <c:pt idx="45">
-                  <c:v>3416.99</c:v>
-                </c:pt>
-                <c:pt idx="46">
-                  <c:v>3438.33</c:v>
-                </c:pt>
-                <c:pt idx="47">
-                  <c:v>3477.79</c:v>
-                </c:pt>
-                <c:pt idx="48">
-                  <c:v>3571.14</c:v>
-                </c:pt>
-                <c:pt idx="49">
-                  <c:v>3797.79</c:v>
-                </c:pt>
-                <c:pt idx="50">
-                  <c:v>3558.31</c:v>
-                </c:pt>
-                <c:pt idx="51">
-                  <c:v>3499.35</c:v>
-                </c:pt>
-                <c:pt idx="52">
-                  <c:v>3435.84</c:v>
-                </c:pt>
-                <c:pt idx="53">
-                  <c:v>3467.26</c:v>
-                </c:pt>
-                <c:pt idx="54">
-                  <c:v>3591.76</c:v>
-                </c:pt>
-                <c:pt idx="55">
-                  <c:v>3539.49</c:v>
-                </c:pt>
-                <c:pt idx="56">
-                  <c:v>3500.55</c:v>
-                </c:pt>
                 <c:pt idx="57">
-                  <c:v>3436.89</c:v>
+                  <c:v>3436.98</c:v>
                 </c:pt>
                 <c:pt idx="58">
-                  <c:v>3468.22</c:v>
+                  <c:v>3468.31</c:v>
                 </c:pt>
                 <c:pt idx="59">
-                  <c:v>3592.72</c:v>
+                  <c:v>3592.81</c:v>
                 </c:pt>
                 <c:pt idx="60">
-                  <c:v>3387.15</c:v>
+                  <c:v>3387.24</c:v>
                 </c:pt>
                 <c:pt idx="61">
-                  <c:v>3401.59</c:v>
+                  <c:v>3401.68</c:v>
                 </c:pt>
                 <c:pt idx="62">
-                  <c:v>3428.6</c:v>
+                  <c:v>3428.69</c:v>
                 </c:pt>
                 <c:pt idx="63">
-                  <c:v>3470</c:v>
+                  <c:v>3470.09</c:v>
                 </c:pt>
                 <c:pt idx="64">
-                  <c:v>3594.47</c:v>
+                  <c:v>3594.56</c:v>
                 </c:pt>
                 <c:pt idx="65">
-                  <c:v>3368.07</c:v>
+                  <c:v>3368.16</c:v>
                 </c:pt>
                 <c:pt idx="66">
-                  <c:v>3382.51</c:v>
+                  <c:v>3382.6</c:v>
                 </c:pt>
                 <c:pt idx="67">
-                  <c:v>3409.44</c:v>
+                  <c:v>3409.53</c:v>
                 </c:pt>
                 <c:pt idx="68">
-                  <c:v>3461</c:v>
+                  <c:v>3461.09</c:v>
                 </c:pt>
                 <c:pt idx="69">
-                  <c:v>3595.55</c:v>
+                  <c:v>3595.64</c:v>
                 </c:pt>
                 <c:pt idx="70">
-                  <c:v>3372.66</c:v>
+                  <c:v>3372.76</c:v>
                 </c:pt>
                 <c:pt idx="71">
-                  <c:v>3387.1</c:v>
+                  <c:v>3387.2</c:v>
                 </c:pt>
                 <c:pt idx="72">
-                  <c:v>3414.03</c:v>
+                  <c:v>3414.12</c:v>
                 </c:pt>
                 <c:pt idx="73">
-                  <c:v>3465.6</c:v>
+                  <c:v>3465.69</c:v>
                 </c:pt>
                 <c:pt idx="74">
-                  <c:v>3600.15</c:v>
+                  <c:v>3600.24</c:v>
                 </c:pt>
                 <c:pt idx="75">
-                  <c:v>3625.48</c:v>
+                  <c:v>3625.66</c:v>
                 </c:pt>
                 <c:pt idx="76">
-                  <c:v>3563.21</c:v>
+                  <c:v>3563.4</c:v>
                 </c:pt>
                 <c:pt idx="77">
-                  <c:v>3493.7</c:v>
+                  <c:v>3493.88</c:v>
                 </c:pt>
                 <c:pt idx="78">
-                  <c:v>3505.1</c:v>
+                  <c:v>3505.29</c:v>
                 </c:pt>
                 <c:pt idx="79">
-                  <c:v>3585.48</c:v>
+                  <c:v>3585.67</c:v>
                 </c:pt>
                 <c:pt idx="80">
-                  <c:v>3606.66</c:v>
+                  <c:v>3606.84</c:v>
                 </c:pt>
                 <c:pt idx="81">
-                  <c:v>3564.42</c:v>
+                  <c:v>3564.6</c:v>
                 </c:pt>
                 <c:pt idx="82">
-                  <c:v>3494.75</c:v>
+                  <c:v>3494.93</c:v>
                 </c:pt>
                 <c:pt idx="83">
-                  <c:v>3506.07</c:v>
+                  <c:v>3506.25</c:v>
                 </c:pt>
                 <c:pt idx="84">
-                  <c:v>3586.44</c:v>
+                  <c:v>3586.63</c:v>
                 </c:pt>
                 <c:pt idx="85">
-                  <c:v>3454.32</c:v>
+                  <c:v>3454.5</c:v>
                 </c:pt>
                 <c:pt idx="86">
-                  <c:v>3465.46</c:v>
+                  <c:v>3465.64</c:v>
                 </c:pt>
                 <c:pt idx="87">
-                  <c:v>3486.46</c:v>
+                  <c:v>3486.64</c:v>
                 </c:pt>
                 <c:pt idx="88">
-                  <c:v>3507.85</c:v>
+                  <c:v>3508.03</c:v>
                 </c:pt>
                 <c:pt idx="89">
-                  <c:v>3588.19</c:v>
+                  <c:v>3588.38</c:v>
                 </c:pt>
                 <c:pt idx="90">
-                  <c:v>3435.24</c:v>
+                  <c:v>3435.42</c:v>
                 </c:pt>
                 <c:pt idx="91">
-                  <c:v>3446.37</c:v>
+                  <c:v>3446.56</c:v>
                 </c:pt>
                 <c:pt idx="92">
-                  <c:v>3467.3</c:v>
+                  <c:v>3467.48</c:v>
                 </c:pt>
                 <c:pt idx="93">
-                  <c:v>3498.85</c:v>
+                  <c:v>3499.03</c:v>
                 </c:pt>
                 <c:pt idx="94">
-                  <c:v>3589.27</c:v>
+                  <c:v>3589.46</c:v>
                 </c:pt>
                 <c:pt idx="95">
-                  <c:v>3439.83</c:v>
+                  <c:v>3440.02</c:v>
                 </c:pt>
                 <c:pt idx="96">
-                  <c:v>3450.97</c:v>
+                  <c:v>3451.15</c:v>
                 </c:pt>
                 <c:pt idx="97">
-                  <c:v>3471.89</c:v>
+                  <c:v>3472.08</c:v>
                 </c:pt>
                 <c:pt idx="98">
-                  <c:v>3503.45</c:v>
+                  <c:v>3503.63</c:v>
                 </c:pt>
                 <c:pt idx="99">
-                  <c:v>3593.87</c:v>
+                  <c:v>3594.05</c:v>
                 </c:pt>
                 <c:pt idx="100">
-                  <c:v>3633.04</c:v>
+                  <c:v>3633.41</c:v>
                 </c:pt>
                 <c:pt idx="101">
-                  <c:v>3569.12</c:v>
+                  <c:v>3569.49</c:v>
                 </c:pt>
                 <c:pt idx="102">
-                  <c:v>3496.6</c:v>
+                  <c:v>3496.97</c:v>
                 </c:pt>
                 <c:pt idx="103">
-                  <c:v>3498</c:v>
+                  <c:v>3498.37</c:v>
                 </c:pt>
                 <c:pt idx="104">
-                  <c:v>3556.32</c:v>
+                  <c:v>3556.69</c:v>
                 </c:pt>
                 <c:pt idx="105">
-                  <c:v>3614.22</c:v>
+                  <c:v>3614.58</c:v>
                 </c:pt>
                 <c:pt idx="106">
-                  <c:v>3570.33</c:v>
+                  <c:v>3570.69</c:v>
                 </c:pt>
                 <c:pt idx="107">
-                  <c:v>3497.66</c:v>
+                  <c:v>3498.02</c:v>
                 </c:pt>
                 <c:pt idx="108">
-                  <c:v>3498.97</c:v>
+                  <c:v>3499.34</c:v>
                 </c:pt>
                 <c:pt idx="109">
-                  <c:v>3557.28</c:v>
+                  <c:v>3557.65</c:v>
                 </c:pt>
                 <c:pt idx="110">
-                  <c:v>3461.88</c:v>
+                  <c:v>3462.25</c:v>
                 </c:pt>
                 <c:pt idx="111">
-                  <c:v>3471.37</c:v>
+                  <c:v>3471.73</c:v>
                 </c:pt>
                 <c:pt idx="112">
-                  <c:v>3489.36</c:v>
+                  <c:v>3489.73</c:v>
                 </c:pt>
                 <c:pt idx="113">
-                  <c:v>3500.75</c:v>
+                  <c:v>3501.12</c:v>
                 </c:pt>
                 <c:pt idx="114">
-                  <c:v>3559.03</c:v>
+                  <c:v>3559.4</c:v>
                 </c:pt>
                 <c:pt idx="115">
-                  <c:v>3442.8</c:v>
+                  <c:v>3443.16</c:v>
                 </c:pt>
                 <c:pt idx="116">
-                  <c:v>3452.28</c:v>
+                  <c:v>3452.65</c:v>
                 </c:pt>
                 <c:pt idx="117">
-                  <c:v>3470.2</c:v>
+                  <c:v>3470.57</c:v>
                 </c:pt>
                 <c:pt idx="118">
-                  <c:v>3491.75</c:v>
+                  <c:v>3492.12</c:v>
                 </c:pt>
                 <c:pt idx="119">
-                  <c:v>3560.11</c:v>
+                  <c:v>3560.48</c:v>
                 </c:pt>
                 <c:pt idx="120">
-                  <c:v>3447.39</c:v>
+                  <c:v>3447.76</c:v>
                 </c:pt>
                 <c:pt idx="121">
-                  <c:v>3456.88</c:v>
+                  <c:v>3457.24</c:v>
                 </c:pt>
                 <c:pt idx="122">
-                  <c:v>3474.8</c:v>
+                  <c:v>3475.16</c:v>
                 </c:pt>
                 <c:pt idx="123">
-                  <c:v>3496.35</c:v>
+                  <c:v>3496.71</c:v>
                 </c:pt>
                 <c:pt idx="124">
-                  <c:v>3564.71</c:v>
+                  <c:v>3565.08</c:v>
                 </c:pt>
               </c:numCache>
             </c:numRef>
@@ -1792,379 +1797,379 @@
                 <c:formatCode>General</c:formatCode>
                 <c:ptCount val="125"/>
                 <c:pt idx="0">
-                  <c:v>0.10147200000000001</c:v>
+                  <c:v>0.18171999999999999</c:v>
                 </c:pt>
                 <c:pt idx="1">
-                  <c:v>0.18160799999999999</c:v>
+                  <c:v>0.34199200000000002</c:v>
                 </c:pt>
                 <c:pt idx="2">
-                  <c:v>0.36364800000000003</c:v>
+                  <c:v>0.70607200000000003</c:v>
                 </c:pt>
                 <c:pt idx="3">
-                  <c:v>0.67747999999999997</c:v>
+                  <c:v>1.333736</c:v>
                 </c:pt>
                 <c:pt idx="4">
-                  <c:v>1.333744</c:v>
+                  <c:v>2.6462639999999999</c:v>
                 </c:pt>
                 <c:pt idx="5">
-                  <c:v>0.10695499999999999</c:v>
+                  <c:v>0.18720300000000001</c:v>
                 </c:pt>
                 <c:pt idx="6">
-                  <c:v>0.18709100000000001</c:v>
+                  <c:v>0.34747499999999998</c:v>
                 </c:pt>
                 <c:pt idx="7">
-                  <c:v>0.36913099999999999</c:v>
+                  <c:v>0.71155500000000005</c:v>
                 </c:pt>
                 <c:pt idx="8">
-                  <c:v>0.68296299999999999</c:v>
+                  <c:v>1.3392189999999999</c:v>
                 </c:pt>
                 <c:pt idx="9">
-                  <c:v>1.3392269999999999</c:v>
+                  <c:v>2.6517469999999999</c:v>
                 </c:pt>
                 <c:pt idx="10">
-                  <c:v>0.11755599999999999</c:v>
+                  <c:v>0.19780400000000001</c:v>
                 </c:pt>
                 <c:pt idx="11">
-                  <c:v>0.19769200000000001</c:v>
+                  <c:v>0.35807600000000001</c:v>
                 </c:pt>
                 <c:pt idx="12">
-                  <c:v>0.37973200000000001</c:v>
+                  <c:v>0.72215600000000002</c:v>
                 </c:pt>
                 <c:pt idx="13">
-                  <c:v>0.69356399999999996</c:v>
+                  <c:v>1.34982</c:v>
                 </c:pt>
                 <c:pt idx="14">
-                  <c:v>1.349828</c:v>
+                  <c:v>2.6623480000000002</c:v>
                 </c:pt>
                 <c:pt idx="15">
-                  <c:v>0.14133799999999999</c:v>
+                  <c:v>0.22158600000000001</c:v>
                 </c:pt>
                 <c:pt idx="16">
-                  <c:v>0.221474</c:v>
+                  <c:v>0.38185799999999998</c:v>
                 </c:pt>
                 <c:pt idx="17">
-                  <c:v>0.40351399999999998</c:v>
+                  <c:v>0.74593799999999999</c:v>
                 </c:pt>
                 <c:pt idx="18">
-                  <c:v>0.71734600000000004</c:v>
+                  <c:v>1.373602</c:v>
                 </c:pt>
                 <c:pt idx="19">
-                  <c:v>1.37361</c:v>
+                  <c:v>2.6861299999999999</c:v>
                 </c:pt>
                 <c:pt idx="20">
-                  <c:v>0.187255</c:v>
+                  <c:v>0.26750299999999999</c:v>
                 </c:pt>
                 <c:pt idx="21">
-                  <c:v>0.26739099999999999</c:v>
+                  <c:v>0.42777500000000002</c:v>
                 </c:pt>
                 <c:pt idx="22">
-                  <c:v>0.44943100000000002</c:v>
+                  <c:v>0.79185499999999998</c:v>
                 </c:pt>
                 <c:pt idx="23">
-                  <c:v>0.76326300000000002</c:v>
+                  <c:v>1.419519</c:v>
                 </c:pt>
                 <c:pt idx="24">
-                  <c:v>1.419527</c:v>
+                  <c:v>2.7320470000000001</c:v>
                 </c:pt>
                 <c:pt idx="25">
-                  <c:v>0.13116800000000001</c:v>
+                  <c:v>0.21141599999999999</c:v>
                 </c:pt>
                 <c:pt idx="26">
-                  <c:v>0.21130399999999999</c:v>
+                  <c:v>0.37168800000000002</c:v>
                 </c:pt>
                 <c:pt idx="27">
-                  <c:v>0.39334400000000003</c:v>
+                  <c:v>0.73576799999999998</c:v>
                 </c:pt>
                 <c:pt idx="28">
-                  <c:v>0.70717600000000003</c:v>
+                  <c:v>1.363432</c:v>
                 </c:pt>
                 <c:pt idx="29">
-                  <c:v>1.36344</c:v>
+                  <c:v>2.6759599999999999</c:v>
                 </c:pt>
                 <c:pt idx="30">
-                  <c:v>0.13665099999999999</c:v>
+                  <c:v>0.21689900000000001</c:v>
                 </c:pt>
                 <c:pt idx="31">
-                  <c:v>0.21678700000000001</c:v>
+                  <c:v>0.37717099999999998</c:v>
                 </c:pt>
                 <c:pt idx="32">
-                  <c:v>0.39882699999999999</c:v>
+                  <c:v>0.74125099999999999</c:v>
                 </c:pt>
                 <c:pt idx="33">
-                  <c:v>0.71265900000000004</c:v>
+                  <c:v>1.3689150000000001</c:v>
                 </c:pt>
                 <c:pt idx="34">
-                  <c:v>1.3689229999999999</c:v>
+                  <c:v>2.6814429999999998</c:v>
                 </c:pt>
                 <c:pt idx="35">
-                  <c:v>0.14725199999999999</c:v>
+                  <c:v>0.22750000000000001</c:v>
                 </c:pt>
                 <c:pt idx="36">
-                  <c:v>0.22738800000000001</c:v>
+                  <c:v>0.38777200000000001</c:v>
                 </c:pt>
                 <c:pt idx="37">
-                  <c:v>0.40942800000000001</c:v>
+                  <c:v>0.75185199999999996</c:v>
                 </c:pt>
                 <c:pt idx="38">
-                  <c:v>0.72326000000000001</c:v>
+                  <c:v>1.379516</c:v>
                 </c:pt>
                 <c:pt idx="39">
-                  <c:v>1.379524</c:v>
+                  <c:v>2.6920440000000001</c:v>
                 </c:pt>
                 <c:pt idx="40">
-                  <c:v>0.17103399999999999</c:v>
+                  <c:v>0.25128200000000001</c:v>
                 </c:pt>
                 <c:pt idx="41">
-                  <c:v>0.25117</c:v>
+                  <c:v>0.41155399999999998</c:v>
                 </c:pt>
                 <c:pt idx="42">
-                  <c:v>0.43320999999999998</c:v>
+                  <c:v>0.77563400000000005</c:v>
                 </c:pt>
                 <c:pt idx="43">
-                  <c:v>0.74704199999999998</c:v>
+                  <c:v>1.4032979999999999</c:v>
                 </c:pt>
                 <c:pt idx="44">
-                  <c:v>1.4033059999999999</c:v>
+                  <c:v>2.7158259999999999</c:v>
                 </c:pt>
                 <c:pt idx="45">
-                  <c:v>0.216951</c:v>
+                  <c:v>0.29719899999999999</c:v>
                 </c:pt>
                 <c:pt idx="46">
-                  <c:v>0.29708699999999999</c:v>
+                  <c:v>0.45747100000000002</c:v>
                 </c:pt>
                 <c:pt idx="47">
-                  <c:v>0.47912700000000003</c:v>
+                  <c:v>0.82155100000000003</c:v>
                 </c:pt>
                 <c:pt idx="48">
-                  <c:v>0.79295899999999997</c:v>
+                  <c:v>1.4492149999999999</c:v>
                 </c:pt>
                 <c:pt idx="49">
-                  <c:v>1.4492229999999999</c:v>
+                  <c:v>2.7617430000000001</c:v>
                 </c:pt>
                 <c:pt idx="50">
-                  <c:v>0.15420800000000001</c:v>
+                  <c:v>0.234456</c:v>
                 </c:pt>
                 <c:pt idx="51">
-                  <c:v>0.234344</c:v>
+                  <c:v>0.39472800000000002</c:v>
                 </c:pt>
                 <c:pt idx="52">
-                  <c:v>0.41638399999999998</c:v>
+                  <c:v>0.75880800000000004</c:v>
                 </c:pt>
                 <c:pt idx="53">
-                  <c:v>0.73021599999999998</c:v>
+                  <c:v>1.3864719999999999</c:v>
                 </c:pt>
                 <c:pt idx="54">
-                  <c:v>1.3864799999999999</c:v>
+                  <c:v>2.6989999999999998</c:v>
                 </c:pt>
                 <c:pt idx="55">
-                  <c:v>0.159691</c:v>
+                  <c:v>0.23993900000000001</c:v>
                 </c:pt>
                 <c:pt idx="56">
-                  <c:v>0.23982700000000001</c:v>
+                  <c:v>0.40021099999999998</c:v>
                 </c:pt>
                 <c:pt idx="57">
-                  <c:v>0.42186699999999999</c:v>
+                  <c:v>0.76429100000000005</c:v>
                 </c:pt>
                 <c:pt idx="58">
-                  <c:v>0.73569899999999999</c:v>
+                  <c:v>1.3919550000000001</c:v>
                 </c:pt>
                 <c:pt idx="59">
-                  <c:v>1.3919630000000001</c:v>
+                  <c:v>2.7044830000000002</c:v>
                 </c:pt>
                 <c:pt idx="60">
-                  <c:v>0.170292</c:v>
+                  <c:v>0.25053999999999998</c:v>
                 </c:pt>
                 <c:pt idx="61">
-                  <c:v>0.25042799999999998</c:v>
+                  <c:v>0.41081200000000001</c:v>
                 </c:pt>
                 <c:pt idx="62">
-                  <c:v>0.43246800000000002</c:v>
+                  <c:v>0.77489200000000003</c:v>
                 </c:pt>
                 <c:pt idx="63">
-                  <c:v>0.74629999999999996</c:v>
+                  <c:v>1.4025559999999999</c:v>
                 </c:pt>
                 <c:pt idx="64">
-                  <c:v>1.4025639999999999</c:v>
+                  <c:v>2.7150840000000001</c:v>
                 </c:pt>
                 <c:pt idx="65">
-                  <c:v>0.194074</c:v>
+                  <c:v>0.27432200000000001</c:v>
                 </c:pt>
                 <c:pt idx="66">
-                  <c:v>0.27421000000000001</c:v>
+                  <c:v>0.43459399999999998</c:v>
                 </c:pt>
                 <c:pt idx="67">
-                  <c:v>0.45624999999999999</c:v>
+                  <c:v>0.798674</c:v>
                 </c:pt>
                 <c:pt idx="68">
-                  <c:v>0.77008200000000004</c:v>
+                  <c:v>1.4263380000000001</c:v>
                 </c:pt>
                 <c:pt idx="69">
-                  <c:v>1.4263459999999999</c:v>
+                  <c:v>2.7388659999999998</c:v>
                 </c:pt>
                 <c:pt idx="70">
-                  <c:v>0.23999100000000001</c:v>
+                  <c:v>0.320239</c:v>
                 </c:pt>
                 <c:pt idx="71">
-                  <c:v>0.32012699999999999</c:v>
+                  <c:v>0.48051100000000002</c:v>
                 </c:pt>
                 <c:pt idx="72">
-                  <c:v>0.50216700000000003</c:v>
+                  <c:v>0.84459099999999998</c:v>
                 </c:pt>
                 <c:pt idx="73">
-                  <c:v>0.81599900000000003</c:v>
+                  <c:v>1.4722550000000001</c:v>
                 </c:pt>
                 <c:pt idx="74">
-                  <c:v>1.4722630000000001</c:v>
+                  <c:v>2.784783</c:v>
                 </c:pt>
                 <c:pt idx="75">
-                  <c:v>0.19824</c:v>
+                  <c:v>0.27848800000000001</c:v>
                 </c:pt>
                 <c:pt idx="76">
-                  <c:v>0.27837600000000001</c:v>
+                  <c:v>0.43875999999999998</c:v>
                 </c:pt>
                 <c:pt idx="77">
-                  <c:v>0.46041599999999999</c:v>
+                  <c:v>0.80284</c:v>
                 </c:pt>
                 <c:pt idx="78">
-                  <c:v>0.77424800000000005</c:v>
+                  <c:v>1.430504</c:v>
                 </c:pt>
                 <c:pt idx="79">
-                  <c:v>1.430512</c:v>
+                  <c:v>2.7430319999999999</c:v>
                 </c:pt>
                 <c:pt idx="80">
-                  <c:v>0.20372299999999999</c:v>
+                  <c:v>0.28397099999999997</c:v>
                 </c:pt>
                 <c:pt idx="81">
-                  <c:v>0.28385899999999997</c:v>
+                  <c:v>0.444243</c:v>
                 </c:pt>
                 <c:pt idx="82">
-                  <c:v>0.46589900000000001</c:v>
+                  <c:v>0.80832300000000001</c:v>
                 </c:pt>
                 <c:pt idx="83">
-                  <c:v>0.77973099999999995</c:v>
+                  <c:v>1.4359869999999999</c:v>
                 </c:pt>
                 <c:pt idx="84">
-                  <c:v>1.4359949999999999</c:v>
+                  <c:v>2.7485149999999998</c:v>
                 </c:pt>
                 <c:pt idx="85">
-                  <c:v>0.21432399999999999</c:v>
+                  <c:v>0.294572</c:v>
                 </c:pt>
                 <c:pt idx="86">
-                  <c:v>0.29446</c:v>
+                  <c:v>0.45484400000000003</c:v>
                 </c:pt>
                 <c:pt idx="87">
-                  <c:v>0.47649999999999998</c:v>
+                  <c:v>0.81892399999999999</c:v>
                 </c:pt>
                 <c:pt idx="88">
-                  <c:v>0.79033200000000003</c:v>
+                  <c:v>1.446588</c:v>
                 </c:pt>
                 <c:pt idx="89">
-                  <c:v>1.446596</c:v>
+                  <c:v>2.7591160000000001</c:v>
                 </c:pt>
                 <c:pt idx="90">
-                  <c:v>0.23810600000000001</c:v>
+                  <c:v>0.31835400000000003</c:v>
                 </c:pt>
                 <c:pt idx="91">
-                  <c:v>0.31824200000000002</c:v>
+                  <c:v>0.478626</c:v>
                 </c:pt>
                 <c:pt idx="92">
-                  <c:v>0.500282</c:v>
+                  <c:v>0.84270599999999996</c:v>
                 </c:pt>
                 <c:pt idx="93">
-                  <c:v>0.814114</c:v>
+                  <c:v>1.47037</c:v>
                 </c:pt>
                 <c:pt idx="94">
-                  <c:v>1.470378</c:v>
+                  <c:v>2.7828979999999999</c:v>
                 </c:pt>
                 <c:pt idx="95">
-                  <c:v>0.28402300000000003</c:v>
+                  <c:v>0.36427100000000001</c:v>
                 </c:pt>
                 <c:pt idx="96">
-                  <c:v>0.36415900000000001</c:v>
+                  <c:v>0.52454299999999998</c:v>
                 </c:pt>
                 <c:pt idx="97">
-                  <c:v>0.54619899999999999</c:v>
+                  <c:v>0.88862300000000005</c:v>
                 </c:pt>
                 <c:pt idx="98">
-                  <c:v>0.86003099999999999</c:v>
+                  <c:v>1.5162869999999999</c:v>
                 </c:pt>
                 <c:pt idx="99">
-                  <c:v>1.5162949999999999</c:v>
+                  <c:v>2.8288150000000001</c:v>
                 </c:pt>
                 <c:pt idx="100">
-                  <c:v>0.28272000000000003</c:v>
+                  <c:v>0.36296800000000001</c:v>
                 </c:pt>
                 <c:pt idx="101">
-                  <c:v>0.36285600000000001</c:v>
+                  <c:v>0.52324000000000004</c:v>
                 </c:pt>
                 <c:pt idx="102">
-                  <c:v>0.54489600000000005</c:v>
+                  <c:v>0.88732</c:v>
                 </c:pt>
                 <c:pt idx="103">
-                  <c:v>0.85872800000000005</c:v>
+                  <c:v>1.5149840000000001</c:v>
                 </c:pt>
                 <c:pt idx="104">
-                  <c:v>1.5149919999999999</c:v>
+                  <c:v>2.827512</c:v>
                 </c:pt>
                 <c:pt idx="105">
-                  <c:v>0.28820299999999999</c:v>
+                  <c:v>0.36845099999999997</c:v>
                 </c:pt>
                 <c:pt idx="106">
-                  <c:v>0.36833900000000003</c:v>
+                  <c:v>0.52872300000000005</c:v>
                 </c:pt>
                 <c:pt idx="107">
-                  <c:v>0.55037899999999995</c:v>
+                  <c:v>0.89280300000000001</c:v>
                 </c:pt>
                 <c:pt idx="108">
-                  <c:v>0.86421099999999995</c:v>
+                  <c:v>1.520467</c:v>
                 </c:pt>
                 <c:pt idx="109">
-                  <c:v>1.520475</c:v>
+                  <c:v>2.8329949999999999</c:v>
                 </c:pt>
                 <c:pt idx="110">
-                  <c:v>0.29880400000000001</c:v>
+                  <c:v>0.379052</c:v>
                 </c:pt>
                 <c:pt idx="111">
-                  <c:v>0.37894</c:v>
+                  <c:v>0.53932400000000003</c:v>
                 </c:pt>
                 <c:pt idx="112">
-                  <c:v>0.56098000000000003</c:v>
+                  <c:v>0.90340399999999998</c:v>
                 </c:pt>
                 <c:pt idx="113">
-                  <c:v>0.87481200000000003</c:v>
+                  <c:v>1.5310680000000001</c:v>
                 </c:pt>
                 <c:pt idx="114">
-                  <c:v>1.5310760000000001</c:v>
+                  <c:v>2.8435959999999998</c:v>
                 </c:pt>
                 <c:pt idx="115">
-                  <c:v>0.32258599999999998</c:v>
+                  <c:v>0.40283400000000003</c:v>
                 </c:pt>
                 <c:pt idx="116">
-                  <c:v>0.40272200000000002</c:v>
+                  <c:v>0.563106</c:v>
                 </c:pt>
                 <c:pt idx="117">
-                  <c:v>0.584762</c:v>
+                  <c:v>0.92718599999999995</c:v>
                 </c:pt>
                 <c:pt idx="118">
-                  <c:v>0.898594</c:v>
+                  <c:v>1.5548500000000001</c:v>
                 </c:pt>
                 <c:pt idx="119">
-                  <c:v>1.5548580000000001</c:v>
+                  <c:v>2.867378</c:v>
                 </c:pt>
                 <c:pt idx="120">
-                  <c:v>0.36850300000000002</c:v>
+                  <c:v>0.44875100000000001</c:v>
                 </c:pt>
                 <c:pt idx="121">
-                  <c:v>0.44863900000000001</c:v>
+                  <c:v>0.60902299999999998</c:v>
                 </c:pt>
                 <c:pt idx="122">
-                  <c:v>0.63067899999999999</c:v>
+                  <c:v>0.97310300000000005</c:v>
                 </c:pt>
                 <c:pt idx="123">
-                  <c:v>0.94451099999999999</c:v>
+                  <c:v>1.6007670000000001</c:v>
                 </c:pt>
                 <c:pt idx="124">
-                  <c:v>1.6007750000000001</c:v>
+                  <c:v>2.9132950000000002</c:v>
                 </c:pt>
               </c:numCache>
             </c:numRef>
@@ -2251,304 +2256,304 @@
                   <c:v>9498.82</c:v>
                 </c:pt>
                 <c:pt idx="25">
-                  <c:v>3594.63</c:v>
+                  <c:v>3594.68</c:v>
                 </c:pt>
                 <c:pt idx="26">
-                  <c:v>3455.91</c:v>
+                  <c:v>3455.96</c:v>
                 </c:pt>
                 <c:pt idx="27">
-                  <c:v>3177.19</c:v>
+                  <c:v>3177.24</c:v>
                 </c:pt>
                 <c:pt idx="28">
-                  <c:v>2829.44</c:v>
+                  <c:v>2829.49</c:v>
                 </c:pt>
                 <c:pt idx="29">
-                  <c:v>2764.74</c:v>
+                  <c:v>2764.79</c:v>
                 </c:pt>
                 <c:pt idx="30">
-                  <c:v>3575.81</c:v>
+                  <c:v>3575.86</c:v>
                 </c:pt>
                 <c:pt idx="31">
-                  <c:v>3457.11</c:v>
+                  <c:v>3457.16</c:v>
                 </c:pt>
                 <c:pt idx="32">
-                  <c:v>3177.99</c:v>
+                  <c:v>3178.04</c:v>
                 </c:pt>
                 <c:pt idx="33">
-                  <c:v>2830.41</c:v>
+                  <c:v>2830.46</c:v>
                 </c:pt>
                 <c:pt idx="34">
-                  <c:v>2765.7</c:v>
+                  <c:v>2765.75</c:v>
                 </c:pt>
                 <c:pt idx="35">
-                  <c:v>3329.6</c:v>
+                  <c:v>3329.65</c:v>
                 </c:pt>
                 <c:pt idx="36">
-                  <c:v>3324.31</c:v>
+                  <c:v>3324.36</c:v>
                 </c:pt>
                 <c:pt idx="37">
-                  <c:v>3133.35</c:v>
+                  <c:v>3133.4</c:v>
                 </c:pt>
                 <c:pt idx="38">
-                  <c:v>2832.19</c:v>
+                  <c:v>2832.24</c:v>
                 </c:pt>
                 <c:pt idx="39">
-                  <c:v>2767.45</c:v>
+                  <c:v>2767.5</c:v>
                 </c:pt>
                 <c:pt idx="40">
-                  <c:v>3310.52</c:v>
+                  <c:v>3310.57</c:v>
                 </c:pt>
                 <c:pt idx="41">
-                  <c:v>3213.08</c:v>
+                  <c:v>3213.13</c:v>
                 </c:pt>
                 <c:pt idx="42">
-                  <c:v>3026.58</c:v>
+                  <c:v>3026.63</c:v>
                 </c:pt>
                 <c:pt idx="43">
-                  <c:v>2823.19</c:v>
+                  <c:v>2823.24</c:v>
                 </c:pt>
                 <c:pt idx="44">
-                  <c:v>2768.53</c:v>
+                  <c:v>2768.58</c:v>
                 </c:pt>
                 <c:pt idx="45">
-                  <c:v>3315.11</c:v>
+                  <c:v>3315.16</c:v>
                 </c:pt>
                 <c:pt idx="46">
-                  <c:v>3217.68</c:v>
+                  <c:v>3217.73</c:v>
                 </c:pt>
                 <c:pt idx="47">
-                  <c:v>3031.17</c:v>
+                  <c:v>3031.22</c:v>
                 </c:pt>
                 <c:pt idx="48">
-                  <c:v>2827.78</c:v>
+                  <c:v>2827.84</c:v>
                 </c:pt>
                 <c:pt idx="49">
-                  <c:v>2773.12</c:v>
+                  <c:v>2773.17</c:v>
                 </c:pt>
                 <c:pt idx="50">
-                  <c:v>3550.3</c:v>
+                  <c:v>3550.4</c:v>
                 </c:pt>
                 <c:pt idx="51">
-                  <c:v>3404.68</c:v>
+                  <c:v>3404.77</c:v>
                 </c:pt>
                 <c:pt idx="52">
-                  <c:v>3113.43</c:v>
+                  <c:v>3113.52</c:v>
                 </c:pt>
                 <c:pt idx="53">
-                  <c:v>2723.9</c:v>
+                  <c:v>2723.99</c:v>
                 </c:pt>
                 <c:pt idx="54">
-                  <c:v>2567.1</c:v>
+                  <c:v>2567.19</c:v>
                 </c:pt>
                 <c:pt idx="55">
-                  <c:v>3531.48</c:v>
+                  <c:v>3531.57</c:v>
                 </c:pt>
                 <c:pt idx="56">
-                  <c:v>3405.88</c:v>
+                  <c:v>3405.98</c:v>
                 </c:pt>
                 <c:pt idx="57">
-                  <c:v>3114.23</c:v>
+                  <c:v>3114.32</c:v>
                 </c:pt>
                 <c:pt idx="58">
-                  <c:v>2724.87</c:v>
+                  <c:v>2724.96</c:v>
                 </c:pt>
                 <c:pt idx="59">
-                  <c:v>2568.06</c:v>
+                  <c:v>2568.15</c:v>
                 </c:pt>
                 <c:pt idx="60">
-                  <c:v>3285.27</c:v>
+                  <c:v>3285.36</c:v>
                 </c:pt>
                 <c:pt idx="61">
-                  <c:v>3273.08</c:v>
+                  <c:v>3273.17</c:v>
                 </c:pt>
                 <c:pt idx="62">
-                  <c:v>3069.59</c:v>
+                  <c:v>3069.68</c:v>
                 </c:pt>
                 <c:pt idx="63">
-                  <c:v>2726.65</c:v>
+                  <c:v>2726.74</c:v>
                 </c:pt>
                 <c:pt idx="64">
-                  <c:v>2569.8000000000002</c:v>
+                  <c:v>2569.9</c:v>
                 </c:pt>
                 <c:pt idx="65">
-                  <c:v>3266.19</c:v>
+                  <c:v>3266.28</c:v>
                 </c:pt>
                 <c:pt idx="66">
-                  <c:v>3161.86</c:v>
+                  <c:v>3161.95</c:v>
                 </c:pt>
                 <c:pt idx="67">
-                  <c:v>2962.82</c:v>
+                  <c:v>2962.91</c:v>
                 </c:pt>
                 <c:pt idx="68">
-                  <c:v>2717.65</c:v>
+                  <c:v>2717.74</c:v>
                 </c:pt>
                 <c:pt idx="69">
-                  <c:v>2570.89</c:v>
+                  <c:v>2570.98</c:v>
                 </c:pt>
                 <c:pt idx="70">
-                  <c:v>3270.79</c:v>
+                  <c:v>3270.88</c:v>
                 </c:pt>
                 <c:pt idx="71">
-                  <c:v>3166.45</c:v>
+                  <c:v>3166.54</c:v>
                 </c:pt>
                 <c:pt idx="72">
-                  <c:v>2967.41</c:v>
+                  <c:v>2967.5</c:v>
                 </c:pt>
                 <c:pt idx="73">
-                  <c:v>2722.25</c:v>
+                  <c:v>2722.34</c:v>
                 </c:pt>
                 <c:pt idx="74">
-                  <c:v>2575.48</c:v>
+                  <c:v>2575.5700000000002</c:v>
                 </c:pt>
                 <c:pt idx="75">
-                  <c:v>3617.47</c:v>
+                  <c:v>3617.66</c:v>
                 </c:pt>
                 <c:pt idx="76">
-                  <c:v>3468.54</c:v>
+                  <c:v>3468.73</c:v>
                 </c:pt>
                 <c:pt idx="77">
-                  <c:v>3171.29</c:v>
+                  <c:v>3171.48</c:v>
                 </c:pt>
                 <c:pt idx="78">
-                  <c:v>2761.75</c:v>
+                  <c:v>2761.93</c:v>
                 </c:pt>
                 <c:pt idx="79">
-                  <c:v>2560.8200000000002</c:v>
+                  <c:v>2561</c:v>
                 </c:pt>
                 <c:pt idx="80">
-                  <c:v>3598.65</c:v>
+                  <c:v>3598.83</c:v>
                 </c:pt>
                 <c:pt idx="81">
-                  <c:v>3469.75</c:v>
+                  <c:v>3469.93</c:v>
                 </c:pt>
                 <c:pt idx="82">
-                  <c:v>3172.09</c:v>
+                  <c:v>3172.27</c:v>
                 </c:pt>
                 <c:pt idx="83">
-                  <c:v>2762.72</c:v>
+                  <c:v>2762.9</c:v>
                 </c:pt>
                 <c:pt idx="84">
-                  <c:v>2561.7800000000002</c:v>
+                  <c:v>2561.96</c:v>
                 </c:pt>
                 <c:pt idx="85">
-                  <c:v>3352.44</c:v>
+                  <c:v>3352.62</c:v>
                 </c:pt>
                 <c:pt idx="86">
-                  <c:v>3336.95</c:v>
+                  <c:v>3337.13</c:v>
                 </c:pt>
                 <c:pt idx="87">
-                  <c:v>3127.45</c:v>
+                  <c:v>3127.64</c:v>
                 </c:pt>
                 <c:pt idx="88">
-                  <c:v>2764.5</c:v>
+                  <c:v>2764.68</c:v>
                 </c:pt>
                 <c:pt idx="89">
-                  <c:v>2563.5300000000002</c:v>
+                  <c:v>2563.71</c:v>
                 </c:pt>
                 <c:pt idx="90">
-                  <c:v>3333.36</c:v>
+                  <c:v>3333.54</c:v>
                 </c:pt>
                 <c:pt idx="91">
-                  <c:v>3225.72</c:v>
+                  <c:v>3225.9</c:v>
                 </c:pt>
                 <c:pt idx="92">
-                  <c:v>3020.68</c:v>
+                  <c:v>3020.86</c:v>
                 </c:pt>
                 <c:pt idx="93">
-                  <c:v>2755.5</c:v>
+                  <c:v>2755.68</c:v>
                 </c:pt>
                 <c:pt idx="94">
-                  <c:v>2564.61</c:v>
+                  <c:v>2564.79</c:v>
                 </c:pt>
                 <c:pt idx="95">
-                  <c:v>3337.95</c:v>
+                  <c:v>3338.14</c:v>
                 </c:pt>
                 <c:pt idx="96">
-                  <c:v>3230.32</c:v>
+                  <c:v>3230.5</c:v>
                 </c:pt>
                 <c:pt idx="97">
-                  <c:v>3025.27</c:v>
+                  <c:v>3025.46</c:v>
                 </c:pt>
                 <c:pt idx="98">
-                  <c:v>2760.1</c:v>
+                  <c:v>2760.28</c:v>
                 </c:pt>
                 <c:pt idx="99">
-                  <c:v>2569.21</c:v>
+                  <c:v>2569.39</c:v>
                 </c:pt>
                 <c:pt idx="100">
-                  <c:v>3625.03</c:v>
+                  <c:v>3625.4</c:v>
                 </c:pt>
                 <c:pt idx="101">
-                  <c:v>3474.45</c:v>
+                  <c:v>3474.82</c:v>
                 </c:pt>
                 <c:pt idx="102">
-                  <c:v>3174.2</c:v>
+                  <c:v>3174.57</c:v>
                 </c:pt>
                 <c:pt idx="103">
-                  <c:v>2754.65</c:v>
+                  <c:v>2755.02</c:v>
                 </c:pt>
                 <c:pt idx="104">
-                  <c:v>2531.66</c:v>
+                  <c:v>2532.0300000000002</c:v>
                 </c:pt>
                 <c:pt idx="105">
-                  <c:v>3606.21</c:v>
+                  <c:v>3606.58</c:v>
                 </c:pt>
                 <c:pt idx="106">
-                  <c:v>3475.66</c:v>
+                  <c:v>3476.02</c:v>
                 </c:pt>
                 <c:pt idx="107">
-                  <c:v>3174.99</c:v>
+                  <c:v>3175.36</c:v>
                 </c:pt>
                 <c:pt idx="108">
-                  <c:v>2755.62</c:v>
+                  <c:v>2755.99</c:v>
                 </c:pt>
                 <c:pt idx="109">
-                  <c:v>2532.62</c:v>
+                  <c:v>2532.9899999999998</c:v>
                 </c:pt>
                 <c:pt idx="110">
-                  <c:v>3360</c:v>
+                  <c:v>3360.37</c:v>
                 </c:pt>
                 <c:pt idx="111">
-                  <c:v>3342.85</c:v>
+                  <c:v>3343.22</c:v>
                 </c:pt>
                 <c:pt idx="112">
-                  <c:v>3130.36</c:v>
+                  <c:v>3130.73</c:v>
                 </c:pt>
                 <c:pt idx="113">
-                  <c:v>2757.4</c:v>
+                  <c:v>2757.77</c:v>
                 </c:pt>
                 <c:pt idx="114">
-                  <c:v>2534.37</c:v>
+                  <c:v>2534.7399999999998</c:v>
                 </c:pt>
                 <c:pt idx="115">
-                  <c:v>3340.92</c:v>
+                  <c:v>3341.28</c:v>
                 </c:pt>
                 <c:pt idx="116">
-                  <c:v>3231.63</c:v>
+                  <c:v>3231.99</c:v>
                 </c:pt>
                 <c:pt idx="117">
-                  <c:v>3023.58</c:v>
+                  <c:v>3023.95</c:v>
                 </c:pt>
                 <c:pt idx="118">
-                  <c:v>2748.4</c:v>
+                  <c:v>2748.76</c:v>
                 </c:pt>
                 <c:pt idx="119">
-                  <c:v>2535.4499999999998</c:v>
+                  <c:v>2535.8200000000002</c:v>
                 </c:pt>
                 <c:pt idx="120">
-                  <c:v>3345.51</c:v>
+                  <c:v>3345.88</c:v>
                 </c:pt>
                 <c:pt idx="121">
-                  <c:v>3236.23</c:v>
+                  <c:v>3236.59</c:v>
                 </c:pt>
                 <c:pt idx="122">
-                  <c:v>3028.18</c:v>
+                  <c:v>3028.55</c:v>
                 </c:pt>
                 <c:pt idx="123">
-                  <c:v>2753</c:v>
+                  <c:v>2753.36</c:v>
                 </c:pt>
                 <c:pt idx="124">
-                  <c:v>2540.0500000000002</c:v>
+                  <c:v>2540.41</c:v>
                 </c:pt>
               </c:numCache>
             </c:numRef>
@@ -2794,379 +2799,379 @@
                 <c:formatCode>General</c:formatCode>
                 <c:ptCount val="125"/>
                 <c:pt idx="0">
-                  <c:v>0.160496</c:v>
+                  <c:v>0.24074400000000001</c:v>
                 </c:pt>
                 <c:pt idx="1">
-                  <c:v>0.24063200000000001</c:v>
+                  <c:v>0.40101599999999998</c:v>
                 </c:pt>
                 <c:pt idx="2">
-                  <c:v>0.42267199999999999</c:v>
+                  <c:v>0.765096</c:v>
                 </c:pt>
                 <c:pt idx="3">
-                  <c:v>0.73650400000000005</c:v>
+                  <c:v>1.39276</c:v>
                 </c:pt>
                 <c:pt idx="4">
-                  <c:v>1.392768</c:v>
+                  <c:v>2.7052879999999999</c:v>
                 </c:pt>
                 <c:pt idx="5">
-                  <c:v>0.24063200000000001</c:v>
+                  <c:v>0.32088</c:v>
                 </c:pt>
                 <c:pt idx="6">
-                  <c:v>0.320768</c:v>
+                  <c:v>0.48115200000000002</c:v>
                 </c:pt>
                 <c:pt idx="7">
-                  <c:v>0.50280800000000003</c:v>
+                  <c:v>0.84523199999999998</c:v>
                 </c:pt>
                 <c:pt idx="8">
-                  <c:v>0.81664000000000003</c:v>
+                  <c:v>1.472896</c:v>
                 </c:pt>
                 <c:pt idx="9">
-                  <c:v>1.472904</c:v>
+                  <c:v>2.7854239999999999</c:v>
                 </c:pt>
                 <c:pt idx="10">
-                  <c:v>0.42267199999999999</c:v>
+                  <c:v>0.50292000000000003</c:v>
                 </c:pt>
                 <c:pt idx="11">
-                  <c:v>0.50280800000000003</c:v>
+                  <c:v>0.663192</c:v>
                 </c:pt>
                 <c:pt idx="12">
-                  <c:v>0.68484800000000001</c:v>
+                  <c:v>1.027272</c:v>
                 </c:pt>
                 <c:pt idx="13">
-                  <c:v>0.99868000000000001</c:v>
+                  <c:v>1.654936</c:v>
                 </c:pt>
                 <c:pt idx="14">
-                  <c:v>1.654944</c:v>
+                  <c:v>2.9674640000000001</c:v>
                 </c:pt>
                 <c:pt idx="15">
-                  <c:v>0.73650400000000005</c:v>
+                  <c:v>0.81675200000000003</c:v>
                 </c:pt>
                 <c:pt idx="16">
-                  <c:v>0.81664000000000003</c:v>
+                  <c:v>0.977024</c:v>
                 </c:pt>
                 <c:pt idx="17">
-                  <c:v>0.99868000000000001</c:v>
+                  <c:v>1.3411040000000001</c:v>
                 </c:pt>
                 <c:pt idx="18">
-                  <c:v>1.3125119999999999</c:v>
+                  <c:v>1.9687680000000001</c:v>
                 </c:pt>
                 <c:pt idx="19">
-                  <c:v>1.9687760000000001</c:v>
+                  <c:v>3.2812960000000002</c:v>
                 </c:pt>
                 <c:pt idx="20">
-                  <c:v>1.392768</c:v>
+                  <c:v>1.4730160000000001</c:v>
                 </c:pt>
                 <c:pt idx="21">
-                  <c:v>1.472904</c:v>
+                  <c:v>1.6332880000000001</c:v>
                 </c:pt>
                 <c:pt idx="22">
-                  <c:v>1.654944</c:v>
+                  <c:v>1.997368</c:v>
                 </c:pt>
                 <c:pt idx="23">
-                  <c:v>1.9687760000000001</c:v>
+                  <c:v>2.625032</c:v>
                 </c:pt>
                 <c:pt idx="24">
-                  <c:v>2.6250399999999998</c:v>
+                  <c:v>3.9375599999999999</c:v>
                 </c:pt>
                 <c:pt idx="25">
-                  <c:v>0.190192</c:v>
+                  <c:v>0.27044000000000001</c:v>
                 </c:pt>
                 <c:pt idx="26">
-                  <c:v>0.27032800000000001</c:v>
+                  <c:v>0.43071199999999998</c:v>
                 </c:pt>
                 <c:pt idx="27">
-                  <c:v>0.45236799999999999</c:v>
+                  <c:v>0.79479200000000005</c:v>
                 </c:pt>
                 <c:pt idx="28">
-                  <c:v>0.76619999999999999</c:v>
+                  <c:v>1.4224559999999999</c:v>
                 </c:pt>
                 <c:pt idx="29">
-                  <c:v>1.422464</c:v>
+                  <c:v>2.7349839999999999</c:v>
                 </c:pt>
                 <c:pt idx="30">
-                  <c:v>0.27032800000000001</c:v>
+                  <c:v>0.350576</c:v>
                 </c:pt>
                 <c:pt idx="31">
-                  <c:v>0.350464</c:v>
+                  <c:v>0.51084799999999997</c:v>
                 </c:pt>
                 <c:pt idx="32">
-                  <c:v>0.53250399999999998</c:v>
+                  <c:v>0.87492800000000004</c:v>
                 </c:pt>
                 <c:pt idx="33">
-                  <c:v>0.84633599999999998</c:v>
+                  <c:v>1.5025919999999999</c:v>
                 </c:pt>
                 <c:pt idx="34">
-                  <c:v>1.5025999999999999</c:v>
+                  <c:v>2.8151199999999998</c:v>
                 </c:pt>
                 <c:pt idx="35">
-                  <c:v>0.45236799999999999</c:v>
+                  <c:v>0.53261599999999998</c:v>
                 </c:pt>
                 <c:pt idx="36">
-                  <c:v>0.53250399999999998</c:v>
+                  <c:v>0.69288799999999995</c:v>
                 </c:pt>
                 <c:pt idx="37">
-                  <c:v>0.71454399999999996</c:v>
+                  <c:v>1.0569679999999999</c:v>
                 </c:pt>
                 <c:pt idx="38">
-                  <c:v>1.028376</c:v>
+                  <c:v>1.6846319999999999</c:v>
                 </c:pt>
                 <c:pt idx="39">
-                  <c:v>1.6846399999999999</c:v>
+                  <c:v>2.99716</c:v>
                 </c:pt>
                 <c:pt idx="40">
-                  <c:v>0.76619999999999999</c:v>
+                  <c:v>0.84644799999999998</c:v>
                 </c:pt>
                 <c:pt idx="41">
-                  <c:v>0.84633599999999998</c:v>
+                  <c:v>1.0067200000000001</c:v>
                 </c:pt>
                 <c:pt idx="42">
-                  <c:v>1.028376</c:v>
+                  <c:v>1.3708</c:v>
                 </c:pt>
                 <c:pt idx="43">
-                  <c:v>1.3422080000000001</c:v>
+                  <c:v>1.998464</c:v>
                 </c:pt>
                 <c:pt idx="44">
-                  <c:v>1.998472</c:v>
+                  <c:v>3.3109920000000002</c:v>
                 </c:pt>
                 <c:pt idx="45">
-                  <c:v>1.422464</c:v>
+                  <c:v>1.502712</c:v>
                 </c:pt>
                 <c:pt idx="46">
-                  <c:v>1.5025999999999999</c:v>
+                  <c:v>1.662984</c:v>
                 </c:pt>
                 <c:pt idx="47">
-                  <c:v>1.6846399999999999</c:v>
+                  <c:v>2.0270640000000002</c:v>
                 </c:pt>
                 <c:pt idx="48">
-                  <c:v>1.998472</c:v>
+                  <c:v>2.654728</c:v>
                 </c:pt>
                 <c:pt idx="49">
-                  <c:v>2.6547360000000002</c:v>
+                  <c:v>3.9672559999999999</c:v>
                 </c:pt>
                 <c:pt idx="50">
-                  <c:v>0.213232</c:v>
+                  <c:v>0.29348000000000002</c:v>
                 </c:pt>
                 <c:pt idx="51">
-                  <c:v>0.29336800000000002</c:v>
+                  <c:v>0.45375199999999999</c:v>
                 </c:pt>
                 <c:pt idx="52">
-                  <c:v>0.475408</c:v>
+                  <c:v>0.817832</c:v>
                 </c:pt>
                 <c:pt idx="53">
-                  <c:v>0.78924000000000005</c:v>
+                  <c:v>1.4454959999999999</c:v>
                 </c:pt>
                 <c:pt idx="54">
-                  <c:v>1.4455039999999999</c:v>
+                  <c:v>2.7580239999999998</c:v>
                 </c:pt>
                 <c:pt idx="55">
-                  <c:v>0.29336800000000002</c:v>
+                  <c:v>0.373616</c:v>
                 </c:pt>
                 <c:pt idx="56">
-                  <c:v>0.373504</c:v>
+                  <c:v>0.53388800000000003</c:v>
                 </c:pt>
                 <c:pt idx="57">
-                  <c:v>0.55554400000000004</c:v>
+                  <c:v>0.89796799999999999</c:v>
                 </c:pt>
                 <c:pt idx="58">
-                  <c:v>0.86937600000000004</c:v>
+                  <c:v>1.5256320000000001</c:v>
                 </c:pt>
                 <c:pt idx="59">
-                  <c:v>1.5256400000000001</c:v>
+                  <c:v>2.8381599999999998</c:v>
                 </c:pt>
                 <c:pt idx="60">
-                  <c:v>0.475408</c:v>
+                  <c:v>0.55565600000000004</c:v>
                 </c:pt>
                 <c:pt idx="61">
-                  <c:v>0.55554400000000004</c:v>
+                  <c:v>0.71592800000000001</c:v>
                 </c:pt>
                 <c:pt idx="62">
-                  <c:v>0.73758400000000002</c:v>
+                  <c:v>1.0800080000000001</c:v>
                 </c:pt>
                 <c:pt idx="63">
-                  <c:v>1.0514159999999999</c:v>
+                  <c:v>1.7076720000000001</c:v>
                 </c:pt>
                 <c:pt idx="64">
-                  <c:v>1.7076800000000001</c:v>
+                  <c:v>3.0202</c:v>
                 </c:pt>
                 <c:pt idx="65">
-                  <c:v>0.78924000000000005</c:v>
+                  <c:v>0.86948800000000004</c:v>
                 </c:pt>
                 <c:pt idx="66">
-                  <c:v>0.86937600000000004</c:v>
+                  <c:v>1.02976</c:v>
                 </c:pt>
                 <c:pt idx="67">
-                  <c:v>1.0514159999999999</c:v>
+                  <c:v>1.39384</c:v>
                 </c:pt>
                 <c:pt idx="68">
-                  <c:v>1.365248</c:v>
+                  <c:v>2.0215040000000002</c:v>
                 </c:pt>
                 <c:pt idx="69">
-                  <c:v>2.021512</c:v>
+                  <c:v>3.3340320000000001</c:v>
                 </c:pt>
                 <c:pt idx="70">
-                  <c:v>1.4455039999999999</c:v>
+                  <c:v>1.525752</c:v>
                 </c:pt>
                 <c:pt idx="71">
-                  <c:v>1.5256400000000001</c:v>
+                  <c:v>1.686024</c:v>
                 </c:pt>
                 <c:pt idx="72">
-                  <c:v>1.7076800000000001</c:v>
+                  <c:v>2.0501040000000001</c:v>
                 </c:pt>
                 <c:pt idx="73">
-                  <c:v>2.021512</c:v>
+                  <c:v>2.6777679999999999</c:v>
                 </c:pt>
                 <c:pt idx="74">
-                  <c:v>2.6777760000000002</c:v>
+                  <c:v>3.9902959999999998</c:v>
                 </c:pt>
                 <c:pt idx="75">
-                  <c:v>0.25726399999999999</c:v>
+                  <c:v>0.33751199999999998</c:v>
                 </c:pt>
                 <c:pt idx="76">
-                  <c:v>0.33739999999999998</c:v>
+                  <c:v>0.497784</c:v>
                 </c:pt>
                 <c:pt idx="77">
-                  <c:v>0.51944000000000001</c:v>
+                  <c:v>0.86186399999999996</c:v>
                 </c:pt>
                 <c:pt idx="78">
-                  <c:v>0.83327200000000001</c:v>
+                  <c:v>1.489528</c:v>
                 </c:pt>
                 <c:pt idx="79">
-                  <c:v>1.489536</c:v>
+                  <c:v>2.8020559999999999</c:v>
                 </c:pt>
                 <c:pt idx="80">
-                  <c:v>0.33739999999999998</c:v>
+                  <c:v>0.41764800000000002</c:v>
                 </c:pt>
                 <c:pt idx="81">
-                  <c:v>0.41753600000000002</c:v>
+                  <c:v>0.57791999999999999</c:v>
                 </c:pt>
                 <c:pt idx="82">
-                  <c:v>0.599576</c:v>
+                  <c:v>0.94199999999999995</c:v>
                 </c:pt>
                 <c:pt idx="83">
-                  <c:v>0.913408</c:v>
+                  <c:v>1.5696639999999999</c:v>
                 </c:pt>
                 <c:pt idx="84">
-                  <c:v>1.569672</c:v>
+                  <c:v>2.8821919999999999</c:v>
                 </c:pt>
                 <c:pt idx="85">
-                  <c:v>0.51944000000000001</c:v>
+                  <c:v>0.599688</c:v>
                 </c:pt>
                 <c:pt idx="86">
-                  <c:v>0.599576</c:v>
+                  <c:v>0.75995999999999997</c:v>
                 </c:pt>
                 <c:pt idx="87">
-                  <c:v>0.78161599999999998</c:v>
+                  <c:v>1.1240399999999999</c:v>
                 </c:pt>
                 <c:pt idx="88">
-                  <c:v>1.095448</c:v>
+                  <c:v>1.7517039999999999</c:v>
                 </c:pt>
                 <c:pt idx="89">
-                  <c:v>1.7517119999999999</c:v>
+                  <c:v>3.0642320000000001</c:v>
                 </c:pt>
                 <c:pt idx="90">
-                  <c:v>0.83327200000000001</c:v>
+                  <c:v>0.91352</c:v>
                 </c:pt>
                 <c:pt idx="91">
-                  <c:v>0.913408</c:v>
+                  <c:v>1.0737920000000001</c:v>
                 </c:pt>
                 <c:pt idx="92">
-                  <c:v>1.095448</c:v>
+                  <c:v>1.437872</c:v>
                 </c:pt>
                 <c:pt idx="93">
-                  <c:v>1.4092800000000001</c:v>
+                  <c:v>2.0655359999999998</c:v>
                 </c:pt>
                 <c:pt idx="94">
-                  <c:v>2.065544</c:v>
+                  <c:v>3.3780640000000002</c:v>
                 </c:pt>
                 <c:pt idx="95">
-                  <c:v>1.489536</c:v>
+                  <c:v>1.5697840000000001</c:v>
                 </c:pt>
                 <c:pt idx="96">
-                  <c:v>1.569672</c:v>
+                  <c:v>1.730056</c:v>
                 </c:pt>
                 <c:pt idx="97">
-                  <c:v>1.7517119999999999</c:v>
+                  <c:v>2.0941360000000002</c:v>
                 </c:pt>
                 <c:pt idx="98">
-                  <c:v>2.065544</c:v>
+                  <c:v>2.7218</c:v>
                 </c:pt>
                 <c:pt idx="99">
-                  <c:v>2.7218079999999998</c:v>
+                  <c:v>4.0343280000000004</c:v>
                 </c:pt>
                 <c:pt idx="100">
-                  <c:v>0.34174399999999999</c:v>
+                  <c:v>0.42199199999999998</c:v>
                 </c:pt>
                 <c:pt idx="101">
-                  <c:v>0.42187999999999998</c:v>
+                  <c:v>0.582264</c:v>
                 </c:pt>
                 <c:pt idx="102">
-                  <c:v>0.60392000000000001</c:v>
+                  <c:v>0.94634399999999996</c:v>
                 </c:pt>
                 <c:pt idx="103">
-                  <c:v>0.91775200000000001</c:v>
+                  <c:v>1.5740080000000001</c:v>
                 </c:pt>
                 <c:pt idx="104">
-                  <c:v>1.5740160000000001</c:v>
+                  <c:v>2.886536</c:v>
                 </c:pt>
                 <c:pt idx="105">
-                  <c:v>0.42187999999999998</c:v>
+                  <c:v>0.50212800000000002</c:v>
                 </c:pt>
                 <c:pt idx="106">
-                  <c:v>0.50201600000000002</c:v>
+                  <c:v>0.66239999999999999</c:v>
                 </c:pt>
                 <c:pt idx="107">
-                  <c:v>0.684056</c:v>
+                  <c:v>1.0264800000000001</c:v>
                 </c:pt>
                 <c:pt idx="108">
-                  <c:v>0.997888</c:v>
+                  <c:v>1.6541440000000001</c:v>
                 </c:pt>
                 <c:pt idx="109">
-                  <c:v>1.6541520000000001</c:v>
+                  <c:v>2.966672</c:v>
                 </c:pt>
                 <c:pt idx="110">
-                  <c:v>0.60392000000000001</c:v>
+                  <c:v>0.684168</c:v>
                 </c:pt>
                 <c:pt idx="111">
-                  <c:v>0.684056</c:v>
+                  <c:v>0.84443999999999997</c:v>
                 </c:pt>
                 <c:pt idx="112">
-                  <c:v>0.86609599999999998</c:v>
+                  <c:v>1.20852</c:v>
                 </c:pt>
                 <c:pt idx="113">
-                  <c:v>1.1799280000000001</c:v>
+                  <c:v>1.836184</c:v>
                 </c:pt>
                 <c:pt idx="114">
-                  <c:v>1.836192</c:v>
+                  <c:v>3.1487120000000002</c:v>
                 </c:pt>
                 <c:pt idx="115">
-                  <c:v>0.91775200000000001</c:v>
+                  <c:v>0.998</c:v>
                 </c:pt>
                 <c:pt idx="116">
-                  <c:v>0.997888</c:v>
+                  <c:v>1.158272</c:v>
                 </c:pt>
                 <c:pt idx="117">
-                  <c:v>1.1799280000000001</c:v>
+                  <c:v>1.5223519999999999</c:v>
                 </c:pt>
                 <c:pt idx="118">
-                  <c:v>1.49376</c:v>
+                  <c:v>2.1500159999999999</c:v>
                 </c:pt>
                 <c:pt idx="119">
-                  <c:v>2.1500240000000002</c:v>
+                  <c:v>3.4625439999999998</c:v>
                 </c:pt>
                 <c:pt idx="120">
-                  <c:v>1.5740160000000001</c:v>
+                  <c:v>1.654264</c:v>
                 </c:pt>
                 <c:pt idx="121">
-                  <c:v>1.6541520000000001</c:v>
+                  <c:v>1.8145359999999999</c:v>
                 </c:pt>
                 <c:pt idx="122">
-                  <c:v>1.836192</c:v>
+                  <c:v>2.1786159999999999</c:v>
                 </c:pt>
                 <c:pt idx="123">
-                  <c:v>2.1500240000000002</c:v>
+                  <c:v>2.8062800000000001</c:v>
                 </c:pt>
                 <c:pt idx="124">
-                  <c:v>2.8062879999999999</c:v>
+                  <c:v>4.1188079999999996</c:v>
                 </c:pt>
               </c:numCache>
             </c:numRef>
@@ -3253,304 +3258,304 @@
                   <c:v>4613.9399999999996</c:v>
                 </c:pt>
                 <c:pt idx="25">
-                  <c:v>4917.22</c:v>
+                  <c:v>4917.2700000000004</c:v>
                 </c:pt>
                 <c:pt idx="26">
-                  <c:v>4345.29</c:v>
+                  <c:v>4345.34</c:v>
                 </c:pt>
                 <c:pt idx="27">
-                  <c:v>4029.99</c:v>
+                  <c:v>4030.04</c:v>
                 </c:pt>
                 <c:pt idx="28">
-                  <c:v>3858.05</c:v>
+                  <c:v>3858.1</c:v>
                 </c:pt>
                 <c:pt idx="29">
-                  <c:v>3832.6</c:v>
+                  <c:v>3832.65</c:v>
                 </c:pt>
                 <c:pt idx="30">
-                  <c:v>4122.68</c:v>
+                  <c:v>4122.7299999999996</c:v>
                 </c:pt>
                 <c:pt idx="31">
-                  <c:v>4134.84</c:v>
+                  <c:v>4134.8900000000003</c:v>
                 </c:pt>
                 <c:pt idx="32">
-                  <c:v>3955.44</c:v>
+                  <c:v>3955.49</c:v>
                 </c:pt>
                 <c:pt idx="33">
-                  <c:v>3803.43</c:v>
+                  <c:v>3803.48</c:v>
                 </c:pt>
                 <c:pt idx="34">
-                  <c:v>3798.03</c:v>
+                  <c:v>3798.08</c:v>
                 </c:pt>
                 <c:pt idx="35">
-                  <c:v>3593.92</c:v>
+                  <c:v>3593.97</c:v>
                 </c:pt>
                 <c:pt idx="36">
-                  <c:v>3622.12</c:v>
+                  <c:v>3622.17</c:v>
                 </c:pt>
                 <c:pt idx="37">
-                  <c:v>3628.35</c:v>
+                  <c:v>3628.4</c:v>
                 </c:pt>
                 <c:pt idx="38">
-                  <c:v>3577.9</c:v>
+                  <c:v>3577.95</c:v>
                 </c:pt>
                 <c:pt idx="39">
-                  <c:v>3612.71</c:v>
+                  <c:v>3612.76</c:v>
                 </c:pt>
                 <c:pt idx="40">
-                  <c:v>3240.53</c:v>
+                  <c:v>3240.58</c:v>
                 </c:pt>
                 <c:pt idx="41">
-                  <c:v>3268.68</c:v>
+                  <c:v>3268.73</c:v>
                 </c:pt>
                 <c:pt idx="42">
-                  <c:v>3274.73</c:v>
+                  <c:v>3274.78</c:v>
                 </c:pt>
                 <c:pt idx="43">
-                  <c:v>3283.54</c:v>
+                  <c:v>3283.59</c:v>
                 </c:pt>
                 <c:pt idx="44">
-                  <c:v>3318.35</c:v>
+                  <c:v>3318.4</c:v>
                 </c:pt>
                 <c:pt idx="45">
-                  <c:v>3245.13</c:v>
+                  <c:v>3245.18</c:v>
                 </c:pt>
                 <c:pt idx="46">
-                  <c:v>3273.27</c:v>
+                  <c:v>3273.32</c:v>
                 </c:pt>
                 <c:pt idx="47">
-                  <c:v>3279.33</c:v>
+                  <c:v>3279.38</c:v>
                 </c:pt>
                 <c:pt idx="48">
-                  <c:v>3288.14</c:v>
+                  <c:v>3288.19</c:v>
                 </c:pt>
                 <c:pt idx="49">
-                  <c:v>3322.94</c:v>
+                  <c:v>3322.99</c:v>
                 </c:pt>
                 <c:pt idx="50">
-                  <c:v>4924.72</c:v>
+                  <c:v>4924.8100000000004</c:v>
                 </c:pt>
                 <c:pt idx="51">
-                  <c:v>4340.17</c:v>
+                  <c:v>4340.2700000000004</c:v>
                 </c:pt>
                 <c:pt idx="52">
-                  <c:v>4023.58</c:v>
+                  <c:v>4023.67</c:v>
                 </c:pt>
                 <c:pt idx="53">
-                  <c:v>3847.33</c:v>
+                  <c:v>3847.42</c:v>
                 </c:pt>
                 <c:pt idx="54">
-                  <c:v>3808.31</c:v>
+                  <c:v>3808.4</c:v>
                 </c:pt>
                 <c:pt idx="55">
-                  <c:v>4130.18</c:v>
+                  <c:v>4130.2700000000004</c:v>
                 </c:pt>
                 <c:pt idx="56">
-                  <c:v>4129.72</c:v>
+                  <c:v>4129.8100000000004</c:v>
                 </c:pt>
                 <c:pt idx="57">
-                  <c:v>3949.03</c:v>
+                  <c:v>3949.12</c:v>
                 </c:pt>
                 <c:pt idx="58">
-                  <c:v>3792.71</c:v>
+                  <c:v>3792.8</c:v>
                 </c:pt>
                 <c:pt idx="59">
-                  <c:v>3773.74</c:v>
+                  <c:v>3773.83</c:v>
                 </c:pt>
                 <c:pt idx="60">
-                  <c:v>3601.42</c:v>
+                  <c:v>3601.51</c:v>
                 </c:pt>
                 <c:pt idx="61">
-                  <c:v>3617</c:v>
+                  <c:v>3617.09</c:v>
                 </c:pt>
                 <c:pt idx="62">
-                  <c:v>3621.93</c:v>
+                  <c:v>3622.02</c:v>
                 </c:pt>
                 <c:pt idx="63">
-                  <c:v>3567.18</c:v>
+                  <c:v>3567.27</c:v>
                 </c:pt>
                 <c:pt idx="64">
-                  <c:v>3588.42</c:v>
+                  <c:v>3588.51</c:v>
                 </c:pt>
                 <c:pt idx="65">
-                  <c:v>3248.03</c:v>
+                  <c:v>3248.12</c:v>
                 </c:pt>
                 <c:pt idx="66">
-                  <c:v>3263.56</c:v>
+                  <c:v>3263.65</c:v>
                 </c:pt>
                 <c:pt idx="67">
-                  <c:v>3268.31</c:v>
+                  <c:v>3268.4</c:v>
                 </c:pt>
                 <c:pt idx="68">
-                  <c:v>3272.82</c:v>
+                  <c:v>3272.91</c:v>
                 </c:pt>
                 <c:pt idx="69">
-                  <c:v>3294.06</c:v>
+                  <c:v>3294.15</c:v>
                 </c:pt>
                 <c:pt idx="70">
-                  <c:v>3252.63</c:v>
+                  <c:v>3252.72</c:v>
                 </c:pt>
                 <c:pt idx="71">
-                  <c:v>3268.16</c:v>
+                  <c:v>3268.25</c:v>
                 </c:pt>
                 <c:pt idx="72">
-                  <c:v>3272.91</c:v>
+                  <c:v>3273</c:v>
                 </c:pt>
                 <c:pt idx="73">
-                  <c:v>3277.42</c:v>
+                  <c:v>3277.51</c:v>
                 </c:pt>
                 <c:pt idx="74">
-                  <c:v>3298.65</c:v>
+                  <c:v>3298.74</c:v>
                 </c:pt>
                 <c:pt idx="75">
-                  <c:v>5016.71</c:v>
+                  <c:v>5016.8999999999996</c:v>
                 </c:pt>
                 <c:pt idx="76">
-                  <c:v>4426.13</c:v>
+                  <c:v>4426.3100000000004</c:v>
                 </c:pt>
                 <c:pt idx="77">
-                  <c:v>4108.91</c:v>
+                  <c:v>4109.09</c:v>
                 </c:pt>
                 <c:pt idx="78">
-                  <c:v>3930.6</c:v>
+                  <c:v>3930.78</c:v>
                 </c:pt>
                 <c:pt idx="79">
-                  <c:v>3885.08</c:v>
+                  <c:v>3885.26</c:v>
                 </c:pt>
                 <c:pt idx="80">
-                  <c:v>4222.18</c:v>
+                  <c:v>4222.3599999999997</c:v>
                 </c:pt>
                 <c:pt idx="81">
-                  <c:v>4215.67</c:v>
+                  <c:v>4215.8599999999997</c:v>
                 </c:pt>
                 <c:pt idx="82">
-                  <c:v>4034.36</c:v>
+                  <c:v>4034.54</c:v>
                 </c:pt>
                 <c:pt idx="83">
-                  <c:v>3875.98</c:v>
+                  <c:v>3876.16</c:v>
                 </c:pt>
                 <c:pt idx="84">
-                  <c:v>3850.5</c:v>
+                  <c:v>3850.69</c:v>
                 </c:pt>
                 <c:pt idx="85">
-                  <c:v>3693.41</c:v>
+                  <c:v>3693.6</c:v>
                 </c:pt>
                 <c:pt idx="86">
-                  <c:v>3702.95</c:v>
+                  <c:v>3703.14</c:v>
                 </c:pt>
                 <c:pt idx="87">
-                  <c:v>3707.26</c:v>
+                  <c:v>3707.45</c:v>
                 </c:pt>
                 <c:pt idx="88">
-                  <c:v>3650.45</c:v>
+                  <c:v>3650.63</c:v>
                 </c:pt>
                 <c:pt idx="89">
-                  <c:v>3665.18</c:v>
+                  <c:v>3665.37</c:v>
                 </c:pt>
                 <c:pt idx="90">
-                  <c:v>3340.03</c:v>
+                  <c:v>3340.21</c:v>
                 </c:pt>
                 <c:pt idx="91">
-                  <c:v>3349.52</c:v>
+                  <c:v>3349.7</c:v>
                 </c:pt>
                 <c:pt idx="92">
-                  <c:v>3353.64</c:v>
+                  <c:v>3353.83</c:v>
                 </c:pt>
                 <c:pt idx="93">
-                  <c:v>3356.09</c:v>
+                  <c:v>3356.27</c:v>
                 </c:pt>
                 <c:pt idx="94">
-                  <c:v>3370.82</c:v>
+                  <c:v>3371.01</c:v>
                 </c:pt>
                 <c:pt idx="95">
-                  <c:v>3344.63</c:v>
+                  <c:v>3344.81</c:v>
                 </c:pt>
                 <c:pt idx="96">
-                  <c:v>3354.11</c:v>
+                  <c:v>3354.29</c:v>
                 </c:pt>
                 <c:pt idx="97">
-                  <c:v>3358.24</c:v>
+                  <c:v>3358.42</c:v>
                 </c:pt>
                 <c:pt idx="98">
-                  <c:v>3360.69</c:v>
+                  <c:v>3360.87</c:v>
                 </c:pt>
                 <c:pt idx="99">
-                  <c:v>3375.42</c:v>
+                  <c:v>3375.6</c:v>
                 </c:pt>
                 <c:pt idx="100">
-                  <c:v>5036.6899999999996</c:v>
+                  <c:v>5037.05</c:v>
                 </c:pt>
                 <c:pt idx="101">
-                  <c:v>4443.08</c:v>
+                  <c:v>4443.45</c:v>
                 </c:pt>
                 <c:pt idx="102">
-                  <c:v>4125.55</c:v>
+                  <c:v>4125.91</c:v>
                 </c:pt>
                 <c:pt idx="103">
-                  <c:v>3946.21</c:v>
+                  <c:v>3946.57</c:v>
                 </c:pt>
                 <c:pt idx="104">
-                  <c:v>3897.44</c:v>
+                  <c:v>3897.8</c:v>
                 </c:pt>
                 <c:pt idx="105">
-                  <c:v>4242.1499999999996</c:v>
+                  <c:v>4242.5200000000004</c:v>
                 </c:pt>
                 <c:pt idx="106">
-                  <c:v>4232.63</c:v>
+                  <c:v>4232.99</c:v>
                 </c:pt>
                 <c:pt idx="107">
-                  <c:v>4051</c:v>
+                  <c:v>4051.36</c:v>
                 </c:pt>
                 <c:pt idx="108">
-                  <c:v>3891.59</c:v>
+                  <c:v>3891.95</c:v>
                 </c:pt>
                 <c:pt idx="109">
-                  <c:v>3862.86</c:v>
+                  <c:v>3863.23</c:v>
                 </c:pt>
                 <c:pt idx="110">
-                  <c:v>3713.39</c:v>
+                  <c:v>3713.75</c:v>
                 </c:pt>
                 <c:pt idx="111">
-                  <c:v>3719.91</c:v>
+                  <c:v>3720.27</c:v>
                 </c:pt>
                 <c:pt idx="112">
-                  <c:v>3723.91</c:v>
+                  <c:v>3724.27</c:v>
                 </c:pt>
                 <c:pt idx="113">
-                  <c:v>3666.06</c:v>
+                  <c:v>3666.43</c:v>
                 </c:pt>
                 <c:pt idx="114">
-                  <c:v>3677.54</c:v>
+                  <c:v>3677.91</c:v>
                 </c:pt>
                 <c:pt idx="115">
-                  <c:v>3360</c:v>
+                  <c:v>3360.37</c:v>
                 </c:pt>
                 <c:pt idx="116">
-                  <c:v>3366.47</c:v>
+                  <c:v>3366.83</c:v>
                 </c:pt>
                 <c:pt idx="117">
-                  <c:v>3370.28</c:v>
+                  <c:v>3370.65</c:v>
                 </c:pt>
                 <c:pt idx="118">
-                  <c:v>3371.7</c:v>
+                  <c:v>3372.07</c:v>
                 </c:pt>
                 <c:pt idx="119">
-                  <c:v>3383.18</c:v>
+                  <c:v>3383.55</c:v>
                 </c:pt>
                 <c:pt idx="120">
-                  <c:v>3364.6</c:v>
+                  <c:v>3364.97</c:v>
                 </c:pt>
                 <c:pt idx="121">
-                  <c:v>3371.06</c:v>
+                  <c:v>3371.43</c:v>
                 </c:pt>
                 <c:pt idx="122">
-                  <c:v>3374.88</c:v>
+                  <c:v>3375.25</c:v>
                 </c:pt>
                 <c:pt idx="123">
-                  <c:v>3376.3</c:v>
+                  <c:v>3376.66</c:v>
                 </c:pt>
                 <c:pt idx="124">
-                  <c:v>3387.78</c:v>
+                  <c:v>3388.15</c:v>
                 </c:pt>
               </c:numCache>
             </c:numRef>
@@ -3605,379 +3610,379 @@
                 <c:formatCode>General</c:formatCode>
                 <c:ptCount val="125"/>
                 <c:pt idx="0">
-                  <c:v>0.160496</c:v>
+                  <c:v>0.24074400000000001</c:v>
                 </c:pt>
                 <c:pt idx="1">
-                  <c:v>0.24063200000000001</c:v>
+                  <c:v>0.40101599999999998</c:v>
                 </c:pt>
                 <c:pt idx="2">
-                  <c:v>0.42267199999999999</c:v>
+                  <c:v>0.765096</c:v>
                 </c:pt>
                 <c:pt idx="3">
-                  <c:v>0.73650400000000005</c:v>
+                  <c:v>1.39276</c:v>
                 </c:pt>
                 <c:pt idx="4">
-                  <c:v>1.392768</c:v>
+                  <c:v>2.7052879999999999</c:v>
                 </c:pt>
                 <c:pt idx="5">
-                  <c:v>0.24063200000000001</c:v>
+                  <c:v>0.32088</c:v>
                 </c:pt>
                 <c:pt idx="6">
-                  <c:v>0.320768</c:v>
+                  <c:v>0.48115200000000002</c:v>
                 </c:pt>
                 <c:pt idx="7">
-                  <c:v>0.50280800000000003</c:v>
+                  <c:v>0.84523199999999998</c:v>
                 </c:pt>
                 <c:pt idx="8">
-                  <c:v>0.81664000000000003</c:v>
+                  <c:v>1.472896</c:v>
                 </c:pt>
                 <c:pt idx="9">
-                  <c:v>1.472904</c:v>
+                  <c:v>2.7854239999999999</c:v>
                 </c:pt>
                 <c:pt idx="10">
-                  <c:v>0.42267199999999999</c:v>
+                  <c:v>0.50292000000000003</c:v>
                 </c:pt>
                 <c:pt idx="11">
-                  <c:v>0.50280800000000003</c:v>
+                  <c:v>0.663192</c:v>
                 </c:pt>
                 <c:pt idx="12">
-                  <c:v>0.68484800000000001</c:v>
+                  <c:v>1.027272</c:v>
                 </c:pt>
                 <c:pt idx="13">
-                  <c:v>0.99868000000000001</c:v>
+                  <c:v>1.654936</c:v>
                 </c:pt>
                 <c:pt idx="14">
-                  <c:v>1.654944</c:v>
+                  <c:v>2.9674640000000001</c:v>
                 </c:pt>
                 <c:pt idx="15">
-                  <c:v>0.73650400000000005</c:v>
+                  <c:v>0.81675200000000003</c:v>
                 </c:pt>
                 <c:pt idx="16">
-                  <c:v>0.81664000000000003</c:v>
+                  <c:v>0.977024</c:v>
                 </c:pt>
                 <c:pt idx="17">
-                  <c:v>0.99868000000000001</c:v>
+                  <c:v>1.3411040000000001</c:v>
                 </c:pt>
                 <c:pt idx="18">
-                  <c:v>1.3125119999999999</c:v>
+                  <c:v>1.9687680000000001</c:v>
                 </c:pt>
                 <c:pt idx="19">
-                  <c:v>1.9687760000000001</c:v>
+                  <c:v>3.2812960000000002</c:v>
                 </c:pt>
                 <c:pt idx="20">
-                  <c:v>1.392768</c:v>
+                  <c:v>1.4730160000000001</c:v>
                 </c:pt>
                 <c:pt idx="21">
-                  <c:v>1.472904</c:v>
+                  <c:v>1.6332880000000001</c:v>
                 </c:pt>
                 <c:pt idx="22">
-                  <c:v>1.654944</c:v>
+                  <c:v>1.997368</c:v>
                 </c:pt>
                 <c:pt idx="23">
-                  <c:v>1.9687760000000001</c:v>
+                  <c:v>2.625032</c:v>
                 </c:pt>
                 <c:pt idx="24">
-                  <c:v>2.6250399999999998</c:v>
+                  <c:v>3.9375599999999999</c:v>
                 </c:pt>
                 <c:pt idx="25">
-                  <c:v>0.190192</c:v>
+                  <c:v>0.27044000000000001</c:v>
                 </c:pt>
                 <c:pt idx="26">
-                  <c:v>0.27032800000000001</c:v>
+                  <c:v>0.43071199999999998</c:v>
                 </c:pt>
                 <c:pt idx="27">
-                  <c:v>0.45236799999999999</c:v>
+                  <c:v>0.79479200000000005</c:v>
                 </c:pt>
                 <c:pt idx="28">
-                  <c:v>0.76619999999999999</c:v>
+                  <c:v>1.4224559999999999</c:v>
                 </c:pt>
                 <c:pt idx="29">
-                  <c:v>1.422464</c:v>
+                  <c:v>2.7349839999999999</c:v>
                 </c:pt>
                 <c:pt idx="30">
-                  <c:v>0.27032800000000001</c:v>
+                  <c:v>0.350576</c:v>
                 </c:pt>
                 <c:pt idx="31">
-                  <c:v>0.350464</c:v>
+                  <c:v>0.51084799999999997</c:v>
                 </c:pt>
                 <c:pt idx="32">
-                  <c:v>0.53250399999999998</c:v>
+                  <c:v>0.87492800000000004</c:v>
                 </c:pt>
                 <c:pt idx="33">
-                  <c:v>0.84633599999999998</c:v>
+                  <c:v>1.5025919999999999</c:v>
                 </c:pt>
                 <c:pt idx="34">
-                  <c:v>1.5025999999999999</c:v>
+                  <c:v>2.8151199999999998</c:v>
                 </c:pt>
                 <c:pt idx="35">
-                  <c:v>0.45236799999999999</c:v>
+                  <c:v>0.53261599999999998</c:v>
                 </c:pt>
                 <c:pt idx="36">
-                  <c:v>0.53250399999999998</c:v>
+                  <c:v>0.69288799999999995</c:v>
                 </c:pt>
                 <c:pt idx="37">
-                  <c:v>0.71454399999999996</c:v>
+                  <c:v>1.0569679999999999</c:v>
                 </c:pt>
                 <c:pt idx="38">
-                  <c:v>1.028376</c:v>
+                  <c:v>1.6846319999999999</c:v>
                 </c:pt>
                 <c:pt idx="39">
-                  <c:v>1.6846399999999999</c:v>
+                  <c:v>2.99716</c:v>
                 </c:pt>
                 <c:pt idx="40">
-                  <c:v>0.76619999999999999</c:v>
+                  <c:v>0.84644799999999998</c:v>
                 </c:pt>
                 <c:pt idx="41">
-                  <c:v>0.84633599999999998</c:v>
+                  <c:v>1.0067200000000001</c:v>
                 </c:pt>
                 <c:pt idx="42">
-                  <c:v>1.028376</c:v>
+                  <c:v>1.3708</c:v>
                 </c:pt>
                 <c:pt idx="43">
-                  <c:v>1.3422080000000001</c:v>
+                  <c:v>1.998464</c:v>
                 </c:pt>
                 <c:pt idx="44">
-                  <c:v>1.998472</c:v>
+                  <c:v>3.3109920000000002</c:v>
                 </c:pt>
                 <c:pt idx="45">
-                  <c:v>1.422464</c:v>
+                  <c:v>1.502712</c:v>
                 </c:pt>
                 <c:pt idx="46">
-                  <c:v>1.5025999999999999</c:v>
+                  <c:v>1.662984</c:v>
                 </c:pt>
                 <c:pt idx="47">
-                  <c:v>1.6846399999999999</c:v>
+                  <c:v>2.0270640000000002</c:v>
                 </c:pt>
                 <c:pt idx="48">
-                  <c:v>1.998472</c:v>
+                  <c:v>2.654728</c:v>
                 </c:pt>
                 <c:pt idx="49">
-                  <c:v>2.6547360000000002</c:v>
+                  <c:v>3.9672559999999999</c:v>
                 </c:pt>
                 <c:pt idx="50">
-                  <c:v>0.213232</c:v>
+                  <c:v>0.29348000000000002</c:v>
                 </c:pt>
                 <c:pt idx="51">
-                  <c:v>0.29336800000000002</c:v>
+                  <c:v>0.45375199999999999</c:v>
                 </c:pt>
                 <c:pt idx="52">
-                  <c:v>0.475408</c:v>
+                  <c:v>0.817832</c:v>
                 </c:pt>
                 <c:pt idx="53">
-                  <c:v>0.78924000000000005</c:v>
+                  <c:v>1.4454959999999999</c:v>
                 </c:pt>
                 <c:pt idx="54">
-                  <c:v>1.4455039999999999</c:v>
+                  <c:v>2.7580239999999998</c:v>
                 </c:pt>
                 <c:pt idx="55">
-                  <c:v>0.29336800000000002</c:v>
+                  <c:v>0.373616</c:v>
                 </c:pt>
                 <c:pt idx="56">
-                  <c:v>0.373504</c:v>
+                  <c:v>0.53388800000000003</c:v>
                 </c:pt>
                 <c:pt idx="57">
-                  <c:v>0.55554400000000004</c:v>
+                  <c:v>0.89796799999999999</c:v>
                 </c:pt>
                 <c:pt idx="58">
-                  <c:v>0.86937600000000004</c:v>
+                  <c:v>1.5256320000000001</c:v>
                 </c:pt>
                 <c:pt idx="59">
-                  <c:v>1.5256400000000001</c:v>
+                  <c:v>2.8381599999999998</c:v>
                 </c:pt>
                 <c:pt idx="60">
-                  <c:v>0.475408</c:v>
+                  <c:v>0.55565600000000004</c:v>
                 </c:pt>
                 <c:pt idx="61">
-                  <c:v>0.55554400000000004</c:v>
+                  <c:v>0.71592800000000001</c:v>
                 </c:pt>
                 <c:pt idx="62">
-                  <c:v>0.73758400000000002</c:v>
+                  <c:v>1.0800080000000001</c:v>
                 </c:pt>
                 <c:pt idx="63">
-                  <c:v>1.0514159999999999</c:v>
+                  <c:v>1.7076720000000001</c:v>
                 </c:pt>
                 <c:pt idx="64">
-                  <c:v>1.7076800000000001</c:v>
+                  <c:v>3.0202</c:v>
                 </c:pt>
                 <c:pt idx="65">
-                  <c:v>0.78924000000000005</c:v>
+                  <c:v>0.86948800000000004</c:v>
                 </c:pt>
                 <c:pt idx="66">
-                  <c:v>0.86937600000000004</c:v>
+                  <c:v>1.02976</c:v>
                 </c:pt>
                 <c:pt idx="67">
-                  <c:v>1.0514159999999999</c:v>
+                  <c:v>1.39384</c:v>
                 </c:pt>
                 <c:pt idx="68">
-                  <c:v>1.365248</c:v>
+                  <c:v>2.0215040000000002</c:v>
                 </c:pt>
                 <c:pt idx="69">
-                  <c:v>2.021512</c:v>
+                  <c:v>3.3340320000000001</c:v>
                 </c:pt>
                 <c:pt idx="70">
-                  <c:v>1.4455039999999999</c:v>
+                  <c:v>1.525752</c:v>
                 </c:pt>
                 <c:pt idx="71">
-                  <c:v>1.5256400000000001</c:v>
+                  <c:v>1.686024</c:v>
                 </c:pt>
                 <c:pt idx="72">
-                  <c:v>1.7076800000000001</c:v>
+                  <c:v>2.0501040000000001</c:v>
                 </c:pt>
                 <c:pt idx="73">
-                  <c:v>2.021512</c:v>
+                  <c:v>2.6777679999999999</c:v>
                 </c:pt>
                 <c:pt idx="74">
-                  <c:v>2.6777760000000002</c:v>
+                  <c:v>3.9902959999999998</c:v>
                 </c:pt>
                 <c:pt idx="75">
-                  <c:v>0.25726399999999999</c:v>
+                  <c:v>0.33751199999999998</c:v>
                 </c:pt>
                 <c:pt idx="76">
-                  <c:v>0.33739999999999998</c:v>
+                  <c:v>0.497784</c:v>
                 </c:pt>
                 <c:pt idx="77">
-                  <c:v>0.51944000000000001</c:v>
+                  <c:v>0.86186399999999996</c:v>
                 </c:pt>
                 <c:pt idx="78">
-                  <c:v>0.83327200000000001</c:v>
+                  <c:v>1.489528</c:v>
                 </c:pt>
                 <c:pt idx="79">
-                  <c:v>1.489536</c:v>
+                  <c:v>2.8020559999999999</c:v>
                 </c:pt>
                 <c:pt idx="80">
-                  <c:v>0.33739999999999998</c:v>
+                  <c:v>0.41764800000000002</c:v>
                 </c:pt>
                 <c:pt idx="81">
-                  <c:v>0.41753600000000002</c:v>
+                  <c:v>0.57791999999999999</c:v>
                 </c:pt>
                 <c:pt idx="82">
-                  <c:v>0.599576</c:v>
+                  <c:v>0.94199999999999995</c:v>
                 </c:pt>
                 <c:pt idx="83">
-                  <c:v>0.913408</c:v>
+                  <c:v>1.5696639999999999</c:v>
                 </c:pt>
                 <c:pt idx="84">
-                  <c:v>1.569672</c:v>
+                  <c:v>2.8821919999999999</c:v>
                 </c:pt>
                 <c:pt idx="85">
-                  <c:v>0.51944000000000001</c:v>
+                  <c:v>0.599688</c:v>
                 </c:pt>
                 <c:pt idx="86">
-                  <c:v>0.599576</c:v>
+                  <c:v>0.75995999999999997</c:v>
                 </c:pt>
                 <c:pt idx="87">
-                  <c:v>0.78161599999999998</c:v>
+                  <c:v>1.1240399999999999</c:v>
                 </c:pt>
                 <c:pt idx="88">
-                  <c:v>1.095448</c:v>
+                  <c:v>1.7517039999999999</c:v>
                 </c:pt>
                 <c:pt idx="89">
-                  <c:v>1.7517119999999999</c:v>
+                  <c:v>3.0642320000000001</c:v>
                 </c:pt>
                 <c:pt idx="90">
-                  <c:v>0.83327200000000001</c:v>
+                  <c:v>0.91352</c:v>
                 </c:pt>
                 <c:pt idx="91">
-                  <c:v>0.913408</c:v>
+                  <c:v>1.0737920000000001</c:v>
                 </c:pt>
                 <c:pt idx="92">
-                  <c:v>1.095448</c:v>
+                  <c:v>1.437872</c:v>
                 </c:pt>
                 <c:pt idx="93">
-                  <c:v>1.4092800000000001</c:v>
+                  <c:v>2.0655359999999998</c:v>
                 </c:pt>
                 <c:pt idx="94">
-                  <c:v>2.065544</c:v>
+                  <c:v>3.3780640000000002</c:v>
                 </c:pt>
                 <c:pt idx="95">
-                  <c:v>1.489536</c:v>
+                  <c:v>1.5697840000000001</c:v>
                 </c:pt>
                 <c:pt idx="96">
-                  <c:v>1.569672</c:v>
+                  <c:v>1.730056</c:v>
                 </c:pt>
                 <c:pt idx="97">
-                  <c:v>1.7517119999999999</c:v>
+                  <c:v>2.0941360000000002</c:v>
                 </c:pt>
                 <c:pt idx="98">
-                  <c:v>2.065544</c:v>
+                  <c:v>2.7218</c:v>
                 </c:pt>
                 <c:pt idx="99">
-                  <c:v>2.7218079999999998</c:v>
+                  <c:v>4.0343280000000004</c:v>
                 </c:pt>
                 <c:pt idx="100">
-                  <c:v>0.34174399999999999</c:v>
+                  <c:v>0.42199199999999998</c:v>
                 </c:pt>
                 <c:pt idx="101">
-                  <c:v>0.42187999999999998</c:v>
+                  <c:v>0.582264</c:v>
                 </c:pt>
                 <c:pt idx="102">
-                  <c:v>0.60392000000000001</c:v>
+                  <c:v>0.94634399999999996</c:v>
                 </c:pt>
                 <c:pt idx="103">
-                  <c:v>0.91775200000000001</c:v>
+                  <c:v>1.5740080000000001</c:v>
                 </c:pt>
                 <c:pt idx="104">
-                  <c:v>1.5740160000000001</c:v>
+                  <c:v>2.886536</c:v>
                 </c:pt>
                 <c:pt idx="105">
-                  <c:v>0.42187999999999998</c:v>
+                  <c:v>0.50212800000000002</c:v>
                 </c:pt>
                 <c:pt idx="106">
-                  <c:v>0.50201600000000002</c:v>
+                  <c:v>0.66239999999999999</c:v>
                 </c:pt>
                 <c:pt idx="107">
-                  <c:v>0.684056</c:v>
+                  <c:v>1.0264800000000001</c:v>
                 </c:pt>
                 <c:pt idx="108">
-                  <c:v>0.997888</c:v>
+                  <c:v>1.6541440000000001</c:v>
                 </c:pt>
                 <c:pt idx="109">
-                  <c:v>1.6541520000000001</c:v>
+                  <c:v>2.966672</c:v>
                 </c:pt>
                 <c:pt idx="110">
-                  <c:v>0.60392000000000001</c:v>
+                  <c:v>0.684168</c:v>
                 </c:pt>
                 <c:pt idx="111">
-                  <c:v>0.684056</c:v>
+                  <c:v>0.84443999999999997</c:v>
                 </c:pt>
                 <c:pt idx="112">
-                  <c:v>0.86609599999999998</c:v>
+                  <c:v>1.20852</c:v>
                 </c:pt>
                 <c:pt idx="113">
-                  <c:v>1.1799280000000001</c:v>
+                  <c:v>1.836184</c:v>
                 </c:pt>
                 <c:pt idx="114">
-                  <c:v>1.836192</c:v>
+                  <c:v>3.1487120000000002</c:v>
                 </c:pt>
                 <c:pt idx="115">
-                  <c:v>0.91775200000000001</c:v>
+                  <c:v>0.998</c:v>
                 </c:pt>
                 <c:pt idx="116">
-                  <c:v>0.997888</c:v>
+                  <c:v>1.158272</c:v>
                 </c:pt>
                 <c:pt idx="117">
-                  <c:v>1.1799280000000001</c:v>
+                  <c:v>1.5223519999999999</c:v>
                 </c:pt>
                 <c:pt idx="118">
-                  <c:v>1.49376</c:v>
+                  <c:v>2.1500159999999999</c:v>
                 </c:pt>
                 <c:pt idx="119">
-                  <c:v>2.1500240000000002</c:v>
+                  <c:v>3.4625439999999998</c:v>
                 </c:pt>
                 <c:pt idx="120">
-                  <c:v>1.5740160000000001</c:v>
+                  <c:v>1.654264</c:v>
                 </c:pt>
                 <c:pt idx="121">
-                  <c:v>1.6541520000000001</c:v>
+                  <c:v>1.8145359999999999</c:v>
                 </c:pt>
                 <c:pt idx="122">
-                  <c:v>1.836192</c:v>
+                  <c:v>2.1786159999999999</c:v>
                 </c:pt>
                 <c:pt idx="123">
-                  <c:v>2.1500240000000002</c:v>
+                  <c:v>2.8062800000000001</c:v>
                 </c:pt>
                 <c:pt idx="124">
-                  <c:v>2.8062879999999999</c:v>
+                  <c:v>4.1188079999999996</c:v>
                 </c:pt>
               </c:numCache>
             </c:numRef>
@@ -4064,304 +4069,304 @@
                   <c:v>4613.9399999999996</c:v>
                 </c:pt>
                 <c:pt idx="25">
-                  <c:v>4736.8500000000004</c:v>
+                  <c:v>4736.8999999999996</c:v>
                 </c:pt>
                 <c:pt idx="26">
-                  <c:v>4164.93</c:v>
+                  <c:v>4164.9799999999996</c:v>
                 </c:pt>
                 <c:pt idx="27">
-                  <c:v>3742.75</c:v>
+                  <c:v>3742.8</c:v>
                 </c:pt>
                 <c:pt idx="28">
-                  <c:v>3473.78</c:v>
+                  <c:v>3473.83</c:v>
                 </c:pt>
                 <c:pt idx="29">
-                  <c:v>3435.19</c:v>
+                  <c:v>3435.24</c:v>
                 </c:pt>
                 <c:pt idx="30">
-                  <c:v>3941.78</c:v>
+                  <c:v>3941.84</c:v>
                 </c:pt>
                 <c:pt idx="31">
-                  <c:v>3953.94</c:v>
+                  <c:v>3953.99</c:v>
                 </c:pt>
                 <c:pt idx="32">
-                  <c:v>3667.29</c:v>
+                  <c:v>3667.34</c:v>
                 </c:pt>
                 <c:pt idx="33">
-                  <c:v>3454.96</c:v>
+                  <c:v>3455.01</c:v>
                 </c:pt>
                 <c:pt idx="34">
-                  <c:v>3436.39</c:v>
+                  <c:v>3436.45</c:v>
                 </c:pt>
                 <c:pt idx="35">
-                  <c:v>3486.55</c:v>
+                  <c:v>3486.6</c:v>
                 </c:pt>
                 <c:pt idx="36">
-                  <c:v>3514.76</c:v>
+                  <c:v>3514.81</c:v>
                 </c:pt>
                 <c:pt idx="37">
-                  <c:v>3413.57</c:v>
+                  <c:v>3413.62</c:v>
                 </c:pt>
                 <c:pt idx="38">
-                  <c:v>3302.62</c:v>
+                  <c:v>3302.67</c:v>
                 </c:pt>
                 <c:pt idx="39">
-                  <c:v>3337.43</c:v>
+                  <c:v>3337.48</c:v>
                 </c:pt>
                 <c:pt idx="40">
-                  <c:v>3240.53</c:v>
+                  <c:v>3240.58</c:v>
                 </c:pt>
                 <c:pt idx="41">
-                  <c:v>3268.68</c:v>
+                  <c:v>3268.73</c:v>
                 </c:pt>
                 <c:pt idx="42">
-                  <c:v>3274.73</c:v>
+                  <c:v>3274.78</c:v>
                 </c:pt>
                 <c:pt idx="43">
-                  <c:v>3283.54</c:v>
+                  <c:v>3283.59</c:v>
                 </c:pt>
                 <c:pt idx="44">
-                  <c:v>3318.35</c:v>
+                  <c:v>3318.4</c:v>
                 </c:pt>
                 <c:pt idx="45">
-                  <c:v>3245.13</c:v>
+                  <c:v>3245.18</c:v>
                 </c:pt>
                 <c:pt idx="46">
-                  <c:v>3273.27</c:v>
+                  <c:v>3273.32</c:v>
                 </c:pt>
                 <c:pt idx="47">
-                  <c:v>3279.33</c:v>
+                  <c:v>3279.38</c:v>
                 </c:pt>
                 <c:pt idx="48">
-                  <c:v>3288.14</c:v>
+                  <c:v>3288.19</c:v>
                 </c:pt>
                 <c:pt idx="49">
-                  <c:v>3322.94</c:v>
+                  <c:v>3322.99</c:v>
                 </c:pt>
                 <c:pt idx="50">
-                  <c:v>4744.3500000000004</c:v>
+                  <c:v>4744.4399999999996</c:v>
                 </c:pt>
                 <c:pt idx="51">
-                  <c:v>4159.8100000000004</c:v>
+                  <c:v>4159.8999999999996</c:v>
                 </c:pt>
                 <c:pt idx="52">
-                  <c:v>3736.33</c:v>
+                  <c:v>3736.42</c:v>
                 </c:pt>
                 <c:pt idx="53">
-                  <c:v>3463.06</c:v>
+                  <c:v>3463.15</c:v>
                 </c:pt>
                 <c:pt idx="54">
-                  <c:v>3410.9</c:v>
+                  <c:v>3410.99</c:v>
                 </c:pt>
                 <c:pt idx="55">
-                  <c:v>3949.28</c:v>
+                  <c:v>3949.38</c:v>
                 </c:pt>
                 <c:pt idx="56">
-                  <c:v>3948.82</c:v>
+                  <c:v>3948.91</c:v>
                 </c:pt>
                 <c:pt idx="57">
-                  <c:v>3660.87</c:v>
+                  <c:v>3660.96</c:v>
                 </c:pt>
                 <c:pt idx="58">
-                  <c:v>3444.24</c:v>
+                  <c:v>3444.33</c:v>
                 </c:pt>
                 <c:pt idx="59">
-                  <c:v>3412.1</c:v>
+                  <c:v>3412.19</c:v>
                 </c:pt>
                 <c:pt idx="60">
-                  <c:v>3494.05</c:v>
+                  <c:v>3494.14</c:v>
                 </c:pt>
                 <c:pt idx="61">
-                  <c:v>3509.64</c:v>
+                  <c:v>3509.73</c:v>
                 </c:pt>
                 <c:pt idx="62">
-                  <c:v>3407.15</c:v>
+                  <c:v>3407.24</c:v>
                 </c:pt>
                 <c:pt idx="63">
-                  <c:v>3291.91</c:v>
+                  <c:v>3292</c:v>
                 </c:pt>
                 <c:pt idx="64">
-                  <c:v>3313.14</c:v>
+                  <c:v>3313.23</c:v>
                 </c:pt>
                 <c:pt idx="65">
-                  <c:v>3248.03</c:v>
+                  <c:v>3248.12</c:v>
                 </c:pt>
                 <c:pt idx="66">
-                  <c:v>3263.56</c:v>
+                  <c:v>3263.65</c:v>
                 </c:pt>
                 <c:pt idx="67">
-                  <c:v>3268.31</c:v>
+                  <c:v>3268.4</c:v>
                 </c:pt>
                 <c:pt idx="68">
-                  <c:v>3272.82</c:v>
+                  <c:v>3272.91</c:v>
                 </c:pt>
                 <c:pt idx="69">
-                  <c:v>3294.06</c:v>
+                  <c:v>3294.15</c:v>
                 </c:pt>
                 <c:pt idx="70">
-                  <c:v>3252.63</c:v>
+                  <c:v>3252.72</c:v>
                 </c:pt>
                 <c:pt idx="71">
-                  <c:v>3268.16</c:v>
+                  <c:v>3268.25</c:v>
                 </c:pt>
                 <c:pt idx="72">
-                  <c:v>3272.91</c:v>
+                  <c:v>3273</c:v>
                 </c:pt>
                 <c:pt idx="73">
-                  <c:v>3277.42</c:v>
+                  <c:v>3277.51</c:v>
                 </c:pt>
                 <c:pt idx="74">
-                  <c:v>3298.65</c:v>
+                  <c:v>3298.74</c:v>
                 </c:pt>
                 <c:pt idx="75">
-                  <c:v>4836.3500000000004</c:v>
+                  <c:v>4836.53</c:v>
                 </c:pt>
                 <c:pt idx="76">
-                  <c:v>4245.7700000000004</c:v>
+                  <c:v>4245.95</c:v>
                 </c:pt>
                 <c:pt idx="77">
-                  <c:v>3821.66</c:v>
+                  <c:v>3821.84</c:v>
                 </c:pt>
                 <c:pt idx="78">
-                  <c:v>3546.33</c:v>
+                  <c:v>3546.52</c:v>
                 </c:pt>
                 <c:pt idx="79">
-                  <c:v>3487.67</c:v>
+                  <c:v>3487.85</c:v>
                 </c:pt>
                 <c:pt idx="80">
-                  <c:v>4041.28</c:v>
+                  <c:v>4041.46</c:v>
                 </c:pt>
                 <c:pt idx="81">
-                  <c:v>4034.78</c:v>
+                  <c:v>4034.96</c:v>
                 </c:pt>
                 <c:pt idx="82">
-                  <c:v>3746.2</c:v>
+                  <c:v>3746.38</c:v>
                 </c:pt>
                 <c:pt idx="83">
-                  <c:v>3527.51</c:v>
+                  <c:v>3527.69</c:v>
                 </c:pt>
                 <c:pt idx="84">
-                  <c:v>3488.87</c:v>
+                  <c:v>3489.05</c:v>
                 </c:pt>
                 <c:pt idx="85">
-                  <c:v>3586.05</c:v>
+                  <c:v>3586.23</c:v>
                 </c:pt>
                 <c:pt idx="86">
-                  <c:v>3595.59</c:v>
+                  <c:v>3595.78</c:v>
                 </c:pt>
                 <c:pt idx="87">
-                  <c:v>3492.48</c:v>
+                  <c:v>3492.67</c:v>
                 </c:pt>
                 <c:pt idx="88">
-                  <c:v>3375.17</c:v>
+                  <c:v>3375.36</c:v>
                 </c:pt>
                 <c:pt idx="89">
-                  <c:v>3389.91</c:v>
+                  <c:v>3390.09</c:v>
                 </c:pt>
                 <c:pt idx="90">
-                  <c:v>3340.03</c:v>
+                  <c:v>3340.21</c:v>
                 </c:pt>
                 <c:pt idx="91">
-                  <c:v>3349.52</c:v>
+                  <c:v>3349.7</c:v>
                 </c:pt>
                 <c:pt idx="92">
-                  <c:v>3353.64</c:v>
+                  <c:v>3353.83</c:v>
                 </c:pt>
                 <c:pt idx="93">
-                  <c:v>3356.09</c:v>
+                  <c:v>3356.27</c:v>
                 </c:pt>
                 <c:pt idx="94">
-                  <c:v>3370.82</c:v>
+                  <c:v>3371.01</c:v>
                 </c:pt>
                 <c:pt idx="95">
-                  <c:v>3344.63</c:v>
+                  <c:v>3344.81</c:v>
                 </c:pt>
                 <c:pt idx="96">
-                  <c:v>3354.11</c:v>
+                  <c:v>3354.29</c:v>
                 </c:pt>
                 <c:pt idx="97">
-                  <c:v>3358.24</c:v>
+                  <c:v>3358.42</c:v>
                 </c:pt>
                 <c:pt idx="98">
-                  <c:v>3360.69</c:v>
+                  <c:v>3360.87</c:v>
                 </c:pt>
                 <c:pt idx="99">
-                  <c:v>3375.42</c:v>
+                  <c:v>3375.6</c:v>
                 </c:pt>
                 <c:pt idx="100">
-                  <c:v>4856.33</c:v>
+                  <c:v>4856.6899999999996</c:v>
                 </c:pt>
                 <c:pt idx="101">
-                  <c:v>4262.72</c:v>
+                  <c:v>4263.08</c:v>
                 </c:pt>
                 <c:pt idx="102">
-                  <c:v>3838.3</c:v>
+                  <c:v>3838.67</c:v>
                 </c:pt>
                 <c:pt idx="103">
-                  <c:v>3561.94</c:v>
+                  <c:v>3562.31</c:v>
                 </c:pt>
                 <c:pt idx="104">
-                  <c:v>3500.03</c:v>
+                  <c:v>3500.39</c:v>
                 </c:pt>
                 <c:pt idx="105">
-                  <c:v>4061.26</c:v>
+                  <c:v>4061.62</c:v>
                 </c:pt>
                 <c:pt idx="106">
-                  <c:v>4051.73</c:v>
+                  <c:v>4052.09</c:v>
                 </c:pt>
                 <c:pt idx="107">
-                  <c:v>3762.84</c:v>
+                  <c:v>3763.21</c:v>
                 </c:pt>
                 <c:pt idx="108">
-                  <c:v>3543.12</c:v>
+                  <c:v>3543.49</c:v>
                 </c:pt>
                 <c:pt idx="109">
-                  <c:v>3501.23</c:v>
+                  <c:v>3501.6</c:v>
                 </c:pt>
                 <c:pt idx="110">
-                  <c:v>3606.03</c:v>
+                  <c:v>3606.39</c:v>
                 </c:pt>
                 <c:pt idx="111">
-                  <c:v>3612.55</c:v>
+                  <c:v>3612.91</c:v>
                 </c:pt>
                 <c:pt idx="112">
-                  <c:v>3509.12</c:v>
+                  <c:v>3509.49</c:v>
                 </c:pt>
                 <c:pt idx="113">
-                  <c:v>3390.79</c:v>
+                  <c:v>3391.15</c:v>
                 </c:pt>
                 <c:pt idx="114">
-                  <c:v>3402.27</c:v>
+                  <c:v>3402.63</c:v>
                 </c:pt>
                 <c:pt idx="115">
-                  <c:v>3360</c:v>
+                  <c:v>3360.37</c:v>
                 </c:pt>
                 <c:pt idx="116">
-                  <c:v>3366.47</c:v>
+                  <c:v>3366.83</c:v>
                 </c:pt>
                 <c:pt idx="117">
-                  <c:v>3370.28</c:v>
+                  <c:v>3370.65</c:v>
                 </c:pt>
                 <c:pt idx="118">
-                  <c:v>3371.7</c:v>
+                  <c:v>3372.07</c:v>
                 </c:pt>
                 <c:pt idx="119">
-                  <c:v>3383.18</c:v>
+                  <c:v>3383.55</c:v>
                 </c:pt>
                 <c:pt idx="120">
-                  <c:v>3364.6</c:v>
+                  <c:v>3364.97</c:v>
                 </c:pt>
                 <c:pt idx="121">
-                  <c:v>3371.06</c:v>
+                  <c:v>3371.43</c:v>
                 </c:pt>
                 <c:pt idx="122">
-                  <c:v>3374.88</c:v>
+                  <c:v>3375.25</c:v>
                 </c:pt>
                 <c:pt idx="123">
-                  <c:v>3376.3</c:v>
+                  <c:v>3376.66</c:v>
                 </c:pt>
                 <c:pt idx="124">
-                  <c:v>3387.78</c:v>
+                  <c:v>3388.15</c:v>
                 </c:pt>
               </c:numCache>
             </c:numRef>
@@ -4416,379 +4421,379 @@
                 <c:formatCode>General</c:formatCode>
                 <c:ptCount val="125"/>
                 <c:pt idx="0">
-                  <c:v>0.160496</c:v>
+                  <c:v>0.24074400000000001</c:v>
                 </c:pt>
                 <c:pt idx="1">
-                  <c:v>0.24063200000000001</c:v>
+                  <c:v>0.40101599999999998</c:v>
                 </c:pt>
                 <c:pt idx="2">
-                  <c:v>0.42267199999999999</c:v>
+                  <c:v>0.765096</c:v>
                 </c:pt>
                 <c:pt idx="3">
-                  <c:v>0.73650400000000005</c:v>
+                  <c:v>1.39276</c:v>
                 </c:pt>
                 <c:pt idx="4">
-                  <c:v>1.392768</c:v>
+                  <c:v>2.7052879999999999</c:v>
                 </c:pt>
                 <c:pt idx="5">
-                  <c:v>0.24063200000000001</c:v>
+                  <c:v>0.32088</c:v>
                 </c:pt>
                 <c:pt idx="6">
-                  <c:v>0.320768</c:v>
+                  <c:v>0.48115200000000002</c:v>
                 </c:pt>
                 <c:pt idx="7">
-                  <c:v>0.50280800000000003</c:v>
+                  <c:v>0.84523199999999998</c:v>
                 </c:pt>
                 <c:pt idx="8">
-                  <c:v>0.81664000000000003</c:v>
+                  <c:v>1.472896</c:v>
                 </c:pt>
                 <c:pt idx="9">
-                  <c:v>1.472904</c:v>
+                  <c:v>2.7854239999999999</c:v>
                 </c:pt>
                 <c:pt idx="10">
-                  <c:v>0.42267199999999999</c:v>
+                  <c:v>0.50292000000000003</c:v>
                 </c:pt>
                 <c:pt idx="11">
-                  <c:v>0.50280800000000003</c:v>
+                  <c:v>0.663192</c:v>
                 </c:pt>
                 <c:pt idx="12">
-                  <c:v>0.68484800000000001</c:v>
+                  <c:v>1.027272</c:v>
                 </c:pt>
                 <c:pt idx="13">
-                  <c:v>0.99868000000000001</c:v>
+                  <c:v>1.654936</c:v>
                 </c:pt>
                 <c:pt idx="14">
-                  <c:v>1.654944</c:v>
+                  <c:v>2.9674640000000001</c:v>
                 </c:pt>
                 <c:pt idx="15">
-                  <c:v>0.73650400000000005</c:v>
+                  <c:v>0.81675200000000003</c:v>
                 </c:pt>
                 <c:pt idx="16">
-                  <c:v>0.81664000000000003</c:v>
+                  <c:v>0.977024</c:v>
                 </c:pt>
                 <c:pt idx="17">
-                  <c:v>0.99868000000000001</c:v>
+                  <c:v>1.3411040000000001</c:v>
                 </c:pt>
                 <c:pt idx="18">
-                  <c:v>1.3125119999999999</c:v>
+                  <c:v>1.9687680000000001</c:v>
                 </c:pt>
                 <c:pt idx="19">
-                  <c:v>1.9687760000000001</c:v>
+                  <c:v>3.2812960000000002</c:v>
                 </c:pt>
                 <c:pt idx="20">
-                  <c:v>1.392768</c:v>
+                  <c:v>1.4730160000000001</c:v>
                 </c:pt>
                 <c:pt idx="21">
-                  <c:v>1.472904</c:v>
+                  <c:v>1.6332880000000001</c:v>
                 </c:pt>
                 <c:pt idx="22">
-                  <c:v>1.654944</c:v>
+                  <c:v>1.997368</c:v>
                 </c:pt>
                 <c:pt idx="23">
-                  <c:v>1.9687760000000001</c:v>
+                  <c:v>2.625032</c:v>
                 </c:pt>
                 <c:pt idx="24">
-                  <c:v>2.6250399999999998</c:v>
+                  <c:v>3.9375599999999999</c:v>
                 </c:pt>
                 <c:pt idx="25">
-                  <c:v>0.190192</c:v>
+                  <c:v>0.27044000000000001</c:v>
                 </c:pt>
                 <c:pt idx="26">
-                  <c:v>0.27032800000000001</c:v>
+                  <c:v>0.43071199999999998</c:v>
                 </c:pt>
                 <c:pt idx="27">
-                  <c:v>0.45236799999999999</c:v>
+                  <c:v>0.79479200000000005</c:v>
                 </c:pt>
                 <c:pt idx="28">
-                  <c:v>0.76619999999999999</c:v>
+                  <c:v>1.4224559999999999</c:v>
                 </c:pt>
                 <c:pt idx="29">
-                  <c:v>1.422464</c:v>
+                  <c:v>2.7349839999999999</c:v>
                 </c:pt>
                 <c:pt idx="30">
-                  <c:v>0.27032800000000001</c:v>
+                  <c:v>0.350576</c:v>
                 </c:pt>
                 <c:pt idx="31">
-                  <c:v>0.350464</c:v>
+                  <c:v>0.51084799999999997</c:v>
                 </c:pt>
                 <c:pt idx="32">
-                  <c:v>0.53250399999999998</c:v>
+                  <c:v>0.87492800000000004</c:v>
                 </c:pt>
                 <c:pt idx="33">
-                  <c:v>0.84633599999999998</c:v>
+                  <c:v>1.5025919999999999</c:v>
                 </c:pt>
                 <c:pt idx="34">
-                  <c:v>1.5025999999999999</c:v>
+                  <c:v>2.8151199999999998</c:v>
                 </c:pt>
                 <c:pt idx="35">
-                  <c:v>0.45236799999999999</c:v>
+                  <c:v>0.53261599999999998</c:v>
                 </c:pt>
                 <c:pt idx="36">
-                  <c:v>0.53250399999999998</c:v>
+                  <c:v>0.69288799999999995</c:v>
                 </c:pt>
                 <c:pt idx="37">
-                  <c:v>0.71454399999999996</c:v>
+                  <c:v>1.0569679999999999</c:v>
                 </c:pt>
                 <c:pt idx="38">
-                  <c:v>1.028376</c:v>
+                  <c:v>1.6846319999999999</c:v>
                 </c:pt>
                 <c:pt idx="39">
-                  <c:v>1.6846399999999999</c:v>
+                  <c:v>2.99716</c:v>
                 </c:pt>
                 <c:pt idx="40">
-                  <c:v>0.76619999999999999</c:v>
+                  <c:v>0.84644799999999998</c:v>
                 </c:pt>
                 <c:pt idx="41">
-                  <c:v>0.84633599999999998</c:v>
+                  <c:v>1.0067200000000001</c:v>
                 </c:pt>
                 <c:pt idx="42">
-                  <c:v>1.028376</c:v>
+                  <c:v>1.3708</c:v>
                 </c:pt>
                 <c:pt idx="43">
-                  <c:v>1.3422080000000001</c:v>
+                  <c:v>1.998464</c:v>
                 </c:pt>
                 <c:pt idx="44">
-                  <c:v>1.998472</c:v>
+                  <c:v>3.3109920000000002</c:v>
                 </c:pt>
                 <c:pt idx="45">
-                  <c:v>1.422464</c:v>
+                  <c:v>1.502712</c:v>
                 </c:pt>
                 <c:pt idx="46">
-                  <c:v>1.5025999999999999</c:v>
+                  <c:v>1.662984</c:v>
                 </c:pt>
                 <c:pt idx="47">
-                  <c:v>1.6846399999999999</c:v>
+                  <c:v>2.0270640000000002</c:v>
                 </c:pt>
                 <c:pt idx="48">
-                  <c:v>1.998472</c:v>
+                  <c:v>2.654728</c:v>
                 </c:pt>
                 <c:pt idx="49">
-                  <c:v>2.6547360000000002</c:v>
+                  <c:v>3.9672559999999999</c:v>
                 </c:pt>
                 <c:pt idx="50">
-                  <c:v>0.213232</c:v>
+                  <c:v>0.29348000000000002</c:v>
                 </c:pt>
                 <c:pt idx="51">
-                  <c:v>0.29336800000000002</c:v>
+                  <c:v>0.45375199999999999</c:v>
                 </c:pt>
                 <c:pt idx="52">
-                  <c:v>0.475408</c:v>
+                  <c:v>0.817832</c:v>
                 </c:pt>
                 <c:pt idx="53">
-                  <c:v>0.78924000000000005</c:v>
+                  <c:v>1.4454959999999999</c:v>
                 </c:pt>
                 <c:pt idx="54">
-                  <c:v>1.4455039999999999</c:v>
+                  <c:v>2.7580239999999998</c:v>
                 </c:pt>
                 <c:pt idx="55">
-                  <c:v>0.29336800000000002</c:v>
+                  <c:v>0.373616</c:v>
                 </c:pt>
                 <c:pt idx="56">
-                  <c:v>0.373504</c:v>
+                  <c:v>0.53388800000000003</c:v>
                 </c:pt>
                 <c:pt idx="57">
-                  <c:v>0.55554400000000004</c:v>
+                  <c:v>0.89796799999999999</c:v>
                 </c:pt>
                 <c:pt idx="58">
-                  <c:v>0.86937600000000004</c:v>
+                  <c:v>1.5256320000000001</c:v>
                 </c:pt>
                 <c:pt idx="59">
-                  <c:v>1.5256400000000001</c:v>
+                  <c:v>2.8381599999999998</c:v>
                 </c:pt>
                 <c:pt idx="60">
-                  <c:v>0.475408</c:v>
+                  <c:v>0.55565600000000004</c:v>
                 </c:pt>
                 <c:pt idx="61">
-                  <c:v>0.55554400000000004</c:v>
+                  <c:v>0.71592800000000001</c:v>
                 </c:pt>
                 <c:pt idx="62">
-                  <c:v>0.73758400000000002</c:v>
+                  <c:v>1.0800080000000001</c:v>
                 </c:pt>
                 <c:pt idx="63">
-                  <c:v>1.0514159999999999</c:v>
+                  <c:v>1.7076720000000001</c:v>
                 </c:pt>
                 <c:pt idx="64">
-                  <c:v>1.7076800000000001</c:v>
+                  <c:v>3.0202</c:v>
                 </c:pt>
                 <c:pt idx="65">
-                  <c:v>0.78924000000000005</c:v>
+                  <c:v>0.86948800000000004</c:v>
                 </c:pt>
                 <c:pt idx="66">
-                  <c:v>0.86937600000000004</c:v>
+                  <c:v>1.02976</c:v>
                 </c:pt>
                 <c:pt idx="67">
-                  <c:v>1.0514159999999999</c:v>
+                  <c:v>1.39384</c:v>
                 </c:pt>
                 <c:pt idx="68">
-                  <c:v>1.365248</c:v>
+                  <c:v>2.0215040000000002</c:v>
                 </c:pt>
                 <c:pt idx="69">
-                  <c:v>2.021512</c:v>
+                  <c:v>3.3340320000000001</c:v>
                 </c:pt>
                 <c:pt idx="70">
-                  <c:v>1.4455039999999999</c:v>
+                  <c:v>1.525752</c:v>
                 </c:pt>
                 <c:pt idx="71">
-                  <c:v>1.5256400000000001</c:v>
+                  <c:v>1.686024</c:v>
                 </c:pt>
                 <c:pt idx="72">
-                  <c:v>1.7076800000000001</c:v>
+                  <c:v>2.0501040000000001</c:v>
                 </c:pt>
                 <c:pt idx="73">
-                  <c:v>2.021512</c:v>
+                  <c:v>2.6777679999999999</c:v>
                 </c:pt>
                 <c:pt idx="74">
-                  <c:v>2.6777760000000002</c:v>
+                  <c:v>3.9902959999999998</c:v>
                 </c:pt>
                 <c:pt idx="75">
-                  <c:v>0.25726399999999999</c:v>
+                  <c:v>0.33751199999999998</c:v>
                 </c:pt>
                 <c:pt idx="76">
-                  <c:v>0.33739999999999998</c:v>
+                  <c:v>0.497784</c:v>
                 </c:pt>
                 <c:pt idx="77">
-                  <c:v>0.51944000000000001</c:v>
+                  <c:v>0.86186399999999996</c:v>
                 </c:pt>
                 <c:pt idx="78">
-                  <c:v>0.83327200000000001</c:v>
+                  <c:v>1.489528</c:v>
                 </c:pt>
                 <c:pt idx="79">
-                  <c:v>1.489536</c:v>
+                  <c:v>2.8020559999999999</c:v>
                 </c:pt>
                 <c:pt idx="80">
-                  <c:v>0.33739999999999998</c:v>
+                  <c:v>0.41764800000000002</c:v>
                 </c:pt>
                 <c:pt idx="81">
-                  <c:v>0.41753600000000002</c:v>
+                  <c:v>0.57791999999999999</c:v>
                 </c:pt>
                 <c:pt idx="82">
-                  <c:v>0.599576</c:v>
+                  <c:v>0.94199999999999995</c:v>
                 </c:pt>
                 <c:pt idx="83">
-                  <c:v>0.913408</c:v>
+                  <c:v>1.5696639999999999</c:v>
                 </c:pt>
                 <c:pt idx="84">
-                  <c:v>1.569672</c:v>
+                  <c:v>2.8821919999999999</c:v>
                 </c:pt>
                 <c:pt idx="85">
-                  <c:v>0.51944000000000001</c:v>
+                  <c:v>0.599688</c:v>
                 </c:pt>
                 <c:pt idx="86">
-                  <c:v>0.599576</c:v>
+                  <c:v>0.75995999999999997</c:v>
                 </c:pt>
                 <c:pt idx="87">
-                  <c:v>0.78161599999999998</c:v>
+                  <c:v>1.1240399999999999</c:v>
                 </c:pt>
                 <c:pt idx="88">
-                  <c:v>1.095448</c:v>
+                  <c:v>1.7517039999999999</c:v>
                 </c:pt>
                 <c:pt idx="89">
-                  <c:v>1.7517119999999999</c:v>
+                  <c:v>3.0642320000000001</c:v>
                 </c:pt>
                 <c:pt idx="90">
-                  <c:v>0.83327200000000001</c:v>
+                  <c:v>0.91352</c:v>
                 </c:pt>
                 <c:pt idx="91">
-                  <c:v>0.913408</c:v>
+                  <c:v>1.0737920000000001</c:v>
                 </c:pt>
                 <c:pt idx="92">
-                  <c:v>1.095448</c:v>
+                  <c:v>1.437872</c:v>
                 </c:pt>
                 <c:pt idx="93">
-                  <c:v>1.4092800000000001</c:v>
+                  <c:v>2.0655359999999998</c:v>
                 </c:pt>
                 <c:pt idx="94">
-                  <c:v>2.065544</c:v>
+                  <c:v>3.3780640000000002</c:v>
                 </c:pt>
                 <c:pt idx="95">
-                  <c:v>1.489536</c:v>
+                  <c:v>1.5697840000000001</c:v>
                 </c:pt>
                 <c:pt idx="96">
-                  <c:v>1.569672</c:v>
+                  <c:v>1.730056</c:v>
                 </c:pt>
                 <c:pt idx="97">
-                  <c:v>1.7517119999999999</c:v>
+                  <c:v>2.0941360000000002</c:v>
                 </c:pt>
                 <c:pt idx="98">
-                  <c:v>2.065544</c:v>
+                  <c:v>2.7218</c:v>
                 </c:pt>
                 <c:pt idx="99">
-                  <c:v>2.7218079999999998</c:v>
+                  <c:v>4.0343280000000004</c:v>
                 </c:pt>
                 <c:pt idx="100">
-                  <c:v>0.34174399999999999</c:v>
+                  <c:v>0.42199199999999998</c:v>
                 </c:pt>
                 <c:pt idx="101">
-                  <c:v>0.42187999999999998</c:v>
+                  <c:v>0.582264</c:v>
                 </c:pt>
                 <c:pt idx="102">
-                  <c:v>0.60392000000000001</c:v>
+                  <c:v>0.94634399999999996</c:v>
                 </c:pt>
                 <c:pt idx="103">
-                  <c:v>0.91775200000000001</c:v>
+                  <c:v>1.5740080000000001</c:v>
                 </c:pt>
                 <c:pt idx="104">
-                  <c:v>1.5740160000000001</c:v>
+                  <c:v>2.886536</c:v>
                 </c:pt>
                 <c:pt idx="105">
-                  <c:v>0.42187999999999998</c:v>
+                  <c:v>0.50212800000000002</c:v>
                 </c:pt>
                 <c:pt idx="106">
-                  <c:v>0.50201600000000002</c:v>
+                  <c:v>0.66239999999999999</c:v>
                 </c:pt>
                 <c:pt idx="107">
-                  <c:v>0.684056</c:v>
+                  <c:v>1.0264800000000001</c:v>
                 </c:pt>
                 <c:pt idx="108">
-                  <c:v>0.997888</c:v>
+                  <c:v>1.6541440000000001</c:v>
                 </c:pt>
                 <c:pt idx="109">
-                  <c:v>1.6541520000000001</c:v>
+                  <c:v>2.966672</c:v>
                 </c:pt>
                 <c:pt idx="110">
-                  <c:v>0.60392000000000001</c:v>
+                  <c:v>0.684168</c:v>
                 </c:pt>
                 <c:pt idx="111">
-                  <c:v>0.684056</c:v>
+                  <c:v>0.84443999999999997</c:v>
                 </c:pt>
                 <c:pt idx="112">
-                  <c:v>0.86609599999999998</c:v>
+                  <c:v>1.20852</c:v>
                 </c:pt>
                 <c:pt idx="113">
-                  <c:v>1.1799280000000001</c:v>
+                  <c:v>1.836184</c:v>
                 </c:pt>
                 <c:pt idx="114">
-                  <c:v>1.836192</c:v>
+                  <c:v>3.1487120000000002</c:v>
                 </c:pt>
                 <c:pt idx="115">
-                  <c:v>0.91775200000000001</c:v>
+                  <c:v>0.998</c:v>
                 </c:pt>
                 <c:pt idx="116">
-                  <c:v>0.997888</c:v>
+                  <c:v>1.158272</c:v>
                 </c:pt>
                 <c:pt idx="117">
-                  <c:v>1.1799280000000001</c:v>
+                  <c:v>1.5223519999999999</c:v>
                 </c:pt>
                 <c:pt idx="118">
-                  <c:v>1.49376</c:v>
+                  <c:v>2.1500159999999999</c:v>
                 </c:pt>
                 <c:pt idx="119">
-                  <c:v>2.1500240000000002</c:v>
+                  <c:v>3.4625439999999998</c:v>
                 </c:pt>
                 <c:pt idx="120">
-                  <c:v>1.5740160000000001</c:v>
+                  <c:v>1.654264</c:v>
                 </c:pt>
                 <c:pt idx="121">
-                  <c:v>1.6541520000000001</c:v>
+                  <c:v>1.8145359999999999</c:v>
                 </c:pt>
                 <c:pt idx="122">
-                  <c:v>1.836192</c:v>
+                  <c:v>2.1786159999999999</c:v>
                 </c:pt>
                 <c:pt idx="123">
-                  <c:v>2.1500240000000002</c:v>
+                  <c:v>2.8062800000000001</c:v>
                 </c:pt>
                 <c:pt idx="124">
-                  <c:v>2.8062879999999999</c:v>
+                  <c:v>4.1188079999999996</c:v>
                 </c:pt>
               </c:numCache>
             </c:numRef>
@@ -4875,304 +4880,304 @@
                   <c:v>4405.67</c:v>
                 </c:pt>
                 <c:pt idx="25">
-                  <c:v>4736.8500000000004</c:v>
+                  <c:v>4736.8999999999996</c:v>
                 </c:pt>
                 <c:pt idx="26">
-                  <c:v>4164.93</c:v>
+                  <c:v>4164.9799999999996</c:v>
                 </c:pt>
                 <c:pt idx="27">
-                  <c:v>3742.57</c:v>
+                  <c:v>3742.62</c:v>
                 </c:pt>
                 <c:pt idx="28">
-                  <c:v>3466.21</c:v>
+                  <c:v>3466.26</c:v>
                 </c:pt>
                 <c:pt idx="29">
-                  <c:v>3345.83</c:v>
+                  <c:v>3345.88</c:v>
                 </c:pt>
                 <c:pt idx="30">
-                  <c:v>3934.23</c:v>
+                  <c:v>3934.28</c:v>
                 </c:pt>
                 <c:pt idx="31">
-                  <c:v>3953.77</c:v>
+                  <c:v>3953.82</c:v>
                 </c:pt>
                 <c:pt idx="32">
-                  <c:v>3667.11</c:v>
+                  <c:v>3667.16</c:v>
                 </c:pt>
                 <c:pt idx="33">
-                  <c:v>3447.39</c:v>
+                  <c:v>3447.44</c:v>
                 </c:pt>
                 <c:pt idx="34">
-                  <c:v>3347.04</c:v>
+                  <c:v>3347.09</c:v>
                 </c:pt>
                 <c:pt idx="35">
-                  <c:v>3479</c:v>
+                  <c:v>3479.05</c:v>
                 </c:pt>
                 <c:pt idx="36">
-                  <c:v>3507.2</c:v>
+                  <c:v>3507.25</c:v>
                 </c:pt>
                 <c:pt idx="37">
-                  <c:v>3376.36</c:v>
+                  <c:v>3376.41</c:v>
                 </c:pt>
                 <c:pt idx="38">
-                  <c:v>3206.27</c:v>
+                  <c:v>3206.32</c:v>
                 </c:pt>
                 <c:pt idx="39">
-                  <c:v>3219.54</c:v>
+                  <c:v>3219.59</c:v>
                 </c:pt>
                 <c:pt idx="40">
-                  <c:v>3232.98</c:v>
+                  <c:v>3233.03</c:v>
                 </c:pt>
                 <c:pt idx="41">
-                  <c:v>3261.12</c:v>
+                  <c:v>3261.17</c:v>
                 </c:pt>
                 <c:pt idx="42">
-                  <c:v>3237.52</c:v>
+                  <c:v>3237.57</c:v>
                 </c:pt>
                 <c:pt idx="43">
-                  <c:v>3187.19</c:v>
+                  <c:v>3187.24</c:v>
                 </c:pt>
                 <c:pt idx="44">
-                  <c:v>3110.08</c:v>
+                  <c:v>3110.13</c:v>
                 </c:pt>
                 <c:pt idx="45">
-                  <c:v>3237.58</c:v>
+                  <c:v>3237.63</c:v>
                 </c:pt>
                 <c:pt idx="46">
-                  <c:v>3265.72</c:v>
+                  <c:v>3265.77</c:v>
                 </c:pt>
                 <c:pt idx="47">
-                  <c:v>3242.11</c:v>
+                  <c:v>3242.16</c:v>
                 </c:pt>
                 <c:pt idx="48">
-                  <c:v>3191.78</c:v>
+                  <c:v>3191.83</c:v>
                 </c:pt>
                 <c:pt idx="49">
-                  <c:v>3114.67</c:v>
+                  <c:v>3114.72</c:v>
                 </c:pt>
                 <c:pt idx="50">
-                  <c:v>4744.3500000000004</c:v>
+                  <c:v>4744.4399999999996</c:v>
                 </c:pt>
                 <c:pt idx="51">
-                  <c:v>4159.8100000000004</c:v>
+                  <c:v>4159.8999999999996</c:v>
                 </c:pt>
                 <c:pt idx="52">
-                  <c:v>3736.16</c:v>
+                  <c:v>3736.25</c:v>
                 </c:pt>
                 <c:pt idx="53">
-                  <c:v>3455.49</c:v>
+                  <c:v>3455.58</c:v>
                 </c:pt>
                 <c:pt idx="54">
-                  <c:v>3321.54</c:v>
+                  <c:v>3321.63</c:v>
                 </c:pt>
                 <c:pt idx="55">
-                  <c:v>3941.73</c:v>
+                  <c:v>3941.82</c:v>
                 </c:pt>
                 <c:pt idx="56">
-                  <c:v>3948.65</c:v>
+                  <c:v>3948.74</c:v>
                 </c:pt>
                 <c:pt idx="57">
-                  <c:v>3660.7</c:v>
+                  <c:v>3660.79</c:v>
                 </c:pt>
                 <c:pt idx="58">
-                  <c:v>3436.67</c:v>
+                  <c:v>3436.76</c:v>
                 </c:pt>
                 <c:pt idx="59">
-                  <c:v>3322.74</c:v>
+                  <c:v>3322.84</c:v>
                 </c:pt>
                 <c:pt idx="60">
-                  <c:v>3486.5</c:v>
+                  <c:v>3486.59</c:v>
                 </c:pt>
                 <c:pt idx="61">
-                  <c:v>3502.08</c:v>
+                  <c:v>3502.17</c:v>
                 </c:pt>
                 <c:pt idx="62">
-                  <c:v>3369.94</c:v>
+                  <c:v>3370.03</c:v>
                 </c:pt>
                 <c:pt idx="63">
-                  <c:v>3195.55</c:v>
+                  <c:v>3195.64</c:v>
                 </c:pt>
                 <c:pt idx="64">
-                  <c:v>3195.24</c:v>
+                  <c:v>3195.33</c:v>
                 </c:pt>
                 <c:pt idx="65">
-                  <c:v>3240.48</c:v>
+                  <c:v>3240.57</c:v>
                 </c:pt>
                 <c:pt idx="66">
-                  <c:v>3256</c:v>
+                  <c:v>3256.09</c:v>
                 </c:pt>
                 <c:pt idx="67">
-                  <c:v>3231.1</c:v>
+                  <c:v>3231.19</c:v>
                 </c:pt>
                 <c:pt idx="68">
-                  <c:v>3176.47</c:v>
+                  <c:v>3176.56</c:v>
                 </c:pt>
                 <c:pt idx="69">
-                  <c:v>3085.79</c:v>
+                  <c:v>3085.88</c:v>
                 </c:pt>
                 <c:pt idx="70">
-                  <c:v>3245.08</c:v>
+                  <c:v>3245.17</c:v>
                 </c:pt>
                 <c:pt idx="71">
-                  <c:v>3260.6</c:v>
+                  <c:v>3260.69</c:v>
                 </c:pt>
                 <c:pt idx="72">
-                  <c:v>3235.7</c:v>
+                  <c:v>3235.79</c:v>
                 </c:pt>
                 <c:pt idx="73">
-                  <c:v>3181.06</c:v>
+                  <c:v>3181.15</c:v>
                 </c:pt>
                 <c:pt idx="74">
-                  <c:v>3090.38</c:v>
+                  <c:v>3090.47</c:v>
                 </c:pt>
                 <c:pt idx="75">
-                  <c:v>4836.3500000000004</c:v>
+                  <c:v>4836.53</c:v>
                 </c:pt>
                 <c:pt idx="76">
-                  <c:v>4245.7700000000004</c:v>
+                  <c:v>4245.95</c:v>
                 </c:pt>
                 <c:pt idx="77">
-                  <c:v>3821.49</c:v>
+                  <c:v>3821.67</c:v>
                 </c:pt>
                 <c:pt idx="78">
-                  <c:v>3538.76</c:v>
+                  <c:v>3538.94</c:v>
                 </c:pt>
                 <c:pt idx="79">
-                  <c:v>3398.31</c:v>
+                  <c:v>3398.49</c:v>
                 </c:pt>
                 <c:pt idx="80">
-                  <c:v>4033.73</c:v>
+                  <c:v>4033.91</c:v>
                 </c:pt>
                 <c:pt idx="81">
-                  <c:v>4034.6</c:v>
+                  <c:v>4034.79</c:v>
                 </c:pt>
                 <c:pt idx="82">
-                  <c:v>3746.03</c:v>
+                  <c:v>3746.21</c:v>
                 </c:pt>
                 <c:pt idx="83">
-                  <c:v>3519.94</c:v>
+                  <c:v>3520.12</c:v>
                 </c:pt>
                 <c:pt idx="84">
-                  <c:v>3399.51</c:v>
+                  <c:v>3399.69</c:v>
                 </c:pt>
                 <c:pt idx="85">
-                  <c:v>3578.5</c:v>
+                  <c:v>3578.68</c:v>
                 </c:pt>
                 <c:pt idx="86">
-                  <c:v>3588.03</c:v>
+                  <c:v>3588.22</c:v>
                 </c:pt>
                 <c:pt idx="87">
-                  <c:v>3455.27</c:v>
+                  <c:v>3455.45</c:v>
                 </c:pt>
                 <c:pt idx="88">
-                  <c:v>3278.82</c:v>
+                  <c:v>3279</c:v>
                 </c:pt>
                 <c:pt idx="89">
-                  <c:v>3272.01</c:v>
+                  <c:v>3272.19</c:v>
                 </c:pt>
                 <c:pt idx="90">
-                  <c:v>3332.48</c:v>
+                  <c:v>3332.66</c:v>
                 </c:pt>
                 <c:pt idx="91">
-                  <c:v>3341.96</c:v>
+                  <c:v>3342.14</c:v>
                 </c:pt>
                 <c:pt idx="92">
-                  <c:v>3316.43</c:v>
+                  <c:v>3316.61</c:v>
                 </c:pt>
                 <c:pt idx="93">
-                  <c:v>3259.74</c:v>
+                  <c:v>3259.92</c:v>
                 </c:pt>
                 <c:pt idx="94">
-                  <c:v>3162.55</c:v>
+                  <c:v>3162.74</c:v>
                 </c:pt>
                 <c:pt idx="95">
-                  <c:v>3337.07</c:v>
+                  <c:v>3337.26</c:v>
                 </c:pt>
                 <c:pt idx="96">
-                  <c:v>3346.55</c:v>
+                  <c:v>3346.74</c:v>
                 </c:pt>
                 <c:pt idx="97">
-                  <c:v>3321.03</c:v>
+                  <c:v>3321.21</c:v>
                 </c:pt>
                 <c:pt idx="98">
-                  <c:v>3264.33</c:v>
+                  <c:v>3264.52</c:v>
                 </c:pt>
                 <c:pt idx="99">
-                  <c:v>3167.15</c:v>
+                  <c:v>3167.33</c:v>
                 </c:pt>
                 <c:pt idx="100">
-                  <c:v>4856.33</c:v>
+                  <c:v>4856.6899999999996</c:v>
                 </c:pt>
                 <c:pt idx="101">
-                  <c:v>4262.72</c:v>
+                  <c:v>4263.08</c:v>
                 </c:pt>
                 <c:pt idx="102">
-                  <c:v>3838.13</c:v>
+                  <c:v>3838.49</c:v>
                 </c:pt>
                 <c:pt idx="103">
-                  <c:v>3554.37</c:v>
+                  <c:v>3554.74</c:v>
                 </c:pt>
                 <c:pt idx="104">
-                  <c:v>3410.67</c:v>
+                  <c:v>3411.03</c:v>
                 </c:pt>
                 <c:pt idx="105">
-                  <c:v>4053.71</c:v>
+                  <c:v>4054.07</c:v>
                 </c:pt>
                 <c:pt idx="106">
-                  <c:v>4051.56</c:v>
+                  <c:v>4051.92</c:v>
                 </c:pt>
                 <c:pt idx="107">
-                  <c:v>3762.67</c:v>
+                  <c:v>3763.03</c:v>
                 </c:pt>
                 <c:pt idx="108">
-                  <c:v>3535.55</c:v>
+                  <c:v>3535.92</c:v>
                 </c:pt>
                 <c:pt idx="109">
-                  <c:v>3411.87</c:v>
+                  <c:v>3412.24</c:v>
                 </c:pt>
                 <c:pt idx="110">
-                  <c:v>3598.47</c:v>
+                  <c:v>3598.84</c:v>
                 </c:pt>
                 <c:pt idx="111">
-                  <c:v>3604.99</c:v>
+                  <c:v>3605.35</c:v>
                 </c:pt>
                 <c:pt idx="112">
-                  <c:v>3471.91</c:v>
+                  <c:v>3472.28</c:v>
                 </c:pt>
                 <c:pt idx="113">
-                  <c:v>3294.43</c:v>
+                  <c:v>3294.8</c:v>
                 </c:pt>
                 <c:pt idx="114">
-                  <c:v>3284.37</c:v>
+                  <c:v>3284.74</c:v>
                 </c:pt>
                 <c:pt idx="115">
-                  <c:v>3352.45</c:v>
+                  <c:v>3352.82</c:v>
                 </c:pt>
                 <c:pt idx="116">
-                  <c:v>3358.91</c:v>
+                  <c:v>3359.28</c:v>
                 </c:pt>
                 <c:pt idx="117">
-                  <c:v>3333.07</c:v>
+                  <c:v>3333.44</c:v>
                 </c:pt>
                 <c:pt idx="118">
-                  <c:v>3275.35</c:v>
+                  <c:v>3275.71</c:v>
                 </c:pt>
                 <c:pt idx="119">
-                  <c:v>3174.91</c:v>
+                  <c:v>3175.28</c:v>
                 </c:pt>
                 <c:pt idx="120">
-                  <c:v>3357.05</c:v>
+                  <c:v>3357.41</c:v>
                 </c:pt>
                 <c:pt idx="121">
-                  <c:v>3363.51</c:v>
+                  <c:v>3363.87</c:v>
                 </c:pt>
                 <c:pt idx="122">
-                  <c:v>3337.67</c:v>
+                  <c:v>3338.03</c:v>
                 </c:pt>
                 <c:pt idx="123">
-                  <c:v>3279.94</c:v>
+                  <c:v>3280.31</c:v>
                 </c:pt>
                 <c:pt idx="124">
-                  <c:v>3179.51</c:v>
+                  <c:v>3179.88</c:v>
                 </c:pt>
               </c:numCache>
             </c:numRef>
@@ -9336,7 +9341,7 @@
         </p:nvSpPr>
         <p:spPr>
           <a:xfrm>
-            <a:off x="7188234" y="3841515"/>
+            <a:off x="6940584" y="3841515"/>
             <a:ext cx="4787900" cy="619126"/>
           </a:xfrm>
           <a:prstGeom prst="rect">
@@ -9390,7 +9395,7 @@
         </p:nvSpPr>
         <p:spPr>
           <a:xfrm>
-            <a:off x="1721305" y="3841515"/>
+            <a:off x="1473655" y="3841515"/>
             <a:ext cx="4856963" cy="619126"/>
           </a:xfrm>
           <a:prstGeom prst="rect">
@@ -9444,7 +9449,7 @@
         </p:nvSpPr>
         <p:spPr>
           <a:xfrm>
-            <a:off x="1721304" y="4460642"/>
+            <a:off x="1473654" y="4460642"/>
             <a:ext cx="4856963" cy="174651"/>
           </a:xfrm>
           <a:prstGeom prst="rect">
@@ -9498,7 +9503,7 @@
         </p:nvSpPr>
         <p:spPr>
           <a:xfrm>
-            <a:off x="7179607" y="4460642"/>
+            <a:off x="6931957" y="4460642"/>
             <a:ext cx="4787900" cy="174651"/>
           </a:xfrm>
           <a:prstGeom prst="rect">
@@ -9553,13 +9558,13 @@
           <p:nvPr>
             <p:extLst>
               <p:ext uri="{D42A27DB-BD31-4B8C-83A1-F6EECF244321}">
-                <p14:modId xmlns:p14="http://schemas.microsoft.com/office/powerpoint/2010/main" val="1394185896"/>
+                <p14:modId xmlns:p14="http://schemas.microsoft.com/office/powerpoint/2010/main" val="317899922"/>
               </p:ext>
             </p:extLst>
           </p:nvPr>
         </p:nvGraphicFramePr>
         <p:xfrm>
-          <a:off x="6744514" y="1659598"/>
+          <a:off x="6496864" y="1659598"/>
           <a:ext cx="5447035" cy="3248025"/>
         </p:xfrm>
         <a:graphic>
@@ -9577,13 +9582,13 @@
           <p:nvPr>
             <p:extLst>
               <p:ext uri="{D42A27DB-BD31-4B8C-83A1-F6EECF244321}">
-                <p14:modId xmlns:p14="http://schemas.microsoft.com/office/powerpoint/2010/main" val="3851488690"/>
+                <p14:modId xmlns:p14="http://schemas.microsoft.com/office/powerpoint/2010/main" val="3661787712"/>
               </p:ext>
             </p:extLst>
           </p:nvPr>
         </p:nvGraphicFramePr>
         <p:xfrm>
-          <a:off x="1281468" y="1659597"/>
+          <a:off x="1033818" y="1659597"/>
           <a:ext cx="5463045" cy="3248025"/>
         </p:xfrm>
         <a:graphic>
@@ -9600,7 +9605,7 @@
         </p:nvCxnSpPr>
         <p:spPr>
           <a:xfrm>
-            <a:off x="1747184" y="4460641"/>
+            <a:off x="1499534" y="4460641"/>
             <a:ext cx="10220325" cy="0"/>
           </a:xfrm>
           <a:prstGeom prst="line">
@@ -9639,7 +9644,7 @@
         </p:nvCxnSpPr>
         <p:spPr>
           <a:xfrm>
-            <a:off x="1738558" y="3841516"/>
+            <a:off x="1490908" y="3841516"/>
             <a:ext cx="10220325" cy="0"/>
           </a:xfrm>
           <a:prstGeom prst="line">
@@ -9678,7 +9683,7 @@
         </p:nvSpPr>
         <p:spPr>
           <a:xfrm>
-            <a:off x="12101833" y="4394078"/>
+            <a:off x="11854183" y="4394078"/>
             <a:ext cx="1120820" cy="307777"/>
           </a:xfrm>
           <a:prstGeom prst="rect">
@@ -9693,11 +9698,18 @@
           <a:lstStyle/>
           <a:p>
             <a:r>
-              <a:rPr lang="en-US" altLang="zh-CN" sz="1400" dirty="0">
+              <a:rPr lang="en-US" altLang="zh-CN" sz="1400">
                 <a:latin typeface="Arial" panose="020B0604020202020204" pitchFamily="34" charset="0"/>
                 <a:cs typeface="Arial" panose="020B0604020202020204" pitchFamily="34" charset="0"/>
               </a:rPr>
-              <a:t>MAC 526pJ</a:t>
+              <a:t>MAC </a:t>
+            </a:r>
+            <a:r>
+              <a:rPr lang="en-US" altLang="zh-CN" sz="1400" smtClean="0">
+                <a:latin typeface="Arial" panose="020B0604020202020204" pitchFamily="34" charset="0"/>
+                <a:cs typeface="Arial" panose="020B0604020202020204" pitchFamily="34" charset="0"/>
+              </a:rPr>
+              <a:t>526uJ</a:t>
             </a:r>
             <a:endParaRPr lang="zh-CN" altLang="en-US" sz="1400" dirty="0">
               <a:latin typeface="Arial" panose="020B0604020202020204" pitchFamily="34" charset="0"/>
@@ -9714,7 +9726,7 @@
         </p:nvSpPr>
         <p:spPr>
           <a:xfrm>
-            <a:off x="12101834" y="3998977"/>
+            <a:off x="11854184" y="3998977"/>
             <a:ext cx="1678665" cy="307777"/>
           </a:xfrm>
           <a:prstGeom prst="rect">
@@ -9750,7 +9762,7 @@
         </p:nvSpPr>
         <p:spPr>
           <a:xfrm>
-            <a:off x="12129130" y="1986745"/>
+            <a:off x="11881480" y="1986745"/>
             <a:ext cx="129299" cy="129299"/>
           </a:xfrm>
           <a:prstGeom prst="ellipse">
@@ -9798,7 +9810,7 @@
         </p:nvSpPr>
         <p:spPr>
           <a:xfrm>
-            <a:off x="12129130" y="2295457"/>
+            <a:off x="11881480" y="2295457"/>
             <a:ext cx="129299" cy="129299"/>
           </a:xfrm>
           <a:prstGeom prst="ellipse">
@@ -9849,7 +9861,7 @@
         </p:nvSpPr>
         <p:spPr>
           <a:xfrm>
-            <a:off x="12129130" y="2600254"/>
+            <a:off x="11881480" y="2600254"/>
             <a:ext cx="129299" cy="129299"/>
           </a:xfrm>
           <a:prstGeom prst="ellipse">
@@ -9900,7 +9912,7 @@
         </p:nvSpPr>
         <p:spPr>
           <a:xfrm>
-            <a:off x="12268900" y="1882268"/>
+            <a:off x="12021250" y="1882268"/>
             <a:ext cx="1976823" cy="307777"/>
           </a:xfrm>
           <a:prstGeom prst="rect">
@@ -9936,7 +9948,7 @@
         </p:nvSpPr>
         <p:spPr>
           <a:xfrm>
-            <a:off x="12268900" y="2190045"/>
+            <a:off x="12021250" y="2190045"/>
             <a:ext cx="1946367" cy="307777"/>
           </a:xfrm>
           <a:prstGeom prst="rect">
@@ -9972,7 +9984,7 @@
         </p:nvSpPr>
         <p:spPr>
           <a:xfrm>
-            <a:off x="12268899" y="2499358"/>
+            <a:off x="12021249" y="2499358"/>
             <a:ext cx="1237775" cy="307777"/>
           </a:xfrm>
           <a:prstGeom prst="rect">
@@ -10008,7 +10020,7 @@
         </p:nvSpPr>
         <p:spPr>
           <a:xfrm rot="16200000">
-            <a:off x="-82542" y="3098943"/>
+            <a:off x="-330192" y="3098943"/>
             <a:ext cx="2395528" cy="369332"/>
           </a:xfrm>
           <a:prstGeom prst="rect">
@@ -10046,7 +10058,7 @@
         </p:nvSpPr>
         <p:spPr>
           <a:xfrm>
-            <a:off x="2952021" y="4814570"/>
+            <a:off x="2704371" y="4814570"/>
             <a:ext cx="2578142" cy="369332"/>
           </a:xfrm>
           <a:prstGeom prst="rect">
@@ -10084,7 +10096,7 @@
         </p:nvSpPr>
         <p:spPr>
           <a:xfrm>
-            <a:off x="8178960" y="4810283"/>
+            <a:off x="7931310" y="4810283"/>
             <a:ext cx="2578142" cy="369332"/>
           </a:xfrm>
           <a:prstGeom prst="rect">
@@ -10122,7 +10134,7 @@
         </p:nvSpPr>
         <p:spPr>
           <a:xfrm rot="20302860">
-            <a:off x="7268478" y="1833024"/>
+            <a:off x="7020828" y="1833024"/>
             <a:ext cx="2317273" cy="924867"/>
           </a:xfrm>
           <a:prstGeom prst="ellipse">
@@ -10171,7 +10183,7 @@
         </p:nvCxnSpPr>
         <p:spPr>
           <a:xfrm>
-            <a:off x="9446765" y="2147942"/>
+            <a:off x="9199115" y="2147942"/>
             <a:ext cx="515942" cy="0"/>
           </a:xfrm>
           <a:prstGeom prst="straightConnector1">
@@ -10209,7 +10221,7 @@
         </p:nvSpPr>
         <p:spPr>
           <a:xfrm>
-            <a:off x="9886245" y="1956903"/>
+            <a:off x="9638595" y="1956903"/>
             <a:ext cx="1165704" cy="338554"/>
           </a:xfrm>
           <a:prstGeom prst="rect">
@@ -10234,6 +10246,189 @@
               <a:latin typeface="Arial" panose="020B0604020202020204" pitchFamily="34" charset="0"/>
               <a:cs typeface="Arial" panose="020B0604020202020204" pitchFamily="34" charset="0"/>
             </a:endParaRPr>
+          </a:p>
+        </p:txBody>
+      </p:sp>
+      <p:sp>
+        <p:nvSpPr>
+          <p:cNvPr id="29" name="椭圆 28"/>
+          <p:cNvSpPr/>
+          <p:nvPr/>
+        </p:nvSpPr>
+        <p:spPr>
+          <a:xfrm>
+            <a:off x="7020827" y="2916647"/>
+            <a:ext cx="4447273" cy="924867"/>
+          </a:xfrm>
+          <a:prstGeom prst="ellipse">
+            <a:avLst/>
+          </a:prstGeom>
+          <a:noFill/>
+          <a:ln w="19050">
+            <a:solidFill>
+              <a:schemeClr val="tx1">
+                <a:lumMod val="50000"/>
+                <a:lumOff val="50000"/>
+              </a:schemeClr>
+            </a:solidFill>
+          </a:ln>
+        </p:spPr>
+        <p:style>
+          <a:lnRef idx="2">
+            <a:schemeClr val="accent1">
+              <a:shade val="50000"/>
+            </a:schemeClr>
+          </a:lnRef>
+          <a:fillRef idx="1">
+            <a:schemeClr val="accent1"/>
+          </a:fillRef>
+          <a:effectRef idx="0">
+            <a:schemeClr val="accent1"/>
+          </a:effectRef>
+          <a:fontRef idx="minor">
+            <a:schemeClr val="lt1"/>
+          </a:fontRef>
+        </p:style>
+        <p:txBody>
+          <a:bodyPr rtlCol="0" anchor="ctr"/>
+          <a:lstStyle/>
+          <a:p>
+            <a:pPr algn="ctr"/>
+            <a:endParaRPr lang="zh-CN" altLang="en-US"/>
+          </a:p>
+        </p:txBody>
+      </p:sp>
+      <p:sp>
+        <p:nvSpPr>
+          <p:cNvPr id="30" name="文本框 29"/>
+          <p:cNvSpPr txBox="1"/>
+          <p:nvPr/>
+        </p:nvSpPr>
+        <p:spPr>
+          <a:xfrm>
+            <a:off x="10058471" y="2469665"/>
+            <a:ext cx="1016625" cy="338554"/>
+          </a:xfrm>
+          <a:prstGeom prst="rect">
+            <a:avLst/>
+          </a:prstGeom>
+          <a:noFill/>
+        </p:spPr>
+        <p:txBody>
+          <a:bodyPr wrap="none" rtlCol="0">
+            <a:spAutoFit/>
+          </a:bodyPr>
+          <a:lstStyle/>
+          <a:p>
+            <a:r>
+              <a:rPr lang="en-US" altLang="zh-CN" sz="1600" dirty="0" smtClean="0">
+                <a:latin typeface="Arial" panose="020B0604020202020204" pitchFamily="34" charset="0"/>
+                <a:cs typeface="Arial" panose="020B0604020202020204" pitchFamily="34" charset="0"/>
+              </a:rPr>
+              <a:t>Pixel first</a:t>
+            </a:r>
+            <a:endParaRPr lang="zh-CN" altLang="en-US" sz="1600" dirty="0">
+              <a:latin typeface="Arial" panose="020B0604020202020204" pitchFamily="34" charset="0"/>
+              <a:cs typeface="Arial" panose="020B0604020202020204" pitchFamily="34" charset="0"/>
+            </a:endParaRPr>
+          </a:p>
+        </p:txBody>
+      </p:sp>
+      <p:cxnSp>
+        <p:nvCxnSpPr>
+          <p:cNvPr id="31" name="直接箭头连接符 30"/>
+          <p:cNvCxnSpPr/>
+          <p:nvPr/>
+        </p:nvCxnSpPr>
+        <p:spPr>
+          <a:xfrm flipV="1">
+            <a:off x="9426972" y="2664903"/>
+            <a:ext cx="631499" cy="251744"/>
+          </a:xfrm>
+          <a:prstGeom prst="straightConnector1">
+            <a:avLst/>
+          </a:prstGeom>
+          <a:ln w="19050">
+            <a:solidFill>
+              <a:schemeClr val="bg1">
+                <a:lumMod val="50000"/>
+              </a:schemeClr>
+            </a:solidFill>
+            <a:tailEnd type="triangle"/>
+          </a:ln>
+        </p:spPr>
+        <p:style>
+          <a:lnRef idx="1">
+            <a:schemeClr val="accent1"/>
+          </a:lnRef>
+          <a:fillRef idx="0">
+            <a:schemeClr val="accent1"/>
+          </a:fillRef>
+          <a:effectRef idx="0">
+            <a:schemeClr val="accent1"/>
+          </a:effectRef>
+          <a:fontRef idx="minor">
+            <a:schemeClr val="tx1"/>
+          </a:fontRef>
+        </p:style>
+      </p:cxnSp>
+      <p:sp>
+        <p:nvSpPr>
+          <p:cNvPr id="3" name="文本框 2"/>
+          <p:cNvSpPr txBox="1"/>
+          <p:nvPr/>
+        </p:nvSpPr>
+        <p:spPr>
+          <a:xfrm>
+            <a:off x="3857625" y="5179615"/>
+            <a:ext cx="436338" cy="369332"/>
+          </a:xfrm>
+          <a:prstGeom prst="rect">
+            <a:avLst/>
+          </a:prstGeom>
+          <a:noFill/>
+        </p:spPr>
+        <p:txBody>
+          <a:bodyPr wrap="none" rtlCol="0">
+            <a:spAutoFit/>
+          </a:bodyPr>
+          <a:lstStyle/>
+          <a:p>
+            <a:r>
+              <a:rPr lang="en-US" altLang="zh-CN" dirty="0" smtClean="0"/>
+              <a:t>(a)</a:t>
+            </a:r>
+            <a:endParaRPr lang="zh-CN" altLang="en-US" dirty="0"/>
+          </a:p>
+        </p:txBody>
+      </p:sp>
+      <p:sp>
+        <p:nvSpPr>
+          <p:cNvPr id="34" name="文本框 33"/>
+          <p:cNvSpPr txBox="1"/>
+          <p:nvPr/>
+        </p:nvSpPr>
+        <p:spPr>
+          <a:xfrm>
+            <a:off x="9116365" y="5179615"/>
+            <a:ext cx="447558" cy="369332"/>
+          </a:xfrm>
+          <a:prstGeom prst="rect">
+            <a:avLst/>
+          </a:prstGeom>
+          <a:noFill/>
+        </p:spPr>
+        <p:txBody>
+          <a:bodyPr wrap="none" rtlCol="0">
+            <a:spAutoFit/>
+          </a:bodyPr>
+          <a:lstStyle/>
+          <a:p>
+            <a:r>
+              <a:rPr lang="en-US" altLang="zh-CN" dirty="0" smtClean="0"/>
+              <a:t>(b)</a:t>
+            </a:r>
+            <a:endParaRPr lang="zh-CN" altLang="en-US" dirty="0"/>
           </a:p>
         </p:txBody>
       </p:sp>

--- a/fig/design_space.pptx
+++ b/fig/design_space.pptx
@@ -6603,7 +6603,7 @@
           <a:p>
             <a:fld id="{62EB56CC-5105-444F-951C-793EF08C1D9B}" type="datetimeFigureOut">
               <a:rPr lang="zh-CN" altLang="en-US" smtClean="0"/>
-              <a:t>2017/12/21</a:t>
+              <a:t>2017/12/22</a:t>
             </a:fld>
             <a:endParaRPr lang="zh-CN" altLang="en-US"/>
           </a:p>
@@ -6773,7 +6773,7 @@
           <a:p>
             <a:fld id="{62EB56CC-5105-444F-951C-793EF08C1D9B}" type="datetimeFigureOut">
               <a:rPr lang="zh-CN" altLang="en-US" smtClean="0"/>
-              <a:t>2017/12/21</a:t>
+              <a:t>2017/12/22</a:t>
             </a:fld>
             <a:endParaRPr lang="zh-CN" altLang="en-US"/>
           </a:p>
@@ -6953,7 +6953,7 @@
           <a:p>
             <a:fld id="{62EB56CC-5105-444F-951C-793EF08C1D9B}" type="datetimeFigureOut">
               <a:rPr lang="zh-CN" altLang="en-US" smtClean="0"/>
-              <a:t>2017/12/21</a:t>
+              <a:t>2017/12/22</a:t>
             </a:fld>
             <a:endParaRPr lang="zh-CN" altLang="en-US"/>
           </a:p>
@@ -7123,7 +7123,7 @@
           <a:p>
             <a:fld id="{62EB56CC-5105-444F-951C-793EF08C1D9B}" type="datetimeFigureOut">
               <a:rPr lang="zh-CN" altLang="en-US" smtClean="0"/>
-              <a:t>2017/12/21</a:t>
+              <a:t>2017/12/22</a:t>
             </a:fld>
             <a:endParaRPr lang="zh-CN" altLang="en-US"/>
           </a:p>
@@ -7369,7 +7369,7 @@
           <a:p>
             <a:fld id="{62EB56CC-5105-444F-951C-793EF08C1D9B}" type="datetimeFigureOut">
               <a:rPr lang="zh-CN" altLang="en-US" smtClean="0"/>
-              <a:t>2017/12/21</a:t>
+              <a:t>2017/12/22</a:t>
             </a:fld>
             <a:endParaRPr lang="zh-CN" altLang="en-US"/>
           </a:p>
@@ -7601,7 +7601,7 @@
           <a:p>
             <a:fld id="{62EB56CC-5105-444F-951C-793EF08C1D9B}" type="datetimeFigureOut">
               <a:rPr lang="zh-CN" altLang="en-US" smtClean="0"/>
-              <a:t>2017/12/21</a:t>
+              <a:t>2017/12/22</a:t>
             </a:fld>
             <a:endParaRPr lang="zh-CN" altLang="en-US"/>
           </a:p>
@@ -7968,7 +7968,7 @@
           <a:p>
             <a:fld id="{62EB56CC-5105-444F-951C-793EF08C1D9B}" type="datetimeFigureOut">
               <a:rPr lang="zh-CN" altLang="en-US" smtClean="0"/>
-              <a:t>2017/12/21</a:t>
+              <a:t>2017/12/22</a:t>
             </a:fld>
             <a:endParaRPr lang="zh-CN" altLang="en-US"/>
           </a:p>
@@ -8086,7 +8086,7 @@
           <a:p>
             <a:fld id="{62EB56CC-5105-444F-951C-793EF08C1D9B}" type="datetimeFigureOut">
               <a:rPr lang="zh-CN" altLang="en-US" smtClean="0"/>
-              <a:t>2017/12/21</a:t>
+              <a:t>2017/12/22</a:t>
             </a:fld>
             <a:endParaRPr lang="zh-CN" altLang="en-US"/>
           </a:p>
@@ -8181,7 +8181,7 @@
           <a:p>
             <a:fld id="{62EB56CC-5105-444F-951C-793EF08C1D9B}" type="datetimeFigureOut">
               <a:rPr lang="zh-CN" altLang="en-US" smtClean="0"/>
-              <a:t>2017/12/21</a:t>
+              <a:t>2017/12/22</a:t>
             </a:fld>
             <a:endParaRPr lang="zh-CN" altLang="en-US"/>
           </a:p>
@@ -8458,7 +8458,7 @@
           <a:p>
             <a:fld id="{62EB56CC-5105-444F-951C-793EF08C1D9B}" type="datetimeFigureOut">
               <a:rPr lang="zh-CN" altLang="en-US" smtClean="0"/>
-              <a:t>2017/12/21</a:t>
+              <a:t>2017/12/22</a:t>
             </a:fld>
             <a:endParaRPr lang="zh-CN" altLang="en-US"/>
           </a:p>
@@ -8715,7 +8715,7 @@
           <a:p>
             <a:fld id="{62EB56CC-5105-444F-951C-793EF08C1D9B}" type="datetimeFigureOut">
               <a:rPr lang="zh-CN" altLang="en-US" smtClean="0"/>
-              <a:t>2017/12/21</a:t>
+              <a:t>2017/12/22</a:t>
             </a:fld>
             <a:endParaRPr lang="zh-CN" altLang="en-US"/>
           </a:p>
@@ -8928,7 +8928,7 @@
           <a:p>
             <a:fld id="{62EB56CC-5105-444F-951C-793EF08C1D9B}" type="datetimeFigureOut">
               <a:rPr lang="zh-CN" altLang="en-US" smtClean="0"/>
-              <a:t>2017/12/21</a:t>
+              <a:t>2017/12/22</a:t>
             </a:fld>
             <a:endParaRPr lang="zh-CN" altLang="en-US"/>
           </a:p>
@@ -9985,7 +9985,7 @@
         <p:spPr>
           <a:xfrm>
             <a:off x="12021249" y="2499358"/>
-            <a:ext cx="1237775" cy="307777"/>
+            <a:ext cx="1027782" cy="307777"/>
           </a:xfrm>
           <a:prstGeom prst="rect">
             <a:avLst/>
@@ -9999,11 +9999,18 @@
           <a:lstStyle/>
           <a:p>
             <a:r>
+              <a:rPr lang="en-US" altLang="zh-CN" sz="1400" dirty="0" smtClean="0">
+                <a:latin typeface="Arial" panose="020B0604020202020204" pitchFamily="34" charset="0"/>
+                <a:cs typeface="Arial" panose="020B0604020202020204" pitchFamily="34" charset="0"/>
+              </a:rPr>
+              <a:t>Fix </a:t>
+            </a:r>
+            <a:r>
               <a:rPr lang="en-US" altLang="zh-CN" sz="1400" dirty="0">
                 <a:latin typeface="Arial" panose="020B0604020202020204" pitchFamily="34" charset="0"/>
                 <a:cs typeface="Arial" panose="020B0604020202020204" pitchFamily="34" charset="0"/>
               </a:rPr>
-              <a:t>Static Weight</a:t>
+              <a:t>Weight</a:t>
             </a:r>
             <a:endParaRPr lang="zh-CN" altLang="en-US" sz="1400" dirty="0">
               <a:latin typeface="Arial" panose="020B0604020202020204" pitchFamily="34" charset="0"/>
